--- a/졸업작품_사용자 설명서_김다빈, 이상규, 차혜연.pptx
+++ b/졸업작품_사용자 설명서_김다빈, 이상규, 차혜연.pptx
@@ -5,7 +5,7 @@
     <p:sldMasterId id="2147483648" r:id="rId1"/>
   </p:sldMasterIdLst>
   <p:notesMasterIdLst>
-    <p:notesMasterId r:id="rId14"/>
+    <p:notesMasterId r:id="rId17"/>
   </p:notesMasterIdLst>
   <p:sldIdLst>
     <p:sldId id="256" r:id="rId2"/>
@@ -18,8 +18,11 @@
     <p:sldId id="266" r:id="rId9"/>
     <p:sldId id="265" r:id="rId10"/>
     <p:sldId id="263" r:id="rId11"/>
-    <p:sldId id="268" r:id="rId12"/>
-    <p:sldId id="269" r:id="rId13"/>
+    <p:sldId id="271" r:id="rId12"/>
+    <p:sldId id="272" r:id="rId13"/>
+    <p:sldId id="270" r:id="rId14"/>
+    <p:sldId id="268" r:id="rId15"/>
+    <p:sldId id="269" r:id="rId16"/>
   </p:sldIdLst>
   <p:sldSz cx="12192000" cy="6858000"/>
   <p:notesSz cx="6858000" cy="9144000"/>
@@ -1860,7 +1863,7 @@
           </a:ln>
           <a:extLst>
             <a:ext uri="{C572A759-6A51-4108-AA02-DFA0A04FC94B}">
-              <ma14:wrappingTextBoxFlag xmlns="" xmlns:m="http://schemas.openxmlformats.org/officeDocument/2006/math" xmlns:a14="http://schemas.microsoft.com/office/drawing/2010/main" xmlns:ma14="http://schemas.microsoft.com/office/mac/drawingml/2011/main" val="1"/>
+              <ma14:wrappingTextBoxFlag xmlns:ma14="http://schemas.microsoft.com/office/mac/drawingml/2011/main" xmlns:a14="http://schemas.microsoft.com/office/drawing/2010/main" xmlns:m="http://schemas.openxmlformats.org/officeDocument/2006/math" xmlns="" val="1"/>
             </a:ext>
           </a:extLst>
         </p:spPr>
@@ -1911,7 +1914,7 @@
           </a:ln>
           <a:extLst>
             <a:ext uri="{C572A759-6A51-4108-AA02-DFA0A04FC94B}">
-              <ma14:wrappingTextBoxFlag xmlns="" xmlns:m="http://schemas.openxmlformats.org/officeDocument/2006/math" xmlns:a14="http://schemas.microsoft.com/office/drawing/2010/main" xmlns:ma14="http://schemas.microsoft.com/office/mac/drawingml/2011/main" val="1"/>
+              <ma14:wrappingTextBoxFlag xmlns:ma14="http://schemas.microsoft.com/office/mac/drawingml/2011/main" xmlns:a14="http://schemas.microsoft.com/office/drawing/2010/main" xmlns:m="http://schemas.openxmlformats.org/officeDocument/2006/math" xmlns="" val="1"/>
             </a:ext>
           </a:extLst>
         </p:spPr>
@@ -1950,7 +1953,7 @@
           </a:ln>
           <a:extLst>
             <a:ext uri="{C572A759-6A51-4108-AA02-DFA0A04FC94B}">
-              <ma14:wrappingTextBoxFlag xmlns="" xmlns:m="http://schemas.openxmlformats.org/officeDocument/2006/math" xmlns:a14="http://schemas.microsoft.com/office/drawing/2010/main" xmlns:ma14="http://schemas.microsoft.com/office/mac/drawingml/2011/main" val="1"/>
+              <ma14:wrappingTextBoxFlag xmlns:ma14="http://schemas.microsoft.com/office/mac/drawingml/2011/main" xmlns:a14="http://schemas.microsoft.com/office/drawing/2010/main" xmlns:m="http://schemas.openxmlformats.org/officeDocument/2006/math" xmlns="" val="1"/>
             </a:ext>
           </a:extLst>
         </p:spPr>
@@ -2895,7 +2898,7 @@
             <a:effectLst/>
             <a:extLst>
               <a:ext uri="{C572A759-6A51-4108-AA02-DFA0A04FC94B}">
-                <ma14:wrappingTextBoxFlag xmlns="" xmlns:m="http://schemas.openxmlformats.org/officeDocument/2006/math" xmlns:a14="http://schemas.microsoft.com/office/drawing/2010/main" xmlns:ma14="http://schemas.microsoft.com/office/mac/drawingml/2011/main" val="1"/>
+                <ma14:wrappingTextBoxFlag xmlns:ma14="http://schemas.microsoft.com/office/mac/drawingml/2011/main" xmlns:a14="http://schemas.microsoft.com/office/drawing/2010/main" xmlns:m="http://schemas.openxmlformats.org/officeDocument/2006/math" xmlns="" val="1"/>
               </a:ext>
             </a:extLst>
           </p:spPr>
@@ -2988,7 +2991,7 @@
             <a:effectLst/>
             <a:extLst>
               <a:ext uri="{C572A759-6A51-4108-AA02-DFA0A04FC94B}">
-                <ma14:wrappingTextBoxFlag xmlns="" xmlns:m="http://schemas.openxmlformats.org/officeDocument/2006/math" xmlns:a14="http://schemas.microsoft.com/office/drawing/2010/main" xmlns:ma14="http://schemas.microsoft.com/office/mac/drawingml/2011/main" val="1"/>
+                <ma14:wrappingTextBoxFlag xmlns:ma14="http://schemas.microsoft.com/office/mac/drawingml/2011/main" xmlns:a14="http://schemas.microsoft.com/office/drawing/2010/main" xmlns:m="http://schemas.openxmlformats.org/officeDocument/2006/math" xmlns="" val="1"/>
               </a:ext>
             </a:extLst>
           </p:spPr>
@@ -3082,7 +3085,7 @@
           </a:ln>
           <a:extLst>
             <a:ext uri="{C572A759-6A51-4108-AA02-DFA0A04FC94B}">
-              <ma14:wrappingTextBoxFlag xmlns="" xmlns:m="http://schemas.openxmlformats.org/officeDocument/2006/math" xmlns:a14="http://schemas.microsoft.com/office/drawing/2010/main" xmlns:ma14="http://schemas.microsoft.com/office/mac/drawingml/2011/main" val="1"/>
+              <ma14:wrappingTextBoxFlag xmlns:ma14="http://schemas.microsoft.com/office/mac/drawingml/2011/main" xmlns:a14="http://schemas.microsoft.com/office/drawing/2010/main" xmlns:m="http://schemas.openxmlformats.org/officeDocument/2006/math" xmlns="" val="1"/>
             </a:ext>
           </a:extLst>
         </p:spPr>
@@ -3228,7 +3231,7 @@
           </a:ln>
           <a:extLst>
             <a:ext uri="{C572A759-6A51-4108-AA02-DFA0A04FC94B}">
-              <ma14:wrappingTextBoxFlag xmlns="" xmlns:m="http://schemas.openxmlformats.org/officeDocument/2006/math" xmlns:a14="http://schemas.microsoft.com/office/drawing/2010/main" xmlns:ma14="http://schemas.microsoft.com/office/mac/drawingml/2011/main" val="1"/>
+              <ma14:wrappingTextBoxFlag xmlns:ma14="http://schemas.microsoft.com/office/mac/drawingml/2011/main" xmlns:a14="http://schemas.microsoft.com/office/drawing/2010/main" xmlns:m="http://schemas.openxmlformats.org/officeDocument/2006/math" xmlns="" val="1"/>
             </a:ext>
           </a:extLst>
         </p:spPr>
@@ -3260,7 +3263,7 @@
           <p:cNvPr id="2" name="TextBox 1">
             <a:extLst>
               <a:ext uri="{FF2B5EF4-FFF2-40B4-BE49-F238E27FC236}">
-                <a16:creationId xmlns:a16="http://schemas.microsoft.com/office/drawing/2014/main" id="{980C68D5-E815-4250-95DB-DB8517E26E9F}"/>
+                <a16:creationId xmlns:a16="http://schemas.microsoft.com/office/drawing/2014/main" xmlns="" id="{980C68D5-E815-4250-95DB-DB8517E26E9F}"/>
               </a:ext>
             </a:extLst>
           </p:cNvPr>
@@ -3363,93 +3366,6 @@
           <a:chExt cx="0" cy="0"/>
         </a:xfrm>
       </p:grpSpPr>
-      <p:pic>
-        <p:nvPicPr>
-          <p:cNvPr id="197" name="스크린샷 2019-04-24 오후 12.33.32.png" descr="스크린샷 2019-04-24 오후 12.33.32.png"/>
-          <p:cNvPicPr>
-            <a:picLocks noChangeAspect="1"/>
-          </p:cNvPicPr>
-          <p:nvPr/>
-        </p:nvPicPr>
-        <p:blipFill>
-          <a:blip r:embed="rId2">
-            <a:extLst/>
-          </a:blip>
-          <a:stretch>
-            <a:fillRect/>
-          </a:stretch>
-        </p:blipFill>
-        <p:spPr>
-          <a:xfrm>
-            <a:off x="885664" y="897535"/>
-            <a:ext cx="3097234" cy="4778726"/>
-          </a:xfrm>
-          <a:prstGeom prst="rect">
-            <a:avLst/>
-          </a:prstGeom>
-          <a:ln w="12700">
-            <a:miter lim="400000"/>
-          </a:ln>
-        </p:spPr>
-      </p:pic>
-      <p:pic>
-        <p:nvPicPr>
-          <p:cNvPr id="198" name="스크린샷 2019-04-24 오후 12.38.31.png" descr="스크린샷 2019-04-24 오후 12.38.31.png"/>
-          <p:cNvPicPr>
-            <a:picLocks noChangeAspect="1"/>
-          </p:cNvPicPr>
-          <p:nvPr/>
-        </p:nvPicPr>
-        <p:blipFill>
-          <a:blip r:embed="rId3">
-            <a:extLst/>
-          </a:blip>
-          <a:stretch>
-            <a:fillRect/>
-          </a:stretch>
-        </p:blipFill>
-        <p:spPr>
-          <a:xfrm>
-            <a:off x="8472712" y="897534"/>
-            <a:ext cx="3097233" cy="4778727"/>
-          </a:xfrm>
-          <a:prstGeom prst="rect">
-            <a:avLst/>
-          </a:prstGeom>
-          <a:ln w="12700">
-            <a:miter lim="400000"/>
-          </a:ln>
-        </p:spPr>
-      </p:pic>
-      <p:pic>
-        <p:nvPicPr>
-          <p:cNvPr id="199" name="스크린샷 2019-04-24 오후 12.40.55.png" descr="스크린샷 2019-04-24 오후 12.40.55.png"/>
-          <p:cNvPicPr>
-            <a:picLocks noChangeAspect="1"/>
-          </p:cNvPicPr>
-          <p:nvPr/>
-        </p:nvPicPr>
-        <p:blipFill>
-          <a:blip r:embed="rId4">
-            <a:extLst/>
-          </a:blip>
-          <a:stretch>
-            <a:fillRect/>
-          </a:stretch>
-        </p:blipFill>
-        <p:spPr>
-          <a:xfrm>
-            <a:off x="4679188" y="897534"/>
-            <a:ext cx="3097234" cy="4778727"/>
-          </a:xfrm>
-          <a:prstGeom prst="rect">
-            <a:avLst/>
-          </a:prstGeom>
-          <a:ln w="12700">
-            <a:miter lim="400000"/>
-          </a:ln>
-        </p:spPr>
-      </p:pic>
       <p:sp>
         <p:nvSpPr>
           <p:cNvPr id="200" name="TextBox 15"/>
@@ -3469,7 +3385,7 @@
           </a:ln>
           <a:extLst>
             <a:ext uri="{C572A759-6A51-4108-AA02-DFA0A04FC94B}">
-              <ma14:wrappingTextBoxFlag xmlns="" xmlns:m="http://schemas.openxmlformats.org/officeDocument/2006/math" xmlns:a14="http://schemas.microsoft.com/office/drawing/2010/main" xmlns:ma14="http://schemas.microsoft.com/office/mac/drawingml/2011/main" val="1"/>
+              <ma14:wrappingTextBoxFlag xmlns:ma14="http://schemas.microsoft.com/office/mac/drawingml/2011/main" xmlns:a14="http://schemas.microsoft.com/office/drawing/2010/main" xmlns:m="http://schemas.openxmlformats.org/officeDocument/2006/math" xmlns="" val="1"/>
             </a:ext>
           </a:extLst>
         </p:spPr>
@@ -3581,7 +3497,7 @@
           </a:ln>
           <a:extLst>
             <a:ext uri="{C572A759-6A51-4108-AA02-DFA0A04FC94B}">
-              <ma14:wrappingTextBoxFlag xmlns="" xmlns:m="http://schemas.openxmlformats.org/officeDocument/2006/math" xmlns:a14="http://schemas.microsoft.com/office/drawing/2010/main" xmlns:ma14="http://schemas.microsoft.com/office/mac/drawingml/2011/main" val="1"/>
+              <ma14:wrappingTextBoxFlag xmlns:ma14="http://schemas.microsoft.com/office/mac/drawingml/2011/main" xmlns:a14="http://schemas.microsoft.com/office/drawing/2010/main" xmlns:m="http://schemas.openxmlformats.org/officeDocument/2006/math" xmlns="" val="1"/>
             </a:ext>
           </a:extLst>
         </p:spPr>
@@ -3643,7 +3559,7 @@
             <a:effectLst/>
             <a:extLst>
               <a:ext uri="{C572A759-6A51-4108-AA02-DFA0A04FC94B}">
-                <ma14:wrappingTextBoxFlag xmlns="" xmlns:m="http://schemas.openxmlformats.org/officeDocument/2006/math" xmlns:a14="http://schemas.microsoft.com/office/drawing/2010/main" xmlns:ma14="http://schemas.microsoft.com/office/mac/drawingml/2011/main" val="1"/>
+                <ma14:wrappingTextBoxFlag xmlns:ma14="http://schemas.microsoft.com/office/mac/drawingml/2011/main" xmlns:a14="http://schemas.microsoft.com/office/drawing/2010/main" xmlns:m="http://schemas.openxmlformats.org/officeDocument/2006/math" xmlns="" val="1"/>
               </a:ext>
             </a:extLst>
           </p:spPr>
@@ -3698,7 +3614,7 @@
             <a:effectLst/>
             <a:extLst>
               <a:ext uri="{C572A759-6A51-4108-AA02-DFA0A04FC94B}">
-                <ma14:wrappingTextBoxFlag xmlns="" xmlns:m="http://schemas.openxmlformats.org/officeDocument/2006/math" xmlns:a14="http://schemas.microsoft.com/office/drawing/2010/main" xmlns:ma14="http://schemas.microsoft.com/office/mac/drawingml/2011/main" val="1"/>
+                <ma14:wrappingTextBoxFlag xmlns:ma14="http://schemas.microsoft.com/office/mac/drawingml/2011/main" xmlns:a14="http://schemas.microsoft.com/office/drawing/2010/main" xmlns:m="http://schemas.openxmlformats.org/officeDocument/2006/math" xmlns="" val="1"/>
               </a:ext>
             </a:extLst>
           </p:spPr>
@@ -3744,15 +3660,73 @@
           </p:txBody>
         </p:sp>
       </p:grpSp>
+      <p:pic>
+        <p:nvPicPr>
+          <p:cNvPr id="15" name="스크린샷 2019-04-24 오후 12.33.32.png" descr="스크린샷 2019-04-24 오후 12.33.32.png"/>
+          <p:cNvPicPr>
+            <a:picLocks noChangeAspect="1"/>
+          </p:cNvPicPr>
+          <p:nvPr/>
+        </p:nvPicPr>
+        <p:blipFill>
+          <a:blip r:embed="rId2">
+            <a:extLst/>
+          </a:blip>
+          <a:stretch>
+            <a:fillRect/>
+          </a:stretch>
+        </p:blipFill>
+        <p:spPr>
+          <a:xfrm>
+            <a:off x="522598" y="816313"/>
+            <a:ext cx="3315540" cy="5115551"/>
+          </a:xfrm>
+          <a:prstGeom prst="rect">
+            <a:avLst/>
+          </a:prstGeom>
+          <a:ln w="12700">
+            <a:miter lim="400000"/>
+          </a:ln>
+        </p:spPr>
+      </p:pic>
+      <p:pic>
+        <p:nvPicPr>
+          <p:cNvPr id="16" name="스크린샷 2019-04-24 오후 12.40.55.png" descr="스크린샷 2019-04-24 오후 12.40.55.png"/>
+          <p:cNvPicPr>
+            <a:picLocks noChangeAspect="1"/>
+          </p:cNvPicPr>
+          <p:nvPr/>
+        </p:nvPicPr>
+        <p:blipFill>
+          <a:blip r:embed="rId3">
+            <a:extLst/>
+          </a:blip>
+          <a:stretch>
+            <a:fillRect/>
+          </a:stretch>
+        </p:blipFill>
+        <p:spPr>
+          <a:xfrm>
+            <a:off x="4494335" y="754777"/>
+            <a:ext cx="3291127" cy="5077885"/>
+          </a:xfrm>
+          <a:prstGeom prst="rect">
+            <a:avLst/>
+          </a:prstGeom>
+          <a:ln w="12700">
+            <a:miter lim="400000"/>
+          </a:ln>
+        </p:spPr>
+      </p:pic>
       <p:sp>
         <p:nvSpPr>
-          <p:cNvPr id="207" name="TextBox 9"/>
+          <p:cNvPr id="17" name="TextBox 9"/>
           <p:cNvSpPr txBox="1"/>
           <p:nvPr/>
         </p:nvSpPr>
         <p:spPr>
           <a:xfrm>
-            <a:off x="1515762" y="5439376"/>
+            <a:off x="1515762" y="5735932"/>
             <a:ext cx="1354087" cy="426733"/>
           </a:xfrm>
           <a:prstGeom prst="rect">
@@ -3804,13 +3778,13 @@
       </p:sp>
       <p:sp>
         <p:nvSpPr>
-          <p:cNvPr id="208" name="TextBox 36"/>
+          <p:cNvPr id="18" name="TextBox 36"/>
           <p:cNvSpPr txBox="1"/>
           <p:nvPr/>
         </p:nvSpPr>
         <p:spPr>
           <a:xfrm>
-            <a:off x="5526330" y="5439376"/>
+            <a:off x="5526330" y="5735932"/>
             <a:ext cx="1354088" cy="426733"/>
           </a:xfrm>
           <a:prstGeom prst="rect">
@@ -3862,13 +3836,13 @@
       </p:sp>
       <p:sp>
         <p:nvSpPr>
-          <p:cNvPr id="209" name="TextBox 37"/>
+          <p:cNvPr id="19" name="TextBox 37"/>
           <p:cNvSpPr txBox="1"/>
           <p:nvPr/>
         </p:nvSpPr>
         <p:spPr>
           <a:xfrm>
-            <a:off x="9529919" y="5439376"/>
+            <a:off x="9854729" y="5381040"/>
             <a:ext cx="1156349" cy="426733"/>
           </a:xfrm>
           <a:prstGeom prst="rect">
@@ -3915,6 +3889,1029 @@
               </a:rPr>
               <a:t>메인 페이지</a:t>
             </a:r>
+          </a:p>
+        </p:txBody>
+      </p:sp>
+      <p:sp>
+        <p:nvSpPr>
+          <p:cNvPr id="20" name="직사각형 19"/>
+          <p:cNvSpPr/>
+          <p:nvPr/>
+        </p:nvSpPr>
+        <p:spPr>
+          <a:xfrm>
+            <a:off x="9087064" y="1026092"/>
+            <a:ext cx="2691677" cy="4354948"/>
+          </a:xfrm>
+          <a:prstGeom prst="rect">
+            <a:avLst/>
+          </a:prstGeom>
+          <a:blipFill dpi="0" rotWithShape="1">
+            <a:blip r:embed="rId4">
+              <a:extLst>
+                <a:ext uri="{28A0092B-C50C-407E-A947-70E740481C1C}">
+                  <a14:useLocalDpi xmlns:a14="http://schemas.microsoft.com/office/drawing/2010/main" val="0"/>
+                </a:ext>
+              </a:extLst>
+            </a:blip>
+            <a:srcRect/>
+            <a:stretch>
+              <a:fillRect/>
+            </a:stretch>
+          </a:blipFill>
+          <a:ln w="12700" cap="flat">
+            <a:noFill/>
+            <a:prstDash val="solid"/>
+            <a:miter lim="800000"/>
+          </a:ln>
+          <a:effectLst/>
+          <a:sp3d/>
+        </p:spPr>
+        <p:style>
+          <a:lnRef idx="0">
+            <a:scrgbClr r="0" g="0" b="0"/>
+          </a:lnRef>
+          <a:fillRef idx="0">
+            <a:scrgbClr r="0" g="0" b="0"/>
+          </a:fillRef>
+          <a:effectRef idx="0">
+            <a:scrgbClr r="0" g="0" b="0"/>
+          </a:effectRef>
+          <a:fontRef idx="none"/>
+        </p:style>
+        <p:txBody>
+          <a:bodyPr rot="0" spcFirstLastPara="1" vertOverflow="overflow" horzOverflow="overflow" vert="horz" wrap="square" lIns="45719" tIns="45719" rIns="45719" bIns="45719" numCol="1" spcCol="38100" rtlCol="0" anchor="ctr">
+            <a:spAutoFit/>
+          </a:bodyPr>
+          <a:lstStyle/>
+          <a:p>
+            <a:pPr marL="0" marR="0" indent="0" algn="l" defTabSz="914400" rtl="0" fontAlgn="auto" latinLnBrk="0" hangingPunct="0">
+              <a:lnSpc>
+                <a:spcPct val="100000"/>
+              </a:lnSpc>
+              <a:spcBef>
+                <a:spcPts val="0"/>
+              </a:spcBef>
+              <a:spcAft>
+                <a:spcPts val="0"/>
+              </a:spcAft>
+              <a:buClrTx/>
+              <a:buSzTx/>
+              <a:buFontTx/>
+              <a:buNone/>
+              <a:tabLst/>
+            </a:pPr>
+            <a:endParaRPr kumimoji="0" lang="ko-KR" altLang="en-US" sz="1800" b="0" i="0" u="none" strike="noStrike" cap="none" spc="0" normalizeH="0" baseline="0">
+              <a:ln>
+                <a:noFill/>
+              </a:ln>
+              <a:solidFill>
+                <a:srgbClr val="3A3838"/>
+              </a:solidFill>
+              <a:effectLst/>
+              <a:uFillTx/>
+              <a:latin typeface="Arial"/>
+              <a:ea typeface="Arial"/>
+              <a:cs typeface="Arial"/>
+              <a:sym typeface="Arial"/>
+            </a:endParaRPr>
+          </a:p>
+        </p:txBody>
+      </p:sp>
+      <p:sp>
+        <p:nvSpPr>
+          <p:cNvPr id="21" name="오른쪽 화살표 20"/>
+          <p:cNvSpPr/>
+          <p:nvPr/>
+        </p:nvSpPr>
+        <p:spPr>
+          <a:xfrm>
+            <a:off x="3717745" y="2945035"/>
+            <a:ext cx="896983" cy="478972"/>
+          </a:xfrm>
+          <a:prstGeom prst="rightArrow">
+            <a:avLst/>
+          </a:prstGeom>
+          <a:solidFill>
+            <a:srgbClr val="FFFFFF"/>
+          </a:solidFill>
+          <a:ln w="12700" cap="flat">
+            <a:solidFill>
+              <a:schemeClr val="accent1"/>
+            </a:solidFill>
+            <a:prstDash val="solid"/>
+            <a:miter lim="800000"/>
+          </a:ln>
+          <a:effectLst/>
+          <a:sp3d/>
+        </p:spPr>
+        <p:style>
+          <a:lnRef idx="0">
+            <a:scrgbClr r="0" g="0" b="0"/>
+          </a:lnRef>
+          <a:fillRef idx="0">
+            <a:scrgbClr r="0" g="0" b="0"/>
+          </a:fillRef>
+          <a:effectRef idx="0">
+            <a:scrgbClr r="0" g="0" b="0"/>
+          </a:effectRef>
+          <a:fontRef idx="none"/>
+        </p:style>
+        <p:txBody>
+          <a:bodyPr rot="0" spcFirstLastPara="1" vertOverflow="overflow" horzOverflow="overflow" vert="horz" wrap="square" lIns="45719" tIns="45719" rIns="45719" bIns="45719" numCol="1" spcCol="38100" rtlCol="0" anchor="ctr">
+            <a:spAutoFit/>
+          </a:bodyPr>
+          <a:lstStyle/>
+          <a:p>
+            <a:pPr marL="0" marR="0" indent="0" algn="l" defTabSz="914400" rtl="0" fontAlgn="auto" latinLnBrk="0" hangingPunct="0">
+              <a:lnSpc>
+                <a:spcPct val="100000"/>
+              </a:lnSpc>
+              <a:spcBef>
+                <a:spcPts val="0"/>
+              </a:spcBef>
+              <a:spcAft>
+                <a:spcPts val="0"/>
+              </a:spcAft>
+              <a:buClrTx/>
+              <a:buSzTx/>
+              <a:buFontTx/>
+              <a:buNone/>
+              <a:tabLst/>
+            </a:pPr>
+            <a:endParaRPr kumimoji="0" lang="ko-KR" altLang="en-US" sz="1800" b="0" i="0" u="none" strike="noStrike" cap="none" spc="0" normalizeH="0" baseline="0">
+              <a:ln>
+                <a:noFill/>
+              </a:ln>
+              <a:solidFill>
+                <a:srgbClr val="3A3838"/>
+              </a:solidFill>
+              <a:effectLst/>
+              <a:uFillTx/>
+              <a:latin typeface="Arial"/>
+              <a:ea typeface="Arial"/>
+              <a:cs typeface="Arial"/>
+              <a:sym typeface="Arial"/>
+            </a:endParaRPr>
+          </a:p>
+        </p:txBody>
+      </p:sp>
+      <p:sp>
+        <p:nvSpPr>
+          <p:cNvPr id="22" name="오른쪽 화살표 21"/>
+          <p:cNvSpPr/>
+          <p:nvPr/>
+        </p:nvSpPr>
+        <p:spPr>
+          <a:xfrm>
+            <a:off x="7785462" y="2856116"/>
+            <a:ext cx="896983" cy="478972"/>
+          </a:xfrm>
+          <a:prstGeom prst="rightArrow">
+            <a:avLst/>
+          </a:prstGeom>
+          <a:solidFill>
+            <a:srgbClr val="FFFFFF"/>
+          </a:solidFill>
+          <a:ln w="12700" cap="flat">
+            <a:solidFill>
+              <a:schemeClr val="accent1"/>
+            </a:solidFill>
+            <a:prstDash val="solid"/>
+            <a:miter lim="800000"/>
+          </a:ln>
+          <a:effectLst/>
+          <a:sp3d/>
+        </p:spPr>
+        <p:style>
+          <a:lnRef idx="0">
+            <a:scrgbClr r="0" g="0" b="0"/>
+          </a:lnRef>
+          <a:fillRef idx="0">
+            <a:scrgbClr r="0" g="0" b="0"/>
+          </a:fillRef>
+          <a:effectRef idx="0">
+            <a:scrgbClr r="0" g="0" b="0"/>
+          </a:effectRef>
+          <a:fontRef idx="none"/>
+        </p:style>
+        <p:txBody>
+          <a:bodyPr rot="0" spcFirstLastPara="1" vertOverflow="overflow" horzOverflow="overflow" vert="horz" wrap="square" lIns="45719" tIns="45719" rIns="45719" bIns="45719" numCol="1" spcCol="38100" rtlCol="0" anchor="ctr">
+            <a:spAutoFit/>
+          </a:bodyPr>
+          <a:lstStyle/>
+          <a:p>
+            <a:pPr marL="0" marR="0" indent="0" algn="l" defTabSz="914400" rtl="0" fontAlgn="auto" latinLnBrk="0" hangingPunct="0">
+              <a:lnSpc>
+                <a:spcPct val="100000"/>
+              </a:lnSpc>
+              <a:spcBef>
+                <a:spcPts val="0"/>
+              </a:spcBef>
+              <a:spcAft>
+                <a:spcPts val="0"/>
+              </a:spcAft>
+              <a:buClrTx/>
+              <a:buSzTx/>
+              <a:buFontTx/>
+              <a:buNone/>
+              <a:tabLst/>
+            </a:pPr>
+            <a:endParaRPr kumimoji="0" lang="ko-KR" altLang="en-US" sz="1800" b="0" i="0" u="none" strike="noStrike" cap="none" spc="0" normalizeH="0" baseline="0">
+              <a:ln>
+                <a:noFill/>
+              </a:ln>
+              <a:solidFill>
+                <a:srgbClr val="3A3838"/>
+              </a:solidFill>
+              <a:effectLst/>
+              <a:uFillTx/>
+              <a:latin typeface="Arial"/>
+              <a:ea typeface="Arial"/>
+              <a:cs typeface="Arial"/>
+              <a:sym typeface="Arial"/>
+            </a:endParaRPr>
+          </a:p>
+        </p:txBody>
+      </p:sp>
+      <p:sp>
+        <p:nvSpPr>
+          <p:cNvPr id="23" name="타원 22"/>
+          <p:cNvSpPr/>
+          <p:nvPr/>
+        </p:nvSpPr>
+        <p:spPr>
+          <a:xfrm>
+            <a:off x="9344401" y="4667794"/>
+            <a:ext cx="400594" cy="357052"/>
+          </a:xfrm>
+          <a:prstGeom prst="ellipse">
+            <a:avLst/>
+          </a:prstGeom>
+          <a:noFill/>
+          <a:ln w="12700" cap="flat">
+            <a:solidFill>
+              <a:schemeClr val="accent1"/>
+            </a:solidFill>
+            <a:prstDash val="solid"/>
+            <a:miter lim="800000"/>
+          </a:ln>
+          <a:effectLst/>
+          <a:sp3d/>
+        </p:spPr>
+        <p:style>
+          <a:lnRef idx="0">
+            <a:scrgbClr r="0" g="0" b="0"/>
+          </a:lnRef>
+          <a:fillRef idx="0">
+            <a:scrgbClr r="0" g="0" b="0"/>
+          </a:fillRef>
+          <a:effectRef idx="0">
+            <a:scrgbClr r="0" g="0" b="0"/>
+          </a:effectRef>
+          <a:fontRef idx="none"/>
+        </p:style>
+        <p:txBody>
+          <a:bodyPr rot="0" spcFirstLastPara="1" vertOverflow="overflow" horzOverflow="overflow" vert="horz" wrap="square" lIns="45719" tIns="45719" rIns="45719" bIns="45719" numCol="1" spcCol="38100" rtlCol="0" anchor="ctr">
+            <a:spAutoFit/>
+          </a:bodyPr>
+          <a:lstStyle/>
+          <a:p>
+            <a:pPr marL="0" marR="0" indent="0" algn="l" defTabSz="914400" rtl="0" fontAlgn="auto" latinLnBrk="0" hangingPunct="0">
+              <a:lnSpc>
+                <a:spcPct val="100000"/>
+              </a:lnSpc>
+              <a:spcBef>
+                <a:spcPts val="0"/>
+              </a:spcBef>
+              <a:spcAft>
+                <a:spcPts val="0"/>
+              </a:spcAft>
+              <a:buClrTx/>
+              <a:buSzTx/>
+              <a:buFontTx/>
+              <a:buNone/>
+              <a:tabLst/>
+            </a:pPr>
+            <a:endParaRPr kumimoji="0" lang="ko-KR" altLang="en-US" sz="1800" b="0" i="0" u="none" strike="noStrike" cap="none" spc="0" normalizeH="0" baseline="0">
+              <a:ln>
+                <a:noFill/>
+              </a:ln>
+              <a:solidFill>
+                <a:srgbClr val="3A3838"/>
+              </a:solidFill>
+              <a:effectLst/>
+              <a:uFillTx/>
+              <a:latin typeface="Arial"/>
+              <a:ea typeface="Arial"/>
+              <a:cs typeface="Arial"/>
+              <a:sym typeface="Arial"/>
+            </a:endParaRPr>
+          </a:p>
+        </p:txBody>
+      </p:sp>
+      <p:sp>
+        <p:nvSpPr>
+          <p:cNvPr id="24" name="TextBox 23"/>
+          <p:cNvSpPr txBox="1"/>
+          <p:nvPr/>
+        </p:nvSpPr>
+        <p:spPr>
+          <a:xfrm>
+            <a:off x="8404400" y="4655516"/>
+            <a:ext cx="553996" cy="369330"/>
+          </a:xfrm>
+          <a:prstGeom prst="rect">
+            <a:avLst/>
+          </a:prstGeom>
+          <a:noFill/>
+          <a:ln w="12700" cap="flat">
+            <a:noFill/>
+            <a:miter lim="400000"/>
+          </a:ln>
+          <a:effectLst/>
+          <a:sp3d/>
+        </p:spPr>
+        <p:style>
+          <a:lnRef idx="0">
+            <a:scrgbClr r="0" g="0" b="0"/>
+          </a:lnRef>
+          <a:fillRef idx="0">
+            <a:scrgbClr r="0" g="0" b="0"/>
+          </a:fillRef>
+          <a:effectRef idx="0">
+            <a:scrgbClr r="0" g="0" b="0"/>
+          </a:effectRef>
+          <a:fontRef idx="none"/>
+        </p:style>
+        <p:txBody>
+          <a:bodyPr rot="0" spcFirstLastPara="1" vertOverflow="overflow" horzOverflow="overflow" vert="horz" wrap="none" lIns="45719" tIns="45719" rIns="45719" bIns="45719" numCol="1" spcCol="38100" rtlCol="0" anchor="t">
+            <a:spAutoFit/>
+          </a:bodyPr>
+          <a:lstStyle/>
+          <a:p>
+            <a:pPr marL="0" marR="0" indent="0" algn="l" defTabSz="914400" rtl="0" fontAlgn="auto" latinLnBrk="0" hangingPunct="0">
+              <a:lnSpc>
+                <a:spcPct val="100000"/>
+              </a:lnSpc>
+              <a:spcBef>
+                <a:spcPts val="0"/>
+              </a:spcBef>
+              <a:spcAft>
+                <a:spcPts val="0"/>
+              </a:spcAft>
+              <a:buClrTx/>
+              <a:buSzTx/>
+              <a:buFontTx/>
+              <a:buNone/>
+              <a:tabLst/>
+            </a:pPr>
+            <a:r>
+              <a:rPr kumimoji="0" lang="ko-KR" altLang="en-US" sz="1800" b="0" i="0" u="none" strike="noStrike" cap="none" spc="0" normalizeH="0" baseline="0" dirty="0" smtClean="0">
+                <a:ln>
+                  <a:noFill/>
+                </a:ln>
+                <a:solidFill>
+                  <a:srgbClr val="3A3838"/>
+                </a:solidFill>
+                <a:effectLst/>
+                <a:uFillTx/>
+                <a:latin typeface="Arial"/>
+                <a:ea typeface="Arial"/>
+                <a:cs typeface="Arial"/>
+                <a:sym typeface="Arial"/>
+              </a:rPr>
+              <a:t>클릭</a:t>
+            </a:r>
+            <a:endParaRPr kumimoji="0" lang="ko-KR" altLang="en-US" sz="1800" b="0" i="0" u="none" strike="noStrike" cap="none" spc="0" normalizeH="0" baseline="0" dirty="0">
+              <a:ln>
+                <a:noFill/>
+              </a:ln>
+              <a:solidFill>
+                <a:srgbClr val="3A3838"/>
+              </a:solidFill>
+              <a:effectLst/>
+              <a:uFillTx/>
+              <a:latin typeface="Arial"/>
+              <a:ea typeface="Arial"/>
+              <a:cs typeface="Arial"/>
+              <a:sym typeface="Arial"/>
+            </a:endParaRPr>
+          </a:p>
+        </p:txBody>
+      </p:sp>
+      <p:sp>
+        <p:nvSpPr>
+          <p:cNvPr id="25" name="직사각형 24"/>
+          <p:cNvSpPr/>
+          <p:nvPr/>
+        </p:nvSpPr>
+        <p:spPr>
+          <a:xfrm>
+            <a:off x="9239897" y="3013166"/>
+            <a:ext cx="467153" cy="164873"/>
+          </a:xfrm>
+          <a:prstGeom prst="rect">
+            <a:avLst/>
+          </a:prstGeom>
+          <a:noFill/>
+          <a:ln w="12700" cap="flat">
+            <a:solidFill>
+              <a:schemeClr val="accent1"/>
+            </a:solidFill>
+            <a:prstDash val="solid"/>
+            <a:miter lim="800000"/>
+          </a:ln>
+          <a:effectLst/>
+          <a:sp3d/>
+        </p:spPr>
+        <p:style>
+          <a:lnRef idx="0">
+            <a:scrgbClr r="0" g="0" b="0"/>
+          </a:lnRef>
+          <a:fillRef idx="0">
+            <a:scrgbClr r="0" g="0" b="0"/>
+          </a:fillRef>
+          <a:effectRef idx="0">
+            <a:scrgbClr r="0" g="0" b="0"/>
+          </a:effectRef>
+          <a:fontRef idx="none"/>
+        </p:style>
+        <p:txBody>
+          <a:bodyPr rot="0" spcFirstLastPara="1" vertOverflow="overflow" horzOverflow="overflow" vert="horz" wrap="square" lIns="45719" tIns="45719" rIns="45719" bIns="45719" numCol="1" spcCol="38100" rtlCol="0" anchor="ctr">
+            <a:spAutoFit/>
+          </a:bodyPr>
+          <a:lstStyle/>
+          <a:p>
+            <a:pPr marL="0" marR="0" indent="0" algn="l" defTabSz="914400" rtl="0" fontAlgn="auto" latinLnBrk="0" hangingPunct="0">
+              <a:lnSpc>
+                <a:spcPct val="100000"/>
+              </a:lnSpc>
+              <a:spcBef>
+                <a:spcPts val="0"/>
+              </a:spcBef>
+              <a:spcAft>
+                <a:spcPts val="0"/>
+              </a:spcAft>
+              <a:buClrTx/>
+              <a:buSzTx/>
+              <a:buFontTx/>
+              <a:buNone/>
+              <a:tabLst/>
+            </a:pPr>
+            <a:endParaRPr kumimoji="0" lang="ko-KR" altLang="en-US" sz="1800" b="0" i="0" u="none" strike="noStrike" cap="none" spc="0" normalizeH="0" baseline="0">
+              <a:ln>
+                <a:noFill/>
+              </a:ln>
+              <a:solidFill>
+                <a:srgbClr val="3A3838"/>
+              </a:solidFill>
+              <a:effectLst/>
+              <a:uFillTx/>
+              <a:latin typeface="Arial"/>
+              <a:ea typeface="Arial"/>
+              <a:cs typeface="Arial"/>
+              <a:sym typeface="Arial"/>
+            </a:endParaRPr>
+          </a:p>
+        </p:txBody>
+      </p:sp>
+      <p:cxnSp>
+        <p:nvCxnSpPr>
+          <p:cNvPr id="26" name="직선 화살표 연결선 25"/>
+          <p:cNvCxnSpPr/>
+          <p:nvPr/>
+        </p:nvCxnSpPr>
+        <p:spPr>
+          <a:xfrm flipH="1" flipV="1">
+            <a:off x="8789541" y="2429691"/>
+            <a:ext cx="450356" cy="583475"/>
+          </a:xfrm>
+          <a:prstGeom prst="straightConnector1">
+            <a:avLst/>
+          </a:prstGeom>
+          <a:noFill/>
+          <a:ln w="12700" cap="flat">
+            <a:solidFill>
+              <a:schemeClr val="accent1"/>
+            </a:solidFill>
+            <a:prstDash val="solid"/>
+            <a:miter lim="800000"/>
+            <a:tailEnd type="triangle"/>
+          </a:ln>
+          <a:effectLst/>
+          <a:sp3d/>
+        </p:spPr>
+        <p:style>
+          <a:lnRef idx="0">
+            <a:scrgbClr r="0" g="0" b="0"/>
+          </a:lnRef>
+          <a:fillRef idx="0">
+            <a:scrgbClr r="0" g="0" b="0"/>
+          </a:fillRef>
+          <a:effectRef idx="0">
+            <a:scrgbClr r="0" g="0" b="0"/>
+          </a:effectRef>
+          <a:fontRef idx="none"/>
+        </p:style>
+      </p:cxnSp>
+      <p:sp>
+        <p:nvSpPr>
+          <p:cNvPr id="27" name="TextBox 26"/>
+          <p:cNvSpPr txBox="1"/>
+          <p:nvPr/>
+        </p:nvSpPr>
+        <p:spPr>
+          <a:xfrm>
+            <a:off x="7551665" y="1636784"/>
+            <a:ext cx="1541446" cy="923328"/>
+          </a:xfrm>
+          <a:prstGeom prst="rect">
+            <a:avLst/>
+          </a:prstGeom>
+          <a:noFill/>
+          <a:ln w="12700" cap="flat">
+            <a:noFill/>
+            <a:miter lim="400000"/>
+          </a:ln>
+          <a:effectLst/>
+          <a:sp3d/>
+        </p:spPr>
+        <p:style>
+          <a:lnRef idx="0">
+            <a:scrgbClr r="0" g="0" b="0"/>
+          </a:lnRef>
+          <a:fillRef idx="0">
+            <a:scrgbClr r="0" g="0" b="0"/>
+          </a:fillRef>
+          <a:effectRef idx="0">
+            <a:scrgbClr r="0" g="0" b="0"/>
+          </a:effectRef>
+          <a:fontRef idx="none"/>
+        </p:style>
+        <p:txBody>
+          <a:bodyPr rot="0" spcFirstLastPara="1" vertOverflow="overflow" horzOverflow="overflow" vert="horz" wrap="none" lIns="45719" tIns="45719" rIns="45719" bIns="45719" numCol="1" spcCol="38100" rtlCol="0" anchor="t">
+            <a:spAutoFit/>
+          </a:bodyPr>
+          <a:lstStyle/>
+          <a:p>
+            <a:pPr marL="0" marR="0" indent="0" algn="l" defTabSz="914400" rtl="0" fontAlgn="auto" latinLnBrk="0" hangingPunct="0">
+              <a:lnSpc>
+                <a:spcPct val="100000"/>
+              </a:lnSpc>
+              <a:spcBef>
+                <a:spcPts val="0"/>
+              </a:spcBef>
+              <a:spcAft>
+                <a:spcPts val="0"/>
+              </a:spcAft>
+              <a:buClrTx/>
+              <a:buSzTx/>
+              <a:buFontTx/>
+              <a:buNone/>
+              <a:tabLst/>
+            </a:pPr>
+            <a:r>
+              <a:rPr kumimoji="0" lang="ko-KR" altLang="en-US" sz="1800" b="0" i="0" u="none" strike="noStrike" cap="none" spc="0" normalizeH="0" baseline="0" dirty="0" smtClean="0">
+                <a:ln>
+                  <a:noFill/>
+                </a:ln>
+                <a:solidFill>
+                  <a:srgbClr val="3A3838"/>
+                </a:solidFill>
+                <a:effectLst/>
+                <a:uFillTx/>
+                <a:latin typeface="Arial"/>
+                <a:ea typeface="Arial"/>
+                <a:cs typeface="Arial"/>
+                <a:sym typeface="Arial"/>
+              </a:rPr>
+              <a:t>클릭 시</a:t>
+            </a:r>
+            <a:endParaRPr kumimoji="0" lang="en-US" altLang="ko-KR" sz="1800" b="0" i="0" u="none" strike="noStrike" cap="none" spc="0" normalizeH="0" baseline="0" dirty="0" smtClean="0">
+              <a:ln>
+                <a:noFill/>
+              </a:ln>
+              <a:solidFill>
+                <a:srgbClr val="3A3838"/>
+              </a:solidFill>
+              <a:effectLst/>
+              <a:uFillTx/>
+              <a:latin typeface="Arial"/>
+              <a:ea typeface="Arial"/>
+              <a:cs typeface="Arial"/>
+              <a:sym typeface="Arial"/>
+            </a:endParaRPr>
+          </a:p>
+          <a:p>
+            <a:pPr marL="0" marR="0" indent="0" algn="l" defTabSz="914400" rtl="0" fontAlgn="auto" latinLnBrk="0" hangingPunct="0">
+              <a:lnSpc>
+                <a:spcPct val="100000"/>
+              </a:lnSpc>
+              <a:spcBef>
+                <a:spcPts val="0"/>
+              </a:spcBef>
+              <a:spcAft>
+                <a:spcPts val="0"/>
+              </a:spcAft>
+              <a:buClrTx/>
+              <a:buSzTx/>
+              <a:buFontTx/>
+              <a:buNone/>
+              <a:tabLst/>
+            </a:pPr>
+            <a:r>
+              <a:rPr lang="ko-KR" altLang="en-US" dirty="0" smtClean="0"/>
+              <a:t>상세 페이지로</a:t>
+            </a:r>
+            <a:endParaRPr lang="en-US" altLang="ko-KR" dirty="0" smtClean="0"/>
+          </a:p>
+          <a:p>
+            <a:pPr marL="0" marR="0" indent="0" algn="l" defTabSz="914400" rtl="0" fontAlgn="auto" latinLnBrk="0" hangingPunct="0">
+              <a:lnSpc>
+                <a:spcPct val="100000"/>
+              </a:lnSpc>
+              <a:spcBef>
+                <a:spcPts val="0"/>
+              </a:spcBef>
+              <a:spcAft>
+                <a:spcPts val="0"/>
+              </a:spcAft>
+              <a:buClrTx/>
+              <a:buSzTx/>
+              <a:buFontTx/>
+              <a:buNone/>
+              <a:tabLst/>
+            </a:pPr>
+            <a:r>
+              <a:rPr kumimoji="0" lang="ko-KR" altLang="en-US" sz="1800" b="0" i="0" u="none" strike="noStrike" cap="none" spc="0" normalizeH="0" baseline="0" dirty="0" smtClean="0">
+                <a:ln>
+                  <a:noFill/>
+                </a:ln>
+                <a:solidFill>
+                  <a:srgbClr val="3A3838"/>
+                </a:solidFill>
+                <a:effectLst/>
+                <a:uFillTx/>
+                <a:latin typeface="Arial"/>
+                <a:ea typeface="Arial"/>
+                <a:cs typeface="Arial"/>
+                <a:sym typeface="Arial"/>
+              </a:rPr>
+              <a:t>이동</a:t>
+            </a:r>
+            <a:endParaRPr kumimoji="0" lang="ko-KR" altLang="en-US" sz="1800" b="0" i="0" u="none" strike="noStrike" cap="none" spc="0" normalizeH="0" baseline="0" dirty="0">
+              <a:ln>
+                <a:noFill/>
+              </a:ln>
+              <a:solidFill>
+                <a:srgbClr val="3A3838"/>
+              </a:solidFill>
+              <a:effectLst/>
+              <a:uFillTx/>
+              <a:latin typeface="Arial"/>
+              <a:ea typeface="Arial"/>
+              <a:cs typeface="Arial"/>
+              <a:sym typeface="Arial"/>
+            </a:endParaRPr>
+          </a:p>
+        </p:txBody>
+      </p:sp>
+      <p:sp>
+        <p:nvSpPr>
+          <p:cNvPr id="28" name="직사각형 27"/>
+          <p:cNvSpPr/>
+          <p:nvPr/>
+        </p:nvSpPr>
+        <p:spPr>
+          <a:xfrm>
+            <a:off x="9825270" y="3013166"/>
+            <a:ext cx="467153" cy="164873"/>
+          </a:xfrm>
+          <a:prstGeom prst="rect">
+            <a:avLst/>
+          </a:prstGeom>
+          <a:noFill/>
+          <a:ln w="12700" cap="flat">
+            <a:solidFill>
+              <a:schemeClr val="accent1"/>
+            </a:solidFill>
+            <a:prstDash val="solid"/>
+            <a:miter lim="800000"/>
+          </a:ln>
+          <a:effectLst/>
+          <a:sp3d/>
+        </p:spPr>
+        <p:style>
+          <a:lnRef idx="0">
+            <a:scrgbClr r="0" g="0" b="0"/>
+          </a:lnRef>
+          <a:fillRef idx="0">
+            <a:scrgbClr r="0" g="0" b="0"/>
+          </a:fillRef>
+          <a:effectRef idx="0">
+            <a:scrgbClr r="0" g="0" b="0"/>
+          </a:effectRef>
+          <a:fontRef idx="none"/>
+        </p:style>
+        <p:txBody>
+          <a:bodyPr rot="0" spcFirstLastPara="1" vertOverflow="overflow" horzOverflow="overflow" vert="horz" wrap="square" lIns="45719" tIns="45719" rIns="45719" bIns="45719" numCol="1" spcCol="38100" rtlCol="0" anchor="ctr">
+            <a:spAutoFit/>
+          </a:bodyPr>
+          <a:lstStyle/>
+          <a:p>
+            <a:pPr marL="0" marR="0" indent="0" algn="l" defTabSz="914400" rtl="0" fontAlgn="auto" latinLnBrk="0" hangingPunct="0">
+              <a:lnSpc>
+                <a:spcPct val="100000"/>
+              </a:lnSpc>
+              <a:spcBef>
+                <a:spcPts val="0"/>
+              </a:spcBef>
+              <a:spcAft>
+                <a:spcPts val="0"/>
+              </a:spcAft>
+              <a:buClrTx/>
+              <a:buSzTx/>
+              <a:buFontTx/>
+              <a:buNone/>
+              <a:tabLst/>
+            </a:pPr>
+            <a:endParaRPr kumimoji="0" lang="ko-KR" altLang="en-US" sz="1800" b="0" i="0" u="none" strike="noStrike" cap="none" spc="0" normalizeH="0" baseline="0">
+              <a:ln>
+                <a:noFill/>
+              </a:ln>
+              <a:solidFill>
+                <a:srgbClr val="3A3838"/>
+              </a:solidFill>
+              <a:effectLst/>
+              <a:uFillTx/>
+              <a:latin typeface="Arial"/>
+              <a:ea typeface="Arial"/>
+              <a:cs typeface="Arial"/>
+              <a:sym typeface="Arial"/>
+            </a:endParaRPr>
+          </a:p>
+        </p:txBody>
+      </p:sp>
+      <p:cxnSp>
+        <p:nvCxnSpPr>
+          <p:cNvPr id="29" name="직선 화살표 연결선 28"/>
+          <p:cNvCxnSpPr/>
+          <p:nvPr/>
+        </p:nvCxnSpPr>
+        <p:spPr>
+          <a:xfrm flipH="1">
+            <a:off x="8789541" y="3184521"/>
+            <a:ext cx="1035729" cy="201489"/>
+          </a:xfrm>
+          <a:prstGeom prst="straightConnector1">
+            <a:avLst/>
+          </a:prstGeom>
+          <a:noFill/>
+          <a:ln w="12700" cap="flat">
+            <a:solidFill>
+              <a:schemeClr val="accent1"/>
+            </a:solidFill>
+            <a:prstDash val="solid"/>
+            <a:miter lim="800000"/>
+            <a:tailEnd type="triangle"/>
+          </a:ln>
+          <a:effectLst/>
+          <a:sp3d/>
+        </p:spPr>
+        <p:style>
+          <a:lnRef idx="0">
+            <a:scrgbClr r="0" g="0" b="0"/>
+          </a:lnRef>
+          <a:fillRef idx="0">
+            <a:scrgbClr r="0" g="0" b="0"/>
+          </a:fillRef>
+          <a:effectRef idx="0">
+            <a:scrgbClr r="0" g="0" b="0"/>
+          </a:effectRef>
+          <a:fontRef idx="none"/>
+        </p:style>
+      </p:cxnSp>
+      <p:sp>
+        <p:nvSpPr>
+          <p:cNvPr id="30" name="TextBox 29"/>
+          <p:cNvSpPr txBox="1"/>
+          <p:nvPr/>
+        </p:nvSpPr>
+        <p:spPr>
+          <a:xfrm>
+            <a:off x="7583725" y="3302133"/>
+            <a:ext cx="1477325" cy="1200327"/>
+          </a:xfrm>
+          <a:prstGeom prst="rect">
+            <a:avLst/>
+          </a:prstGeom>
+          <a:noFill/>
+          <a:ln w="12700" cap="flat">
+            <a:noFill/>
+            <a:miter lim="400000"/>
+          </a:ln>
+          <a:effectLst/>
+          <a:sp3d/>
+        </p:spPr>
+        <p:style>
+          <a:lnRef idx="0">
+            <a:scrgbClr r="0" g="0" b="0"/>
+          </a:lnRef>
+          <a:fillRef idx="0">
+            <a:scrgbClr r="0" g="0" b="0"/>
+          </a:fillRef>
+          <a:effectRef idx="0">
+            <a:scrgbClr r="0" g="0" b="0"/>
+          </a:effectRef>
+          <a:fontRef idx="none"/>
+        </p:style>
+        <p:txBody>
+          <a:bodyPr rot="0" spcFirstLastPara="1" vertOverflow="overflow" horzOverflow="overflow" vert="horz" wrap="none" lIns="45719" tIns="45719" rIns="45719" bIns="45719" numCol="1" spcCol="38100" rtlCol="0" anchor="t">
+            <a:spAutoFit/>
+          </a:bodyPr>
+          <a:lstStyle/>
+          <a:p>
+            <a:pPr marL="0" marR="0" indent="0" algn="l" defTabSz="914400" rtl="0" fontAlgn="auto" latinLnBrk="0" hangingPunct="0">
+              <a:lnSpc>
+                <a:spcPct val="100000"/>
+              </a:lnSpc>
+              <a:spcBef>
+                <a:spcPts val="0"/>
+              </a:spcBef>
+              <a:spcAft>
+                <a:spcPts val="0"/>
+              </a:spcAft>
+              <a:buClrTx/>
+              <a:buSzTx/>
+              <a:buFontTx/>
+              <a:buNone/>
+              <a:tabLst/>
+            </a:pPr>
+            <a:r>
+              <a:rPr kumimoji="0" lang="ko-KR" altLang="en-US" sz="1800" b="0" i="0" u="none" strike="noStrike" cap="none" spc="0" normalizeH="0" baseline="0" dirty="0" smtClean="0">
+                <a:ln>
+                  <a:noFill/>
+                </a:ln>
+                <a:solidFill>
+                  <a:srgbClr val="3A3838"/>
+                </a:solidFill>
+                <a:effectLst/>
+                <a:uFillTx/>
+                <a:latin typeface="Arial"/>
+                <a:ea typeface="Arial"/>
+                <a:cs typeface="Arial"/>
+                <a:sym typeface="Arial"/>
+              </a:rPr>
+              <a:t>클릭 시</a:t>
+            </a:r>
+            <a:endParaRPr kumimoji="0" lang="en-US" altLang="ko-KR" sz="1800" b="0" i="0" u="none" strike="noStrike" cap="none" spc="0" normalizeH="0" baseline="0" dirty="0" smtClean="0">
+              <a:ln>
+                <a:noFill/>
+              </a:ln>
+              <a:solidFill>
+                <a:srgbClr val="3A3838"/>
+              </a:solidFill>
+              <a:effectLst/>
+              <a:uFillTx/>
+              <a:latin typeface="Arial"/>
+              <a:ea typeface="Arial"/>
+              <a:cs typeface="Arial"/>
+              <a:sym typeface="Arial"/>
+            </a:endParaRPr>
+          </a:p>
+          <a:p>
+            <a:pPr marL="0" marR="0" indent="0" algn="l" defTabSz="914400" rtl="0" fontAlgn="auto" latinLnBrk="0" hangingPunct="0">
+              <a:lnSpc>
+                <a:spcPct val="100000"/>
+              </a:lnSpc>
+              <a:spcBef>
+                <a:spcPts val="0"/>
+              </a:spcBef>
+              <a:spcAft>
+                <a:spcPts val="0"/>
+              </a:spcAft>
+              <a:buClrTx/>
+              <a:buSzTx/>
+              <a:buFontTx/>
+              <a:buNone/>
+              <a:tabLst/>
+            </a:pPr>
+            <a:r>
+              <a:rPr lang="en-US" altLang="ko-KR" dirty="0" smtClean="0"/>
+              <a:t>(</a:t>
+            </a:r>
+            <a:r>
+              <a:rPr lang="ko-KR" altLang="en-US" dirty="0" smtClean="0"/>
+              <a:t>붉게 변경</a:t>
+            </a:r>
+            <a:r>
+              <a:rPr lang="en-US" altLang="ko-KR" dirty="0" smtClean="0"/>
+              <a:t>)</a:t>
+            </a:r>
+            <a:endParaRPr kumimoji="0" lang="en-US" altLang="ko-KR" sz="1800" b="0" i="0" u="none" strike="noStrike" cap="none" spc="0" normalizeH="0" baseline="0" dirty="0" smtClean="0">
+              <a:ln>
+                <a:noFill/>
+              </a:ln>
+              <a:solidFill>
+                <a:srgbClr val="3A3838"/>
+              </a:solidFill>
+              <a:effectLst/>
+              <a:uFillTx/>
+              <a:latin typeface="Arial"/>
+              <a:ea typeface="Arial"/>
+              <a:cs typeface="Arial"/>
+              <a:sym typeface="Arial"/>
+            </a:endParaRPr>
+          </a:p>
+          <a:p>
+            <a:pPr marL="0" marR="0" indent="0" algn="l" defTabSz="914400" rtl="0" fontAlgn="auto" latinLnBrk="0" hangingPunct="0">
+              <a:lnSpc>
+                <a:spcPct val="100000"/>
+              </a:lnSpc>
+              <a:spcBef>
+                <a:spcPts val="0"/>
+              </a:spcBef>
+              <a:spcAft>
+                <a:spcPts val="0"/>
+              </a:spcAft>
+              <a:buClrTx/>
+              <a:buSzTx/>
+              <a:buFontTx/>
+              <a:buNone/>
+              <a:tabLst/>
+            </a:pPr>
+            <a:r>
+              <a:rPr lang="ko-KR" altLang="en-US" dirty="0" err="1" smtClean="0"/>
+              <a:t>마이페이지</a:t>
+            </a:r>
+            <a:r>
+              <a:rPr kumimoji="0" lang="ko-KR" altLang="en-US" sz="1800" b="0" i="0" u="none" strike="noStrike" cap="none" spc="0" normalizeH="0" baseline="0" dirty="0" err="1" smtClean="0">
+                <a:ln>
+                  <a:noFill/>
+                </a:ln>
+                <a:solidFill>
+                  <a:srgbClr val="3A3838"/>
+                </a:solidFill>
+                <a:effectLst/>
+                <a:uFillTx/>
+                <a:latin typeface="Arial"/>
+                <a:ea typeface="Arial"/>
+                <a:cs typeface="Arial"/>
+                <a:sym typeface="Arial"/>
+              </a:rPr>
+              <a:t>에</a:t>
+            </a:r>
+            <a:endParaRPr kumimoji="0" lang="en-US" altLang="ko-KR" sz="1800" b="0" i="0" u="none" strike="noStrike" cap="none" spc="0" normalizeH="0" baseline="0" dirty="0" smtClean="0">
+              <a:ln>
+                <a:noFill/>
+              </a:ln>
+              <a:solidFill>
+                <a:srgbClr val="3A3838"/>
+              </a:solidFill>
+              <a:effectLst/>
+              <a:uFillTx/>
+              <a:latin typeface="Arial"/>
+              <a:ea typeface="Arial"/>
+              <a:cs typeface="Arial"/>
+              <a:sym typeface="Arial"/>
+            </a:endParaRPr>
+          </a:p>
+          <a:p>
+            <a:pPr marL="0" marR="0" indent="0" algn="l" defTabSz="914400" rtl="0" fontAlgn="auto" latinLnBrk="0" hangingPunct="0">
+              <a:lnSpc>
+                <a:spcPct val="100000"/>
+              </a:lnSpc>
+              <a:spcBef>
+                <a:spcPts val="0"/>
+              </a:spcBef>
+              <a:spcAft>
+                <a:spcPts val="0"/>
+              </a:spcAft>
+              <a:buClrTx/>
+              <a:buSzTx/>
+              <a:buFontTx/>
+              <a:buNone/>
+              <a:tabLst/>
+            </a:pPr>
+            <a:r>
+              <a:rPr lang="ko-KR" altLang="en-US" dirty="0" smtClean="0"/>
+              <a:t>저장</a:t>
+            </a:r>
+            <a:endParaRPr kumimoji="0" lang="ko-KR" altLang="en-US" sz="1800" b="0" i="0" u="none" strike="noStrike" cap="none" spc="0" normalizeH="0" baseline="0" dirty="0">
+              <a:ln>
+                <a:noFill/>
+              </a:ln>
+              <a:solidFill>
+                <a:srgbClr val="3A3838"/>
+              </a:solidFill>
+              <a:effectLst/>
+              <a:uFillTx/>
+              <a:latin typeface="Arial"/>
+              <a:ea typeface="Arial"/>
+              <a:cs typeface="Arial"/>
+              <a:sym typeface="Arial"/>
+            </a:endParaRPr>
           </a:p>
         </p:txBody>
       </p:sp>
@@ -3944,6 +4941,3143 @@
           <a:chExt cx="0" cy="0"/>
         </a:xfrm>
       </p:grpSpPr>
+      <p:sp>
+        <p:nvSpPr>
+          <p:cNvPr id="200" name="TextBox 15"/>
+          <p:cNvSpPr txBox="1"/>
+          <p:nvPr/>
+        </p:nvSpPr>
+        <p:spPr>
+          <a:xfrm>
+            <a:off x="9885601" y="6505575"/>
+            <a:ext cx="2236328" cy="239048"/>
+          </a:xfrm>
+          <a:prstGeom prst="rect">
+            <a:avLst/>
+          </a:prstGeom>
+          <a:ln w="12700">
+            <a:miter lim="400000"/>
+          </a:ln>
+          <a:extLst>
+            <a:ext uri="{C572A759-6A51-4108-AA02-DFA0A04FC94B}">
+              <ma14:wrappingTextBoxFlag xmlns:ma14="http://schemas.microsoft.com/office/mac/drawingml/2011/main" xmlns:a14="http://schemas.microsoft.com/office/drawing/2010/main" xmlns:m="http://schemas.openxmlformats.org/officeDocument/2006/math" xmlns="" val="1"/>
+            </a:ext>
+          </a:extLst>
+        </p:spPr>
+        <p:txBody>
+          <a:bodyPr wrap="none" lIns="45719" rIns="45719">
+            <a:spAutoFit/>
+          </a:bodyPr>
+          <a:lstStyle>
+            <a:lvl1pPr algn="r">
+              <a:defRPr sz="800">
+                <a:solidFill>
+                  <a:schemeClr val="accent6"/>
+                </a:solidFill>
+                <a:latin typeface="나눔스퀘어라운드 Regular"/>
+                <a:ea typeface="나눔스퀘어라운드 Regular"/>
+                <a:cs typeface="나눔스퀘어라운드 Regular"/>
+                <a:sym typeface="나눔스퀘어라운드 Regular"/>
+              </a:defRPr>
+            </a:lvl1pPr>
+          </a:lstStyle>
+          <a:p>
+            <a:r>
+              <a:t>Copyrightⓒ. Saebyeol Yu. All Rights Reserved.</a:t>
+            </a:r>
+          </a:p>
+        </p:txBody>
+      </p:sp>
+      <p:sp>
+        <p:nvSpPr>
+          <p:cNvPr id="201" name="직선 연결선 22"/>
+          <p:cNvSpPr/>
+          <p:nvPr/>
+        </p:nvSpPr>
+        <p:spPr>
+          <a:xfrm>
+            <a:off x="1188881" y="273124"/>
+            <a:ext cx="10666422" cy="1"/>
+          </a:xfrm>
+          <a:prstGeom prst="line">
+            <a:avLst/>
+          </a:prstGeom>
+          <a:ln w="19050">
+            <a:solidFill>
+              <a:schemeClr val="accent6"/>
+            </a:solidFill>
+            <a:miter/>
+          </a:ln>
+        </p:spPr>
+        <p:txBody>
+          <a:bodyPr lIns="45719" rIns="45719"/>
+          <a:lstStyle/>
+          <a:p>
+            <a:endParaRPr/>
+          </a:p>
+        </p:txBody>
+      </p:sp>
+      <p:sp>
+        <p:nvSpPr>
+          <p:cNvPr id="202" name="직사각형 23"/>
+          <p:cNvSpPr/>
+          <p:nvPr/>
+        </p:nvSpPr>
+        <p:spPr>
+          <a:xfrm>
+            <a:off x="265814" y="244548"/>
+            <a:ext cx="720001" cy="720001"/>
+          </a:xfrm>
+          <a:prstGeom prst="rect">
+            <a:avLst/>
+          </a:prstGeom>
+          <a:solidFill>
+            <a:srgbClr val="B8BCBB"/>
+          </a:solidFill>
+          <a:ln w="12700">
+            <a:miter lim="400000"/>
+          </a:ln>
+        </p:spPr>
+        <p:txBody>
+          <a:bodyPr lIns="45719" rIns="45719" anchor="ctr"/>
+          <a:lstStyle/>
+          <a:p>
+            <a:pPr algn="ctr">
+              <a:defRPr>
+                <a:solidFill>
+                  <a:srgbClr val="FFFFFF"/>
+                </a:solidFill>
+              </a:defRPr>
+            </a:pPr>
+            <a:endParaRPr/>
+          </a:p>
+        </p:txBody>
+      </p:sp>
+      <p:sp>
+        <p:nvSpPr>
+          <p:cNvPr id="203" name="TextBox 24"/>
+          <p:cNvSpPr txBox="1"/>
+          <p:nvPr/>
+        </p:nvSpPr>
+        <p:spPr>
+          <a:xfrm>
+            <a:off x="490138" y="323244"/>
+            <a:ext cx="259303" cy="584775"/>
+          </a:xfrm>
+          <a:prstGeom prst="rect">
+            <a:avLst/>
+          </a:prstGeom>
+          <a:ln w="12700">
+            <a:miter lim="400000"/>
+          </a:ln>
+          <a:extLst>
+            <a:ext uri="{C572A759-6A51-4108-AA02-DFA0A04FC94B}">
+              <ma14:wrappingTextBoxFlag xmlns:ma14="http://schemas.microsoft.com/office/mac/drawingml/2011/main" xmlns:a14="http://schemas.microsoft.com/office/drawing/2010/main" xmlns:m="http://schemas.openxmlformats.org/officeDocument/2006/math" xmlns="" val="1"/>
+            </a:ext>
+          </a:extLst>
+        </p:spPr>
+        <p:txBody>
+          <a:bodyPr lIns="45719" rIns="45719">
+            <a:spAutoFit/>
+          </a:bodyPr>
+          <a:lstStyle>
+            <a:lvl1pPr algn="ctr">
+              <a:defRPr sz="3200" b="1">
+                <a:solidFill>
+                  <a:srgbClr val="FFFFFF"/>
+                </a:solidFill>
+              </a:defRPr>
+            </a:lvl1pPr>
+          </a:lstStyle>
+          <a:p>
+            <a:r>
+              <a:rPr lang="en-US" altLang="ko-KR"/>
+              <a:t>3</a:t>
+            </a:r>
+            <a:endParaRPr/>
+          </a:p>
+        </p:txBody>
+      </p:sp>
+      <p:grpSp>
+        <p:nvGrpSpPr>
+          <p:cNvPr id="206" name="그룹 25"/>
+          <p:cNvGrpSpPr/>
+          <p:nvPr/>
+        </p:nvGrpSpPr>
+        <p:grpSpPr>
+          <a:xfrm>
+            <a:off x="1188881" y="351818"/>
+            <a:ext cx="3029032" cy="660427"/>
+            <a:chOff x="0" y="0"/>
+            <a:chExt cx="3029031" cy="660425"/>
+          </a:xfrm>
+        </p:grpSpPr>
+        <p:sp>
+          <p:nvSpPr>
+            <p:cNvPr id="204" name="TextBox 26"/>
+            <p:cNvSpPr txBox="1"/>
+            <p:nvPr/>
+          </p:nvSpPr>
+          <p:spPr>
+            <a:xfrm>
+              <a:off x="0" y="0"/>
+              <a:ext cx="1203211" cy="276996"/>
+            </a:xfrm>
+            <a:prstGeom prst="rect">
+              <a:avLst/>
+            </a:prstGeom>
+            <a:noFill/>
+            <a:ln w="12700" cap="flat">
+              <a:noFill/>
+              <a:miter lim="400000"/>
+            </a:ln>
+            <a:effectLst/>
+            <a:extLst>
+              <a:ext uri="{C572A759-6A51-4108-AA02-DFA0A04FC94B}">
+                <ma14:wrappingTextBoxFlag xmlns:ma14="http://schemas.microsoft.com/office/mac/drawingml/2011/main" xmlns:a14="http://schemas.microsoft.com/office/drawing/2010/main" xmlns:m="http://schemas.openxmlformats.org/officeDocument/2006/math" xmlns="" val="1"/>
+              </a:ext>
+            </a:extLst>
+          </p:spPr>
+          <p:txBody>
+            <a:bodyPr wrap="none" lIns="45719" tIns="45719" rIns="45719" bIns="45719" numCol="1" anchor="t">
+              <a:spAutoFit/>
+            </a:bodyPr>
+            <a:lstStyle/>
+            <a:p>
+              <a:pPr>
+                <a:defRPr sz="1200"/>
+              </a:pPr>
+              <a:r>
+                <a:t>00</a:t>
+              </a:r>
+              <a:r>
+                <a:rPr lang="en-US" altLang="ko-KR"/>
+                <a:t>3 </a:t>
+              </a:r>
+              <a:r>
+                <a:rPr lang="ko-KR" altLang="en-US"/>
+                <a:t>화면 설명서</a:t>
+              </a:r>
+              <a:endParaRPr>
+                <a:latin typeface="나눔스퀘어라운드 Regular"/>
+                <a:ea typeface="나눔스퀘어라운드 Regular"/>
+                <a:cs typeface="나눔스퀘어라운드 Regular"/>
+                <a:sym typeface="나눔스퀘어라운드 Regular"/>
+              </a:endParaRPr>
+            </a:p>
+          </p:txBody>
+        </p:sp>
+        <p:sp>
+          <p:nvSpPr>
+            <p:cNvPr id="205" name="TextBox 27"/>
+            <p:cNvSpPr txBox="1"/>
+            <p:nvPr/>
+          </p:nvSpPr>
+          <p:spPr>
+            <a:xfrm>
+              <a:off x="0" y="229541"/>
+              <a:ext cx="3029031" cy="430884"/>
+            </a:xfrm>
+            <a:prstGeom prst="rect">
+              <a:avLst/>
+            </a:prstGeom>
+            <a:noFill/>
+            <a:ln w="12700" cap="flat">
+              <a:noFill/>
+              <a:miter lim="400000"/>
+            </a:ln>
+            <a:effectLst/>
+            <a:extLst>
+              <a:ext uri="{C572A759-6A51-4108-AA02-DFA0A04FC94B}">
+                <ma14:wrappingTextBoxFlag xmlns:ma14="http://schemas.microsoft.com/office/mac/drawingml/2011/main" xmlns:a14="http://schemas.microsoft.com/office/drawing/2010/main" xmlns:m="http://schemas.openxmlformats.org/officeDocument/2006/math" xmlns="" val="1"/>
+              </a:ext>
+            </a:extLst>
+          </p:spPr>
+          <p:txBody>
+            <a:bodyPr wrap="none" lIns="45719" tIns="45719" rIns="45719" bIns="45719" numCol="1" anchor="t">
+              <a:spAutoFit/>
+            </a:bodyPr>
+            <a:lstStyle>
+              <a:lvl1pPr>
+                <a:defRPr sz="2200">
+                  <a:latin typeface="나눔스퀘어라운드 Regular"/>
+                  <a:ea typeface="나눔스퀘어라운드 Regular"/>
+                  <a:cs typeface="나눔스퀘어라운드 Regular"/>
+                  <a:sym typeface="나눔스퀘어라운드 Regular"/>
+                </a:defRPr>
+              </a:lvl1pPr>
+            </a:lstStyle>
+            <a:p>
+              <a:pPr>
+                <a:defRPr>
+                  <a:latin typeface="Arial"/>
+                  <a:ea typeface="Arial"/>
+                  <a:cs typeface="Arial"/>
+                  <a:sym typeface="Arial"/>
+                </a:defRPr>
+              </a:pPr>
+              <a:r>
+                <a:rPr lang="ko-KR" altLang="en-US">
+                  <a:latin typeface="나눔스퀘어라운드 Regular"/>
+                  <a:ea typeface="나눔스퀘어라운드 Regular"/>
+                  <a:cs typeface="나눔스퀘어라운드 Regular"/>
+                  <a:sym typeface="나눔스퀘어라운드 Regular"/>
+                </a:rPr>
+                <a:t>각 화면 및 메뉴 설명서</a:t>
+              </a:r>
+              <a:endParaRPr>
+                <a:latin typeface="나눔스퀘어라운드 Regular"/>
+                <a:ea typeface="나눔스퀘어라운드 Regular"/>
+                <a:cs typeface="나눔스퀘어라운드 Regular"/>
+                <a:sym typeface="나눔스퀘어라운드 Regular"/>
+              </a:endParaRPr>
+            </a:p>
+          </p:txBody>
+        </p:sp>
+      </p:grpSp>
+      <p:pic>
+        <p:nvPicPr>
+          <p:cNvPr id="21" name="스크린샷 2019-04-24 오후 12.33.32.png"/>
+          <p:cNvPicPr>
+            <a:picLocks noChangeAspect="1"/>
+          </p:cNvPicPr>
+          <p:nvPr/>
+        </p:nvPicPr>
+        <p:blipFill>
+          <a:blip r:embed="rId2">
+            <a:extLst>
+              <a:ext uri="{28A0092B-C50C-407E-A947-70E740481C1C}">
+                <a14:useLocalDpi xmlns:a14="http://schemas.microsoft.com/office/drawing/2010/main" val="0"/>
+              </a:ext>
+            </a:extLst>
+          </a:blip>
+          <a:stretch>
+            <a:fillRect/>
+          </a:stretch>
+        </p:blipFill>
+        <p:spPr>
+          <a:xfrm>
+            <a:off x="1093907" y="1194091"/>
+            <a:ext cx="2680748" cy="4778726"/>
+          </a:xfrm>
+          <a:prstGeom prst="rect">
+            <a:avLst/>
+          </a:prstGeom>
+          <a:ln w="12700">
+            <a:miter lim="400000"/>
+          </a:ln>
+        </p:spPr>
+      </p:pic>
+      <p:pic>
+        <p:nvPicPr>
+          <p:cNvPr id="22" name="스크린샷 2019-04-24 오후 12.40.55.png"/>
+          <p:cNvPicPr>
+            <a:picLocks noChangeAspect="1"/>
+          </p:cNvPicPr>
+          <p:nvPr/>
+        </p:nvPicPr>
+        <p:blipFill>
+          <a:blip r:embed="rId3">
+            <a:extLst>
+              <a:ext uri="{28A0092B-C50C-407E-A947-70E740481C1C}">
+                <a14:useLocalDpi xmlns:a14="http://schemas.microsoft.com/office/drawing/2010/main" val="0"/>
+              </a:ext>
+            </a:extLst>
+          </a:blip>
+          <a:stretch>
+            <a:fillRect/>
+          </a:stretch>
+        </p:blipFill>
+        <p:spPr>
+          <a:xfrm>
+            <a:off x="4884651" y="1194090"/>
+            <a:ext cx="2686307" cy="4778727"/>
+          </a:xfrm>
+          <a:prstGeom prst="rect">
+            <a:avLst/>
+          </a:prstGeom>
+          <a:ln w="12700">
+            <a:miter lim="400000"/>
+          </a:ln>
+        </p:spPr>
+      </p:pic>
+      <p:sp>
+        <p:nvSpPr>
+          <p:cNvPr id="23" name="TextBox 9"/>
+          <p:cNvSpPr txBox="1"/>
+          <p:nvPr/>
+        </p:nvSpPr>
+        <p:spPr>
+          <a:xfrm>
+            <a:off x="1904810" y="6041285"/>
+            <a:ext cx="1058942" cy="369332"/>
+          </a:xfrm>
+          <a:prstGeom prst="rect">
+            <a:avLst/>
+          </a:prstGeom>
+          <a:ln w="12700">
+            <a:miter lim="400000"/>
+          </a:ln>
+          <a:extLst>
+            <a:ext uri="{C572A759-6A51-4108-AA02-DFA0A04FC94B}">
+              <ma14:wrappingTextBoxFlag xmlns="" xmlns:m="http://schemas.openxmlformats.org/officeDocument/2006/math" xmlns:a14="http://schemas.microsoft.com/office/drawing/2010/main" xmlns:ma14="http://schemas.microsoft.com/office/mac/drawingml/2011/main" val="1"/>
+            </a:ext>
+          </a:extLst>
+        </p:spPr>
+        <p:txBody>
+          <a:bodyPr wrap="none" lIns="45719" rIns="45719">
+            <a:spAutoFit/>
+          </a:bodyPr>
+          <a:lstStyle>
+            <a:lvl1pPr>
+              <a:defRPr>
+                <a:latin typeface="나눔스퀘어라운드 Regular"/>
+                <a:ea typeface="나눔스퀘어라운드 Regular"/>
+                <a:cs typeface="나눔스퀘어라운드 Regular"/>
+                <a:sym typeface="나눔스퀘어라운드 Regular"/>
+              </a:defRPr>
+            </a:lvl1pPr>
+          </a:lstStyle>
+          <a:p>
+            <a:pPr>
+              <a:defRPr>
+                <a:latin typeface="Arial"/>
+                <a:ea typeface="Arial"/>
+                <a:cs typeface="Arial"/>
+                <a:sym typeface="Arial"/>
+              </a:defRPr>
+            </a:pPr>
+            <a:r>
+              <a:rPr lang="en-US" altLang="ko-KR" dirty="0" smtClean="0">
+                <a:latin typeface="나눔스퀘어라운드 Regular"/>
+                <a:ea typeface="나눔스퀘어라운드 Regular"/>
+                <a:cs typeface="나눔스퀘어라운드 Regular"/>
+                <a:sym typeface="나눔스퀘어라운드 Regular"/>
+              </a:rPr>
+              <a:t>Like </a:t>
+            </a:r>
+            <a:r>
+              <a:rPr lang="ko-KR" altLang="en-US" dirty="0" smtClean="0">
+                <a:latin typeface="나눔스퀘어라운드 Regular"/>
+                <a:ea typeface="나눔스퀘어라운드 Regular"/>
+                <a:cs typeface="나눔스퀘어라운드 Regular"/>
+                <a:sym typeface="나눔스퀘어라운드 Regular"/>
+              </a:rPr>
+              <a:t>클릭</a:t>
+            </a:r>
+            <a:endParaRPr dirty="0">
+              <a:latin typeface="나눔스퀘어라운드 Regular"/>
+              <a:ea typeface="나눔스퀘어라운드 Regular"/>
+              <a:cs typeface="나눔스퀘어라운드 Regular"/>
+              <a:sym typeface="나눔스퀘어라운드 Regular"/>
+            </a:endParaRPr>
+          </a:p>
+        </p:txBody>
+      </p:sp>
+      <p:sp>
+        <p:nvSpPr>
+          <p:cNvPr id="24" name="TextBox 36"/>
+          <p:cNvSpPr txBox="1"/>
+          <p:nvPr/>
+        </p:nvSpPr>
+        <p:spPr>
+          <a:xfrm>
+            <a:off x="5526330" y="6081813"/>
+            <a:ext cx="1143901" cy="369332"/>
+          </a:xfrm>
+          <a:prstGeom prst="rect">
+            <a:avLst/>
+          </a:prstGeom>
+          <a:ln w="12700">
+            <a:miter lim="400000"/>
+          </a:ln>
+          <a:extLst>
+            <a:ext uri="{C572A759-6A51-4108-AA02-DFA0A04FC94B}">
+              <ma14:wrappingTextBoxFlag xmlns="" xmlns:m="http://schemas.openxmlformats.org/officeDocument/2006/math" xmlns:a14="http://schemas.microsoft.com/office/drawing/2010/main" xmlns:ma14="http://schemas.microsoft.com/office/mac/drawingml/2011/main" val="1"/>
+            </a:ext>
+          </a:extLst>
+        </p:spPr>
+        <p:txBody>
+          <a:bodyPr wrap="none" lIns="45719" rIns="45719">
+            <a:spAutoFit/>
+          </a:bodyPr>
+          <a:lstStyle>
+            <a:lvl1pPr>
+              <a:defRPr>
+                <a:latin typeface="나눔스퀘어라운드 Regular"/>
+                <a:ea typeface="나눔스퀘어라운드 Regular"/>
+                <a:cs typeface="나눔스퀘어라운드 Regular"/>
+                <a:sym typeface="나눔스퀘어라운드 Regular"/>
+              </a:defRPr>
+            </a:lvl1pPr>
+          </a:lstStyle>
+          <a:p>
+            <a:pPr>
+              <a:defRPr>
+                <a:latin typeface="Arial"/>
+                <a:ea typeface="Arial"/>
+                <a:cs typeface="Arial"/>
+                <a:sym typeface="Arial"/>
+              </a:defRPr>
+            </a:pPr>
+            <a:r>
+              <a:rPr lang="en-US" dirty="0" smtClean="0"/>
+              <a:t>More </a:t>
+            </a:r>
+            <a:r>
+              <a:rPr lang="ko-KR" altLang="en-US" dirty="0" smtClean="0"/>
+              <a:t>클릭</a:t>
+            </a:r>
+            <a:endParaRPr dirty="0">
+              <a:latin typeface="나눔스퀘어라운드 Regular"/>
+              <a:ea typeface="나눔스퀘어라운드 Regular"/>
+              <a:cs typeface="나눔스퀘어라운드 Regular"/>
+              <a:sym typeface="나눔스퀘어라운드 Regular"/>
+            </a:endParaRPr>
+          </a:p>
+        </p:txBody>
+      </p:sp>
+      <p:sp>
+        <p:nvSpPr>
+          <p:cNvPr id="25" name="TextBox 37"/>
+          <p:cNvSpPr txBox="1"/>
+          <p:nvPr/>
+        </p:nvSpPr>
+        <p:spPr>
+          <a:xfrm>
+            <a:off x="9232809" y="6081813"/>
+            <a:ext cx="1926166" cy="369332"/>
+          </a:xfrm>
+          <a:prstGeom prst="rect">
+            <a:avLst/>
+          </a:prstGeom>
+          <a:ln w="12700">
+            <a:miter lim="400000"/>
+          </a:ln>
+          <a:extLst>
+            <a:ext uri="{C572A759-6A51-4108-AA02-DFA0A04FC94B}">
+              <ma14:wrappingTextBoxFlag xmlns="" xmlns:m="http://schemas.openxmlformats.org/officeDocument/2006/math" xmlns:a14="http://schemas.microsoft.com/office/drawing/2010/main" xmlns:ma14="http://schemas.microsoft.com/office/mac/drawingml/2011/main" val="1"/>
+            </a:ext>
+          </a:extLst>
+        </p:spPr>
+        <p:txBody>
+          <a:bodyPr wrap="none" lIns="45719" rIns="45719">
+            <a:spAutoFit/>
+          </a:bodyPr>
+          <a:lstStyle>
+            <a:lvl1pPr>
+              <a:defRPr>
+                <a:latin typeface="나눔스퀘어라운드 Regular"/>
+                <a:ea typeface="나눔스퀘어라운드 Regular"/>
+                <a:cs typeface="나눔스퀘어라운드 Regular"/>
+                <a:sym typeface="나눔스퀘어라운드 Regular"/>
+              </a:defRPr>
+            </a:lvl1pPr>
+          </a:lstStyle>
+          <a:p>
+            <a:pPr>
+              <a:defRPr>
+                <a:latin typeface="Arial"/>
+                <a:ea typeface="Arial"/>
+                <a:cs typeface="Arial"/>
+                <a:sym typeface="Arial"/>
+              </a:defRPr>
+            </a:pPr>
+            <a:r>
+              <a:rPr lang="en-US" altLang="ko-KR" dirty="0" err="1" smtClean="0"/>
+              <a:t>NavigationDrawar</a:t>
+            </a:r>
+            <a:endParaRPr dirty="0">
+              <a:latin typeface="나눔스퀘어라운드 Regular"/>
+              <a:ea typeface="나눔스퀘어라운드 Regular"/>
+              <a:cs typeface="나눔스퀘어라운드 Regular"/>
+              <a:sym typeface="나눔스퀘어라운드 Regular"/>
+            </a:endParaRPr>
+          </a:p>
+        </p:txBody>
+      </p:sp>
+      <p:sp>
+        <p:nvSpPr>
+          <p:cNvPr id="26" name="직사각형 25"/>
+          <p:cNvSpPr/>
+          <p:nvPr/>
+        </p:nvSpPr>
+        <p:spPr>
+          <a:xfrm>
+            <a:off x="8684523" y="1194089"/>
+            <a:ext cx="2828207" cy="4778727"/>
+          </a:xfrm>
+          <a:prstGeom prst="rect">
+            <a:avLst/>
+          </a:prstGeom>
+          <a:blipFill dpi="0" rotWithShape="1">
+            <a:blip r:embed="rId4">
+              <a:extLst>
+                <a:ext uri="{28A0092B-C50C-407E-A947-70E740481C1C}">
+                  <a14:useLocalDpi xmlns:a14="http://schemas.microsoft.com/office/drawing/2010/main" val="0"/>
+                </a:ext>
+              </a:extLst>
+            </a:blip>
+            <a:srcRect/>
+            <a:stretch>
+              <a:fillRect/>
+            </a:stretch>
+          </a:blipFill>
+          <a:ln w="12700" cap="flat">
+            <a:noFill/>
+            <a:prstDash val="solid"/>
+            <a:miter lim="800000"/>
+          </a:ln>
+          <a:effectLst/>
+          <a:sp3d/>
+        </p:spPr>
+        <p:style>
+          <a:lnRef idx="0">
+            <a:scrgbClr r="0" g="0" b="0"/>
+          </a:lnRef>
+          <a:fillRef idx="0">
+            <a:scrgbClr r="0" g="0" b="0"/>
+          </a:fillRef>
+          <a:effectRef idx="0">
+            <a:scrgbClr r="0" g="0" b="0"/>
+          </a:effectRef>
+          <a:fontRef idx="none"/>
+        </p:style>
+        <p:txBody>
+          <a:bodyPr rot="0" spcFirstLastPara="1" vertOverflow="overflow" horzOverflow="overflow" vert="horz" wrap="square" lIns="45719" tIns="45719" rIns="45719" bIns="45719" numCol="1" spcCol="38100" rtlCol="0" anchor="ctr">
+            <a:spAutoFit/>
+          </a:bodyPr>
+          <a:lstStyle/>
+          <a:p>
+            <a:pPr marL="0" marR="0" indent="0" algn="l" defTabSz="914400" rtl="0" fontAlgn="auto" latinLnBrk="0" hangingPunct="0">
+              <a:lnSpc>
+                <a:spcPct val="100000"/>
+              </a:lnSpc>
+              <a:spcBef>
+                <a:spcPts val="0"/>
+              </a:spcBef>
+              <a:spcAft>
+                <a:spcPts val="0"/>
+              </a:spcAft>
+              <a:buClrTx/>
+              <a:buSzTx/>
+              <a:buFontTx/>
+              <a:buNone/>
+              <a:tabLst/>
+            </a:pPr>
+            <a:endParaRPr kumimoji="0" lang="ko-KR" altLang="en-US" sz="1800" b="0" i="0" u="none" strike="noStrike" cap="none" spc="0" normalizeH="0" baseline="0">
+              <a:ln>
+                <a:noFill/>
+              </a:ln>
+              <a:solidFill>
+                <a:srgbClr val="3A3838"/>
+              </a:solidFill>
+              <a:effectLst/>
+              <a:uFillTx/>
+              <a:latin typeface="Arial"/>
+              <a:ea typeface="Arial"/>
+              <a:cs typeface="Arial"/>
+              <a:sym typeface="Arial"/>
+            </a:endParaRPr>
+          </a:p>
+        </p:txBody>
+      </p:sp>
+    </p:spTree>
+    <p:extLst>
+      <p:ext uri="{BB962C8B-B14F-4D97-AF65-F5344CB8AC3E}">
+        <p14:creationId xmlns:p14="http://schemas.microsoft.com/office/powerpoint/2010/main" val="3226716175"/>
+      </p:ext>
+    </p:extLst>
+  </p:cSld>
+  <p:clrMapOvr>
+    <a:masterClrMapping/>
+  </p:clrMapOvr>
+  <p:transition spd="med"/>
+</p:sld>
+</file>
+
+<file path=ppt/slides/slide12.xml><?xml version="1.0" encoding="utf-8"?>
+<p:sld xmlns:a="http://schemas.openxmlformats.org/drawingml/2006/main" xmlns:r="http://schemas.openxmlformats.org/officeDocument/2006/relationships" xmlns:p="http://schemas.openxmlformats.org/presentationml/2006/main">
+  <p:cSld>
+    <p:spTree>
+      <p:nvGrpSpPr>
+        <p:cNvPr id="1" name=""/>
+        <p:cNvGrpSpPr/>
+        <p:nvPr/>
+      </p:nvGrpSpPr>
+      <p:grpSpPr>
+        <a:xfrm>
+          <a:off x="0" y="0"/>
+          <a:ext cx="0" cy="0"/>
+          <a:chOff x="0" y="0"/>
+          <a:chExt cx="0" cy="0"/>
+        </a:xfrm>
+      </p:grpSpPr>
+      <p:sp>
+        <p:nvSpPr>
+          <p:cNvPr id="200" name="TextBox 15"/>
+          <p:cNvSpPr txBox="1"/>
+          <p:nvPr/>
+        </p:nvSpPr>
+        <p:spPr>
+          <a:xfrm>
+            <a:off x="9885601" y="6505575"/>
+            <a:ext cx="2236328" cy="239048"/>
+          </a:xfrm>
+          <a:prstGeom prst="rect">
+            <a:avLst/>
+          </a:prstGeom>
+          <a:ln w="12700">
+            <a:miter lim="400000"/>
+          </a:ln>
+          <a:extLst>
+            <a:ext uri="{C572A759-6A51-4108-AA02-DFA0A04FC94B}">
+              <ma14:wrappingTextBoxFlag xmlns:ma14="http://schemas.microsoft.com/office/mac/drawingml/2011/main" xmlns:a14="http://schemas.microsoft.com/office/drawing/2010/main" xmlns:m="http://schemas.openxmlformats.org/officeDocument/2006/math" xmlns="" val="1"/>
+            </a:ext>
+          </a:extLst>
+        </p:spPr>
+        <p:txBody>
+          <a:bodyPr wrap="none" lIns="45719" rIns="45719">
+            <a:spAutoFit/>
+          </a:bodyPr>
+          <a:lstStyle>
+            <a:lvl1pPr algn="r">
+              <a:defRPr sz="800">
+                <a:solidFill>
+                  <a:schemeClr val="accent6"/>
+                </a:solidFill>
+                <a:latin typeface="나눔스퀘어라운드 Regular"/>
+                <a:ea typeface="나눔스퀘어라운드 Regular"/>
+                <a:cs typeface="나눔스퀘어라운드 Regular"/>
+                <a:sym typeface="나눔스퀘어라운드 Regular"/>
+              </a:defRPr>
+            </a:lvl1pPr>
+          </a:lstStyle>
+          <a:p>
+            <a:r>
+              <a:t>Copyrightⓒ. Saebyeol Yu. All Rights Reserved.</a:t>
+            </a:r>
+          </a:p>
+        </p:txBody>
+      </p:sp>
+      <p:sp>
+        <p:nvSpPr>
+          <p:cNvPr id="201" name="직선 연결선 22"/>
+          <p:cNvSpPr/>
+          <p:nvPr/>
+        </p:nvSpPr>
+        <p:spPr>
+          <a:xfrm>
+            <a:off x="1188881" y="273124"/>
+            <a:ext cx="10666422" cy="1"/>
+          </a:xfrm>
+          <a:prstGeom prst="line">
+            <a:avLst/>
+          </a:prstGeom>
+          <a:ln w="19050">
+            <a:solidFill>
+              <a:schemeClr val="accent6"/>
+            </a:solidFill>
+            <a:miter/>
+          </a:ln>
+        </p:spPr>
+        <p:txBody>
+          <a:bodyPr lIns="45719" rIns="45719"/>
+          <a:lstStyle/>
+          <a:p>
+            <a:endParaRPr/>
+          </a:p>
+        </p:txBody>
+      </p:sp>
+      <p:sp>
+        <p:nvSpPr>
+          <p:cNvPr id="202" name="직사각형 23"/>
+          <p:cNvSpPr/>
+          <p:nvPr/>
+        </p:nvSpPr>
+        <p:spPr>
+          <a:xfrm>
+            <a:off x="265814" y="244548"/>
+            <a:ext cx="720001" cy="720001"/>
+          </a:xfrm>
+          <a:prstGeom prst="rect">
+            <a:avLst/>
+          </a:prstGeom>
+          <a:solidFill>
+            <a:srgbClr val="B8BCBB"/>
+          </a:solidFill>
+          <a:ln w="12700">
+            <a:miter lim="400000"/>
+          </a:ln>
+        </p:spPr>
+        <p:txBody>
+          <a:bodyPr lIns="45719" rIns="45719" anchor="ctr"/>
+          <a:lstStyle/>
+          <a:p>
+            <a:pPr algn="ctr">
+              <a:defRPr>
+                <a:solidFill>
+                  <a:srgbClr val="FFFFFF"/>
+                </a:solidFill>
+              </a:defRPr>
+            </a:pPr>
+            <a:endParaRPr/>
+          </a:p>
+        </p:txBody>
+      </p:sp>
+      <p:sp>
+        <p:nvSpPr>
+          <p:cNvPr id="203" name="TextBox 24"/>
+          <p:cNvSpPr txBox="1"/>
+          <p:nvPr/>
+        </p:nvSpPr>
+        <p:spPr>
+          <a:xfrm>
+            <a:off x="490138" y="323244"/>
+            <a:ext cx="259303" cy="584775"/>
+          </a:xfrm>
+          <a:prstGeom prst="rect">
+            <a:avLst/>
+          </a:prstGeom>
+          <a:ln w="12700">
+            <a:miter lim="400000"/>
+          </a:ln>
+          <a:extLst>
+            <a:ext uri="{C572A759-6A51-4108-AA02-DFA0A04FC94B}">
+              <ma14:wrappingTextBoxFlag xmlns:ma14="http://schemas.microsoft.com/office/mac/drawingml/2011/main" xmlns:a14="http://schemas.microsoft.com/office/drawing/2010/main" xmlns:m="http://schemas.openxmlformats.org/officeDocument/2006/math" xmlns="" val="1"/>
+            </a:ext>
+          </a:extLst>
+        </p:spPr>
+        <p:txBody>
+          <a:bodyPr lIns="45719" rIns="45719">
+            <a:spAutoFit/>
+          </a:bodyPr>
+          <a:lstStyle>
+            <a:lvl1pPr algn="ctr">
+              <a:defRPr sz="3200" b="1">
+                <a:solidFill>
+                  <a:srgbClr val="FFFFFF"/>
+                </a:solidFill>
+              </a:defRPr>
+            </a:lvl1pPr>
+          </a:lstStyle>
+          <a:p>
+            <a:r>
+              <a:rPr lang="en-US" altLang="ko-KR"/>
+              <a:t>3</a:t>
+            </a:r>
+            <a:endParaRPr/>
+          </a:p>
+        </p:txBody>
+      </p:sp>
+      <p:grpSp>
+        <p:nvGrpSpPr>
+          <p:cNvPr id="206" name="그룹 25"/>
+          <p:cNvGrpSpPr/>
+          <p:nvPr/>
+        </p:nvGrpSpPr>
+        <p:grpSpPr>
+          <a:xfrm>
+            <a:off x="1188881" y="351818"/>
+            <a:ext cx="3029032" cy="660427"/>
+            <a:chOff x="0" y="0"/>
+            <a:chExt cx="3029031" cy="660425"/>
+          </a:xfrm>
+        </p:grpSpPr>
+        <p:sp>
+          <p:nvSpPr>
+            <p:cNvPr id="204" name="TextBox 26"/>
+            <p:cNvSpPr txBox="1"/>
+            <p:nvPr/>
+          </p:nvSpPr>
+          <p:spPr>
+            <a:xfrm>
+              <a:off x="0" y="0"/>
+              <a:ext cx="1203211" cy="276996"/>
+            </a:xfrm>
+            <a:prstGeom prst="rect">
+              <a:avLst/>
+            </a:prstGeom>
+            <a:noFill/>
+            <a:ln w="12700" cap="flat">
+              <a:noFill/>
+              <a:miter lim="400000"/>
+            </a:ln>
+            <a:effectLst/>
+            <a:extLst>
+              <a:ext uri="{C572A759-6A51-4108-AA02-DFA0A04FC94B}">
+                <ma14:wrappingTextBoxFlag xmlns:ma14="http://schemas.microsoft.com/office/mac/drawingml/2011/main" xmlns:a14="http://schemas.microsoft.com/office/drawing/2010/main" xmlns:m="http://schemas.openxmlformats.org/officeDocument/2006/math" xmlns="" val="1"/>
+              </a:ext>
+            </a:extLst>
+          </p:spPr>
+          <p:txBody>
+            <a:bodyPr wrap="none" lIns="45719" tIns="45719" rIns="45719" bIns="45719" numCol="1" anchor="t">
+              <a:spAutoFit/>
+            </a:bodyPr>
+            <a:lstStyle/>
+            <a:p>
+              <a:pPr>
+                <a:defRPr sz="1200"/>
+              </a:pPr>
+              <a:r>
+                <a:t>00</a:t>
+              </a:r>
+              <a:r>
+                <a:rPr lang="en-US" altLang="ko-KR"/>
+                <a:t>3 </a:t>
+              </a:r>
+              <a:r>
+                <a:rPr lang="ko-KR" altLang="en-US"/>
+                <a:t>화면 설명서</a:t>
+              </a:r>
+              <a:endParaRPr>
+                <a:latin typeface="나눔스퀘어라운드 Regular"/>
+                <a:ea typeface="나눔스퀘어라운드 Regular"/>
+                <a:cs typeface="나눔스퀘어라운드 Regular"/>
+                <a:sym typeface="나눔스퀘어라운드 Regular"/>
+              </a:endParaRPr>
+            </a:p>
+          </p:txBody>
+        </p:sp>
+        <p:sp>
+          <p:nvSpPr>
+            <p:cNvPr id="205" name="TextBox 27"/>
+            <p:cNvSpPr txBox="1"/>
+            <p:nvPr/>
+          </p:nvSpPr>
+          <p:spPr>
+            <a:xfrm>
+              <a:off x="0" y="229541"/>
+              <a:ext cx="3029031" cy="430884"/>
+            </a:xfrm>
+            <a:prstGeom prst="rect">
+              <a:avLst/>
+            </a:prstGeom>
+            <a:noFill/>
+            <a:ln w="12700" cap="flat">
+              <a:noFill/>
+              <a:miter lim="400000"/>
+            </a:ln>
+            <a:effectLst/>
+            <a:extLst>
+              <a:ext uri="{C572A759-6A51-4108-AA02-DFA0A04FC94B}">
+                <ma14:wrappingTextBoxFlag xmlns:ma14="http://schemas.microsoft.com/office/mac/drawingml/2011/main" xmlns:a14="http://schemas.microsoft.com/office/drawing/2010/main" xmlns:m="http://schemas.openxmlformats.org/officeDocument/2006/math" xmlns="" val="1"/>
+              </a:ext>
+            </a:extLst>
+          </p:spPr>
+          <p:txBody>
+            <a:bodyPr wrap="none" lIns="45719" tIns="45719" rIns="45719" bIns="45719" numCol="1" anchor="t">
+              <a:spAutoFit/>
+            </a:bodyPr>
+            <a:lstStyle>
+              <a:lvl1pPr>
+                <a:defRPr sz="2200">
+                  <a:latin typeface="나눔스퀘어라운드 Regular"/>
+                  <a:ea typeface="나눔스퀘어라운드 Regular"/>
+                  <a:cs typeface="나눔스퀘어라운드 Regular"/>
+                  <a:sym typeface="나눔스퀘어라운드 Regular"/>
+                </a:defRPr>
+              </a:lvl1pPr>
+            </a:lstStyle>
+            <a:p>
+              <a:pPr>
+                <a:defRPr>
+                  <a:latin typeface="Arial"/>
+                  <a:ea typeface="Arial"/>
+                  <a:cs typeface="Arial"/>
+                  <a:sym typeface="Arial"/>
+                </a:defRPr>
+              </a:pPr>
+              <a:r>
+                <a:rPr lang="ko-KR" altLang="en-US">
+                  <a:latin typeface="나눔스퀘어라운드 Regular"/>
+                  <a:ea typeface="나눔스퀘어라운드 Regular"/>
+                  <a:cs typeface="나눔스퀘어라운드 Regular"/>
+                  <a:sym typeface="나눔스퀘어라운드 Regular"/>
+                </a:rPr>
+                <a:t>각 화면 및 메뉴 설명서</a:t>
+              </a:r>
+              <a:endParaRPr>
+                <a:latin typeface="나눔스퀘어라운드 Regular"/>
+                <a:ea typeface="나눔스퀘어라운드 Regular"/>
+                <a:cs typeface="나눔스퀘어라운드 Regular"/>
+                <a:sym typeface="나눔스퀘어라운드 Regular"/>
+              </a:endParaRPr>
+            </a:p>
+          </p:txBody>
+        </p:sp>
+      </p:grpSp>
+      <p:pic>
+        <p:nvPicPr>
+          <p:cNvPr id="9" name="스크린샷 2019-04-24 오후 12.33.32.png"/>
+          <p:cNvPicPr>
+            <a:picLocks noChangeAspect="1"/>
+          </p:cNvPicPr>
+          <p:nvPr/>
+        </p:nvPicPr>
+        <p:blipFill>
+          <a:blip r:embed="rId2">
+            <a:extLst>
+              <a:ext uri="{28A0092B-C50C-407E-A947-70E740481C1C}">
+                <a14:useLocalDpi xmlns:a14="http://schemas.microsoft.com/office/drawing/2010/main" val="0"/>
+              </a:ext>
+            </a:extLst>
+          </a:blip>
+          <a:stretch>
+            <a:fillRect/>
+          </a:stretch>
+        </p:blipFill>
+        <p:spPr>
+          <a:xfrm>
+            <a:off x="2173770" y="1236099"/>
+            <a:ext cx="2680748" cy="4694710"/>
+          </a:xfrm>
+          <a:prstGeom prst="rect">
+            <a:avLst/>
+          </a:prstGeom>
+          <a:ln w="12700">
+            <a:miter lim="400000"/>
+          </a:ln>
+        </p:spPr>
+      </p:pic>
+      <p:pic>
+        <p:nvPicPr>
+          <p:cNvPr id="10" name="스크린샷 2019-04-24 오후 12.40.55.png"/>
+          <p:cNvPicPr>
+            <a:picLocks noChangeAspect="1"/>
+          </p:cNvPicPr>
+          <p:nvPr/>
+        </p:nvPicPr>
+        <p:blipFill>
+          <a:blip r:embed="rId3">
+            <a:extLst>
+              <a:ext uri="{28A0092B-C50C-407E-A947-70E740481C1C}">
+                <a14:useLocalDpi xmlns:a14="http://schemas.microsoft.com/office/drawing/2010/main" val="0"/>
+              </a:ext>
+            </a:extLst>
+          </a:blip>
+          <a:stretch>
+            <a:fillRect/>
+          </a:stretch>
+        </p:blipFill>
+        <p:spPr>
+          <a:xfrm>
+            <a:off x="7000834" y="1210549"/>
+            <a:ext cx="2686307" cy="4745809"/>
+          </a:xfrm>
+          <a:prstGeom prst="rect">
+            <a:avLst/>
+          </a:prstGeom>
+          <a:ln w="12700">
+            <a:miter lim="400000"/>
+          </a:ln>
+        </p:spPr>
+      </p:pic>
+      <p:sp>
+        <p:nvSpPr>
+          <p:cNvPr id="11" name="TextBox 9"/>
+          <p:cNvSpPr txBox="1"/>
+          <p:nvPr/>
+        </p:nvSpPr>
+        <p:spPr>
+          <a:xfrm>
+            <a:off x="2907728" y="6041285"/>
+            <a:ext cx="1212831" cy="369332"/>
+          </a:xfrm>
+          <a:prstGeom prst="rect">
+            <a:avLst/>
+          </a:prstGeom>
+          <a:ln w="12700">
+            <a:miter lim="400000"/>
+          </a:ln>
+          <a:extLst>
+            <a:ext uri="{C572A759-6A51-4108-AA02-DFA0A04FC94B}">
+              <ma14:wrappingTextBoxFlag xmlns="" xmlns:m="http://schemas.openxmlformats.org/officeDocument/2006/math" xmlns:a14="http://schemas.microsoft.com/office/drawing/2010/main" xmlns:ma14="http://schemas.microsoft.com/office/mac/drawingml/2011/main" val="1"/>
+            </a:ext>
+          </a:extLst>
+        </p:spPr>
+        <p:txBody>
+          <a:bodyPr wrap="none" lIns="45719" rIns="45719">
+            <a:spAutoFit/>
+          </a:bodyPr>
+          <a:lstStyle>
+            <a:lvl1pPr>
+              <a:defRPr>
+                <a:latin typeface="나눔스퀘어라운드 Regular"/>
+                <a:ea typeface="나눔스퀘어라운드 Regular"/>
+                <a:cs typeface="나눔스퀘어라운드 Regular"/>
+                <a:sym typeface="나눔스퀘어라운드 Regular"/>
+              </a:defRPr>
+            </a:lvl1pPr>
+          </a:lstStyle>
+          <a:p>
+            <a:pPr>
+              <a:defRPr>
+                <a:latin typeface="Arial"/>
+                <a:ea typeface="Arial"/>
+                <a:cs typeface="Arial"/>
+                <a:sym typeface="Arial"/>
+              </a:defRPr>
+            </a:pPr>
+            <a:r>
+              <a:rPr lang="en-US" altLang="ko-KR" dirty="0" err="1" smtClean="0">
+                <a:latin typeface="나눔스퀘어라운드 Regular"/>
+                <a:ea typeface="나눔스퀘어라운드 Regular"/>
+                <a:cs typeface="나눔스퀘어라운드 Regular"/>
+                <a:sym typeface="나눔스퀘어라운드 Regular"/>
+              </a:rPr>
+              <a:t>MyFestival</a:t>
+            </a:r>
+            <a:endParaRPr dirty="0">
+              <a:latin typeface="나눔스퀘어라운드 Regular"/>
+              <a:ea typeface="나눔스퀘어라운드 Regular"/>
+              <a:cs typeface="나눔스퀘어라운드 Regular"/>
+              <a:sym typeface="나눔스퀘어라운드 Regular"/>
+            </a:endParaRPr>
+          </a:p>
+        </p:txBody>
+      </p:sp>
+      <p:sp>
+        <p:nvSpPr>
+          <p:cNvPr id="12" name="TextBox 36"/>
+          <p:cNvSpPr txBox="1"/>
+          <p:nvPr/>
+        </p:nvSpPr>
+        <p:spPr>
+          <a:xfrm>
+            <a:off x="7842811" y="6081813"/>
+            <a:ext cx="1015661" cy="369332"/>
+          </a:xfrm>
+          <a:prstGeom prst="rect">
+            <a:avLst/>
+          </a:prstGeom>
+          <a:ln w="12700">
+            <a:miter lim="400000"/>
+          </a:ln>
+          <a:extLst>
+            <a:ext uri="{C572A759-6A51-4108-AA02-DFA0A04FC94B}">
+              <ma14:wrappingTextBoxFlag xmlns="" xmlns:m="http://schemas.openxmlformats.org/officeDocument/2006/math" xmlns:a14="http://schemas.microsoft.com/office/drawing/2010/main" xmlns:ma14="http://schemas.microsoft.com/office/mac/drawingml/2011/main" val="1"/>
+            </a:ext>
+          </a:extLst>
+        </p:spPr>
+        <p:txBody>
+          <a:bodyPr wrap="none" lIns="45719" rIns="45719">
+            <a:spAutoFit/>
+          </a:bodyPr>
+          <a:lstStyle>
+            <a:lvl1pPr>
+              <a:defRPr>
+                <a:latin typeface="나눔스퀘어라운드 Regular"/>
+                <a:ea typeface="나눔스퀘어라운드 Regular"/>
+                <a:cs typeface="나눔스퀘어라운드 Regular"/>
+                <a:sym typeface="나눔스퀘어라운드 Regular"/>
+              </a:defRPr>
+            </a:lvl1pPr>
+          </a:lstStyle>
+          <a:p>
+            <a:pPr>
+              <a:defRPr>
+                <a:latin typeface="Arial"/>
+                <a:ea typeface="Arial"/>
+                <a:cs typeface="Arial"/>
+                <a:sym typeface="Arial"/>
+              </a:defRPr>
+            </a:pPr>
+            <a:r>
+              <a:rPr lang="ko-KR" altLang="en-US" dirty="0" smtClean="0">
+                <a:latin typeface="Arial"/>
+                <a:cs typeface="Arial"/>
+                <a:sym typeface="Arial"/>
+              </a:rPr>
+              <a:t>로그아웃</a:t>
+            </a:r>
+            <a:endParaRPr dirty="0">
+              <a:latin typeface="나눔스퀘어라운드 Regular"/>
+              <a:ea typeface="나눔스퀘어라운드 Regular"/>
+              <a:cs typeface="나눔스퀘어라운드 Regular"/>
+              <a:sym typeface="나눔스퀘어라운드 Regular"/>
+            </a:endParaRPr>
+          </a:p>
+        </p:txBody>
+      </p:sp>
+    </p:spTree>
+    <p:extLst>
+      <p:ext uri="{BB962C8B-B14F-4D97-AF65-F5344CB8AC3E}">
+        <p14:creationId xmlns:p14="http://schemas.microsoft.com/office/powerpoint/2010/main" val="842232133"/>
+      </p:ext>
+    </p:extLst>
+  </p:cSld>
+  <p:clrMapOvr>
+    <a:masterClrMapping/>
+  </p:clrMapOvr>
+  <p:transition spd="med"/>
+</p:sld>
+</file>
+
+<file path=ppt/slides/slide13.xml><?xml version="1.0" encoding="utf-8"?>
+<p:sld xmlns:a="http://schemas.openxmlformats.org/drawingml/2006/main" xmlns:r="http://schemas.openxmlformats.org/officeDocument/2006/relationships" xmlns:p="http://schemas.openxmlformats.org/presentationml/2006/main">
+  <p:cSld>
+    <p:spTree>
+      <p:nvGrpSpPr>
+        <p:cNvPr id="1" name=""/>
+        <p:cNvGrpSpPr/>
+        <p:nvPr/>
+      </p:nvGrpSpPr>
+      <p:grpSpPr>
+        <a:xfrm>
+          <a:off x="0" y="0"/>
+          <a:ext cx="0" cy="0"/>
+          <a:chOff x="0" y="0"/>
+          <a:chExt cx="0" cy="0"/>
+        </a:xfrm>
+      </p:grpSpPr>
+      <p:sp>
+        <p:nvSpPr>
+          <p:cNvPr id="200" name="TextBox 15"/>
+          <p:cNvSpPr txBox="1"/>
+          <p:nvPr/>
+        </p:nvSpPr>
+        <p:spPr>
+          <a:xfrm>
+            <a:off x="9885601" y="6505575"/>
+            <a:ext cx="2236328" cy="239048"/>
+          </a:xfrm>
+          <a:prstGeom prst="rect">
+            <a:avLst/>
+          </a:prstGeom>
+          <a:ln w="12700">
+            <a:miter lim="400000"/>
+          </a:ln>
+          <a:extLst>
+            <a:ext uri="{C572A759-6A51-4108-AA02-DFA0A04FC94B}">
+              <ma14:wrappingTextBoxFlag xmlns:ma14="http://schemas.microsoft.com/office/mac/drawingml/2011/main" xmlns:a14="http://schemas.microsoft.com/office/drawing/2010/main" xmlns:m="http://schemas.openxmlformats.org/officeDocument/2006/math" xmlns="" val="1"/>
+            </a:ext>
+          </a:extLst>
+        </p:spPr>
+        <p:txBody>
+          <a:bodyPr wrap="none" lIns="45719" rIns="45719">
+            <a:spAutoFit/>
+          </a:bodyPr>
+          <a:lstStyle>
+            <a:lvl1pPr algn="r">
+              <a:defRPr sz="800">
+                <a:solidFill>
+                  <a:schemeClr val="accent6"/>
+                </a:solidFill>
+                <a:latin typeface="나눔스퀘어라운드 Regular"/>
+                <a:ea typeface="나눔스퀘어라운드 Regular"/>
+                <a:cs typeface="나눔스퀘어라운드 Regular"/>
+                <a:sym typeface="나눔스퀘어라운드 Regular"/>
+              </a:defRPr>
+            </a:lvl1pPr>
+          </a:lstStyle>
+          <a:p>
+            <a:r>
+              <a:t>Copyrightⓒ. Saebyeol Yu. All Rights Reserved.</a:t>
+            </a:r>
+          </a:p>
+        </p:txBody>
+      </p:sp>
+      <p:sp>
+        <p:nvSpPr>
+          <p:cNvPr id="201" name="직선 연결선 22"/>
+          <p:cNvSpPr/>
+          <p:nvPr/>
+        </p:nvSpPr>
+        <p:spPr>
+          <a:xfrm>
+            <a:off x="1188881" y="273124"/>
+            <a:ext cx="10666422" cy="1"/>
+          </a:xfrm>
+          <a:prstGeom prst="line">
+            <a:avLst/>
+          </a:prstGeom>
+          <a:ln w="19050">
+            <a:solidFill>
+              <a:schemeClr val="accent6"/>
+            </a:solidFill>
+            <a:miter/>
+          </a:ln>
+        </p:spPr>
+        <p:txBody>
+          <a:bodyPr lIns="45719" rIns="45719"/>
+          <a:lstStyle/>
+          <a:p>
+            <a:endParaRPr/>
+          </a:p>
+        </p:txBody>
+      </p:sp>
+      <p:sp>
+        <p:nvSpPr>
+          <p:cNvPr id="202" name="직사각형 23"/>
+          <p:cNvSpPr/>
+          <p:nvPr/>
+        </p:nvSpPr>
+        <p:spPr>
+          <a:xfrm>
+            <a:off x="265814" y="244548"/>
+            <a:ext cx="720001" cy="720001"/>
+          </a:xfrm>
+          <a:prstGeom prst="rect">
+            <a:avLst/>
+          </a:prstGeom>
+          <a:solidFill>
+            <a:srgbClr val="B8BCBB"/>
+          </a:solidFill>
+          <a:ln w="12700">
+            <a:miter lim="400000"/>
+          </a:ln>
+        </p:spPr>
+        <p:txBody>
+          <a:bodyPr lIns="45719" rIns="45719" anchor="ctr"/>
+          <a:lstStyle/>
+          <a:p>
+            <a:pPr algn="ctr">
+              <a:defRPr>
+                <a:solidFill>
+                  <a:srgbClr val="FFFFFF"/>
+                </a:solidFill>
+              </a:defRPr>
+            </a:pPr>
+            <a:endParaRPr/>
+          </a:p>
+        </p:txBody>
+      </p:sp>
+      <p:sp>
+        <p:nvSpPr>
+          <p:cNvPr id="203" name="TextBox 24"/>
+          <p:cNvSpPr txBox="1"/>
+          <p:nvPr/>
+        </p:nvSpPr>
+        <p:spPr>
+          <a:xfrm>
+            <a:off x="490138" y="323244"/>
+            <a:ext cx="259303" cy="584775"/>
+          </a:xfrm>
+          <a:prstGeom prst="rect">
+            <a:avLst/>
+          </a:prstGeom>
+          <a:ln w="12700">
+            <a:miter lim="400000"/>
+          </a:ln>
+          <a:extLst>
+            <a:ext uri="{C572A759-6A51-4108-AA02-DFA0A04FC94B}">
+              <ma14:wrappingTextBoxFlag xmlns:ma14="http://schemas.microsoft.com/office/mac/drawingml/2011/main" xmlns:a14="http://schemas.microsoft.com/office/drawing/2010/main" xmlns:m="http://schemas.openxmlformats.org/officeDocument/2006/math" xmlns="" val="1"/>
+            </a:ext>
+          </a:extLst>
+        </p:spPr>
+        <p:txBody>
+          <a:bodyPr lIns="45719" rIns="45719">
+            <a:spAutoFit/>
+          </a:bodyPr>
+          <a:lstStyle>
+            <a:lvl1pPr algn="ctr">
+              <a:defRPr sz="3200" b="1">
+                <a:solidFill>
+                  <a:srgbClr val="FFFFFF"/>
+                </a:solidFill>
+              </a:defRPr>
+            </a:lvl1pPr>
+          </a:lstStyle>
+          <a:p>
+            <a:r>
+              <a:rPr lang="en-US" altLang="ko-KR"/>
+              <a:t>3</a:t>
+            </a:r>
+            <a:endParaRPr/>
+          </a:p>
+        </p:txBody>
+      </p:sp>
+      <p:grpSp>
+        <p:nvGrpSpPr>
+          <p:cNvPr id="206" name="그룹 25"/>
+          <p:cNvGrpSpPr/>
+          <p:nvPr/>
+        </p:nvGrpSpPr>
+        <p:grpSpPr>
+          <a:xfrm>
+            <a:off x="1188881" y="351818"/>
+            <a:ext cx="3029032" cy="660427"/>
+            <a:chOff x="0" y="0"/>
+            <a:chExt cx="3029031" cy="660425"/>
+          </a:xfrm>
+        </p:grpSpPr>
+        <p:sp>
+          <p:nvSpPr>
+            <p:cNvPr id="204" name="TextBox 26"/>
+            <p:cNvSpPr txBox="1"/>
+            <p:nvPr/>
+          </p:nvSpPr>
+          <p:spPr>
+            <a:xfrm>
+              <a:off x="0" y="0"/>
+              <a:ext cx="1203211" cy="276996"/>
+            </a:xfrm>
+            <a:prstGeom prst="rect">
+              <a:avLst/>
+            </a:prstGeom>
+            <a:noFill/>
+            <a:ln w="12700" cap="flat">
+              <a:noFill/>
+              <a:miter lim="400000"/>
+            </a:ln>
+            <a:effectLst/>
+            <a:extLst>
+              <a:ext uri="{C572A759-6A51-4108-AA02-DFA0A04FC94B}">
+                <ma14:wrappingTextBoxFlag xmlns:ma14="http://schemas.microsoft.com/office/mac/drawingml/2011/main" xmlns:a14="http://schemas.microsoft.com/office/drawing/2010/main" xmlns:m="http://schemas.openxmlformats.org/officeDocument/2006/math" xmlns="" val="1"/>
+              </a:ext>
+            </a:extLst>
+          </p:spPr>
+          <p:txBody>
+            <a:bodyPr wrap="none" lIns="45719" tIns="45719" rIns="45719" bIns="45719" numCol="1" anchor="t">
+              <a:spAutoFit/>
+            </a:bodyPr>
+            <a:lstStyle/>
+            <a:p>
+              <a:pPr>
+                <a:defRPr sz="1200"/>
+              </a:pPr>
+              <a:r>
+                <a:t>00</a:t>
+              </a:r>
+              <a:r>
+                <a:rPr lang="en-US" altLang="ko-KR"/>
+                <a:t>3 </a:t>
+              </a:r>
+              <a:r>
+                <a:rPr lang="ko-KR" altLang="en-US"/>
+                <a:t>화면 설명서</a:t>
+              </a:r>
+              <a:endParaRPr>
+                <a:latin typeface="나눔스퀘어라운드 Regular"/>
+                <a:ea typeface="나눔스퀘어라운드 Regular"/>
+                <a:cs typeface="나눔스퀘어라운드 Regular"/>
+                <a:sym typeface="나눔스퀘어라운드 Regular"/>
+              </a:endParaRPr>
+            </a:p>
+          </p:txBody>
+        </p:sp>
+        <p:sp>
+          <p:nvSpPr>
+            <p:cNvPr id="205" name="TextBox 27"/>
+            <p:cNvSpPr txBox="1"/>
+            <p:nvPr/>
+          </p:nvSpPr>
+          <p:spPr>
+            <a:xfrm>
+              <a:off x="0" y="229541"/>
+              <a:ext cx="3029031" cy="430884"/>
+            </a:xfrm>
+            <a:prstGeom prst="rect">
+              <a:avLst/>
+            </a:prstGeom>
+            <a:noFill/>
+            <a:ln w="12700" cap="flat">
+              <a:noFill/>
+              <a:miter lim="400000"/>
+            </a:ln>
+            <a:effectLst/>
+            <a:extLst>
+              <a:ext uri="{C572A759-6A51-4108-AA02-DFA0A04FC94B}">
+                <ma14:wrappingTextBoxFlag xmlns:ma14="http://schemas.microsoft.com/office/mac/drawingml/2011/main" xmlns:a14="http://schemas.microsoft.com/office/drawing/2010/main" xmlns:m="http://schemas.openxmlformats.org/officeDocument/2006/math" xmlns="" val="1"/>
+              </a:ext>
+            </a:extLst>
+          </p:spPr>
+          <p:txBody>
+            <a:bodyPr wrap="none" lIns="45719" tIns="45719" rIns="45719" bIns="45719" numCol="1" anchor="t">
+              <a:spAutoFit/>
+            </a:bodyPr>
+            <a:lstStyle>
+              <a:lvl1pPr>
+                <a:defRPr sz="2200">
+                  <a:latin typeface="나눔스퀘어라운드 Regular"/>
+                  <a:ea typeface="나눔스퀘어라운드 Regular"/>
+                  <a:cs typeface="나눔스퀘어라운드 Regular"/>
+                  <a:sym typeface="나눔스퀘어라운드 Regular"/>
+                </a:defRPr>
+              </a:lvl1pPr>
+            </a:lstStyle>
+            <a:p>
+              <a:pPr>
+                <a:defRPr>
+                  <a:latin typeface="Arial"/>
+                  <a:ea typeface="Arial"/>
+                  <a:cs typeface="Arial"/>
+                  <a:sym typeface="Arial"/>
+                </a:defRPr>
+              </a:pPr>
+              <a:r>
+                <a:rPr lang="ko-KR" altLang="en-US">
+                  <a:latin typeface="나눔스퀘어라운드 Regular"/>
+                  <a:ea typeface="나눔스퀘어라운드 Regular"/>
+                  <a:cs typeface="나눔스퀘어라운드 Regular"/>
+                  <a:sym typeface="나눔스퀘어라운드 Regular"/>
+                </a:rPr>
+                <a:t>각 화면 및 메뉴 설명서</a:t>
+              </a:r>
+              <a:endParaRPr>
+                <a:latin typeface="나눔스퀘어라운드 Regular"/>
+                <a:ea typeface="나눔스퀘어라운드 Regular"/>
+                <a:cs typeface="나눔스퀘어라운드 Regular"/>
+                <a:sym typeface="나눔스퀘어라운드 Regular"/>
+              </a:endParaRPr>
+            </a:p>
+          </p:txBody>
+        </p:sp>
+      </p:grpSp>
+      <p:pic>
+        <p:nvPicPr>
+          <p:cNvPr id="21" name="스크린샷 2019-04-24 오후 12.33.32.png"/>
+          <p:cNvPicPr>
+            <a:picLocks noChangeAspect="1"/>
+          </p:cNvPicPr>
+          <p:nvPr/>
+        </p:nvPicPr>
+        <p:blipFill>
+          <a:blip r:embed="rId2">
+            <a:extLst>
+              <a:ext uri="{28A0092B-C50C-407E-A947-70E740481C1C}">
+                <a14:useLocalDpi xmlns:a14="http://schemas.microsoft.com/office/drawing/2010/main" val="0"/>
+              </a:ext>
+            </a:extLst>
+          </a:blip>
+          <a:stretch>
+            <a:fillRect/>
+          </a:stretch>
+        </p:blipFill>
+        <p:spPr>
+          <a:xfrm>
+            <a:off x="655234" y="1194090"/>
+            <a:ext cx="2714870" cy="4778726"/>
+          </a:xfrm>
+          <a:prstGeom prst="rect">
+            <a:avLst/>
+          </a:prstGeom>
+          <a:ln w="12700">
+            <a:miter lim="400000"/>
+          </a:ln>
+        </p:spPr>
+      </p:pic>
+      <p:pic>
+        <p:nvPicPr>
+          <p:cNvPr id="22" name="스크린샷 2019-04-24 오후 12.40.55.png"/>
+          <p:cNvPicPr>
+            <a:picLocks noChangeAspect="1"/>
+          </p:cNvPicPr>
+          <p:nvPr/>
+        </p:nvPicPr>
+        <p:blipFill>
+          <a:blip r:embed="rId3">
+            <a:extLst>
+              <a:ext uri="{28A0092B-C50C-407E-A947-70E740481C1C}">
+                <a14:useLocalDpi xmlns:a14="http://schemas.microsoft.com/office/drawing/2010/main" val="0"/>
+              </a:ext>
+            </a:extLst>
+          </a:blip>
+          <a:stretch>
+            <a:fillRect/>
+          </a:stretch>
+        </p:blipFill>
+        <p:spPr>
+          <a:xfrm>
+            <a:off x="5085850" y="1194089"/>
+            <a:ext cx="2706108" cy="4778727"/>
+          </a:xfrm>
+          <a:prstGeom prst="rect">
+            <a:avLst/>
+          </a:prstGeom>
+          <a:ln w="12700">
+            <a:miter lim="400000"/>
+          </a:ln>
+        </p:spPr>
+      </p:pic>
+      <p:sp>
+        <p:nvSpPr>
+          <p:cNvPr id="23" name="TextBox 9"/>
+          <p:cNvSpPr txBox="1"/>
+          <p:nvPr/>
+        </p:nvSpPr>
+        <p:spPr>
+          <a:xfrm>
+            <a:off x="1387841" y="6084830"/>
+            <a:ext cx="2092879" cy="369332"/>
+          </a:xfrm>
+          <a:prstGeom prst="rect">
+            <a:avLst/>
+          </a:prstGeom>
+          <a:ln w="12700">
+            <a:miter lim="400000"/>
+          </a:ln>
+          <a:extLst>
+            <a:ext uri="{C572A759-6A51-4108-AA02-DFA0A04FC94B}">
+              <ma14:wrappingTextBoxFlag xmlns="" xmlns:m="http://schemas.openxmlformats.org/officeDocument/2006/math" xmlns:a14="http://schemas.microsoft.com/office/drawing/2010/main" xmlns:ma14="http://schemas.microsoft.com/office/mac/drawingml/2011/main" val="1"/>
+            </a:ext>
+          </a:extLst>
+        </p:spPr>
+        <p:txBody>
+          <a:bodyPr wrap="none" lIns="45719" rIns="45719">
+            <a:spAutoFit/>
+          </a:bodyPr>
+          <a:lstStyle>
+            <a:lvl1pPr>
+              <a:defRPr>
+                <a:latin typeface="나눔스퀘어라운드 Regular"/>
+                <a:ea typeface="나눔스퀘어라운드 Regular"/>
+                <a:cs typeface="나눔스퀘어라운드 Regular"/>
+                <a:sym typeface="나눔스퀘어라운드 Regular"/>
+              </a:defRPr>
+            </a:lvl1pPr>
+          </a:lstStyle>
+          <a:p>
+            <a:pPr>
+              <a:defRPr>
+                <a:latin typeface="Arial"/>
+                <a:ea typeface="Arial"/>
+                <a:cs typeface="Arial"/>
+                <a:sym typeface="Arial"/>
+              </a:defRPr>
+            </a:pPr>
+            <a:r>
+              <a:rPr lang="ko-KR" altLang="en-US" dirty="0" smtClean="0">
+                <a:latin typeface="나눔스퀘어라운드 Regular"/>
+                <a:ea typeface="나눔스퀘어라운드 Regular"/>
+                <a:cs typeface="나눔스퀘어라운드 Regular"/>
+                <a:sym typeface="나눔스퀘어라운드 Regular"/>
+              </a:rPr>
+              <a:t>지역별 선택 페이지</a:t>
+            </a:r>
+            <a:endParaRPr dirty="0">
+              <a:latin typeface="나눔스퀘어라운드 Regular"/>
+              <a:ea typeface="나눔스퀘어라운드 Regular"/>
+              <a:cs typeface="나눔스퀘어라운드 Regular"/>
+              <a:sym typeface="나눔스퀘어라운드 Regular"/>
+            </a:endParaRPr>
+          </a:p>
+        </p:txBody>
+      </p:sp>
+      <p:sp>
+        <p:nvSpPr>
+          <p:cNvPr id="24" name="TextBox 36"/>
+          <p:cNvSpPr txBox="1"/>
+          <p:nvPr/>
+        </p:nvSpPr>
+        <p:spPr>
+          <a:xfrm>
+            <a:off x="5526330" y="6081813"/>
+            <a:ext cx="1554270" cy="369332"/>
+          </a:xfrm>
+          <a:prstGeom prst="rect">
+            <a:avLst/>
+          </a:prstGeom>
+          <a:ln w="12700">
+            <a:miter lim="400000"/>
+          </a:ln>
+          <a:extLst>
+            <a:ext uri="{C572A759-6A51-4108-AA02-DFA0A04FC94B}">
+              <ma14:wrappingTextBoxFlag xmlns="" xmlns:m="http://schemas.openxmlformats.org/officeDocument/2006/math" xmlns:a14="http://schemas.microsoft.com/office/drawing/2010/main" xmlns:ma14="http://schemas.microsoft.com/office/mac/drawingml/2011/main" val="1"/>
+            </a:ext>
+          </a:extLst>
+        </p:spPr>
+        <p:txBody>
+          <a:bodyPr wrap="none" lIns="45719" rIns="45719">
+            <a:spAutoFit/>
+          </a:bodyPr>
+          <a:lstStyle>
+            <a:lvl1pPr>
+              <a:defRPr>
+                <a:latin typeface="나눔스퀘어라운드 Regular"/>
+                <a:ea typeface="나눔스퀘어라운드 Regular"/>
+                <a:cs typeface="나눔스퀘어라운드 Regular"/>
+                <a:sym typeface="나눔스퀘어라운드 Regular"/>
+              </a:defRPr>
+            </a:lvl1pPr>
+          </a:lstStyle>
+          <a:p>
+            <a:pPr>
+              <a:defRPr>
+                <a:latin typeface="Arial"/>
+                <a:ea typeface="Arial"/>
+                <a:cs typeface="Arial"/>
+                <a:sym typeface="Arial"/>
+              </a:defRPr>
+            </a:pPr>
+            <a:r>
+              <a:rPr lang="ko-KR" altLang="en-US" dirty="0" smtClean="0">
+                <a:latin typeface="나눔스퀘어라운드 Regular"/>
+                <a:ea typeface="나눔스퀘어라운드 Regular"/>
+                <a:cs typeface="나눔스퀘어라운드 Regular"/>
+                <a:sym typeface="나눔스퀘어라운드 Regular"/>
+              </a:rPr>
+              <a:t>캘린더 페이지</a:t>
+            </a:r>
+            <a:endParaRPr dirty="0">
+              <a:latin typeface="나눔스퀘어라운드 Regular"/>
+              <a:ea typeface="나눔스퀘어라운드 Regular"/>
+              <a:cs typeface="나눔스퀘어라운드 Regular"/>
+              <a:sym typeface="나눔스퀘어라운드 Regular"/>
+            </a:endParaRPr>
+          </a:p>
+        </p:txBody>
+      </p:sp>
+      <p:sp>
+        <p:nvSpPr>
+          <p:cNvPr id="25" name="TextBox 37"/>
+          <p:cNvSpPr txBox="1"/>
+          <p:nvPr/>
+        </p:nvSpPr>
+        <p:spPr>
+          <a:xfrm>
+            <a:off x="9529919" y="6081813"/>
+            <a:ext cx="1323437" cy="369332"/>
+          </a:xfrm>
+          <a:prstGeom prst="rect">
+            <a:avLst/>
+          </a:prstGeom>
+          <a:ln w="12700">
+            <a:miter lim="400000"/>
+          </a:ln>
+          <a:extLst>
+            <a:ext uri="{C572A759-6A51-4108-AA02-DFA0A04FC94B}">
+              <ma14:wrappingTextBoxFlag xmlns="" xmlns:m="http://schemas.openxmlformats.org/officeDocument/2006/math" xmlns:a14="http://schemas.microsoft.com/office/drawing/2010/main" xmlns:ma14="http://schemas.microsoft.com/office/mac/drawingml/2011/main" val="1"/>
+            </a:ext>
+          </a:extLst>
+        </p:spPr>
+        <p:txBody>
+          <a:bodyPr wrap="none" lIns="45719" rIns="45719">
+            <a:spAutoFit/>
+          </a:bodyPr>
+          <a:lstStyle>
+            <a:lvl1pPr>
+              <a:defRPr>
+                <a:latin typeface="나눔스퀘어라운드 Regular"/>
+                <a:ea typeface="나눔스퀘어라운드 Regular"/>
+                <a:cs typeface="나눔스퀘어라운드 Regular"/>
+                <a:sym typeface="나눔스퀘어라운드 Regular"/>
+              </a:defRPr>
+            </a:lvl1pPr>
+          </a:lstStyle>
+          <a:p>
+            <a:pPr>
+              <a:defRPr>
+                <a:latin typeface="Arial"/>
+                <a:ea typeface="Arial"/>
+                <a:cs typeface="Arial"/>
+                <a:sym typeface="Arial"/>
+              </a:defRPr>
+            </a:pPr>
+            <a:r>
+              <a:rPr lang="ko-KR" altLang="en-US" dirty="0" smtClean="0">
+                <a:latin typeface="나눔스퀘어라운드 Regular"/>
+                <a:ea typeface="나눔스퀘어라운드 Regular"/>
+                <a:cs typeface="나눔스퀘어라운드 Regular"/>
+                <a:sym typeface="나눔스퀘어라운드 Regular"/>
+              </a:rPr>
+              <a:t>캘린더 클릭</a:t>
+            </a:r>
+            <a:endParaRPr dirty="0">
+              <a:latin typeface="나눔스퀘어라운드 Regular"/>
+              <a:ea typeface="나눔스퀘어라운드 Regular"/>
+              <a:cs typeface="나눔스퀘어라운드 Regular"/>
+              <a:sym typeface="나눔스퀘어라운드 Regular"/>
+            </a:endParaRPr>
+          </a:p>
+        </p:txBody>
+      </p:sp>
+      <p:sp>
+        <p:nvSpPr>
+          <p:cNvPr id="26" name="직사각형 25"/>
+          <p:cNvSpPr/>
+          <p:nvPr/>
+        </p:nvSpPr>
+        <p:spPr>
+          <a:xfrm>
+            <a:off x="8684523" y="1194089"/>
+            <a:ext cx="2828207" cy="4778727"/>
+          </a:xfrm>
+          <a:prstGeom prst="rect">
+            <a:avLst/>
+          </a:prstGeom>
+          <a:blipFill dpi="0" rotWithShape="1">
+            <a:blip r:embed="rId4">
+              <a:extLst>
+                <a:ext uri="{28A0092B-C50C-407E-A947-70E740481C1C}">
+                  <a14:useLocalDpi xmlns:a14="http://schemas.microsoft.com/office/drawing/2010/main" val="0"/>
+                </a:ext>
+              </a:extLst>
+            </a:blip>
+            <a:srcRect/>
+            <a:stretch>
+              <a:fillRect/>
+            </a:stretch>
+          </a:blipFill>
+          <a:ln w="12700" cap="flat">
+            <a:noFill/>
+            <a:prstDash val="solid"/>
+            <a:miter lim="800000"/>
+          </a:ln>
+          <a:effectLst/>
+          <a:sp3d/>
+        </p:spPr>
+        <p:style>
+          <a:lnRef idx="0">
+            <a:scrgbClr r="0" g="0" b="0"/>
+          </a:lnRef>
+          <a:fillRef idx="0">
+            <a:scrgbClr r="0" g="0" b="0"/>
+          </a:fillRef>
+          <a:effectRef idx="0">
+            <a:scrgbClr r="0" g="0" b="0"/>
+          </a:effectRef>
+          <a:fontRef idx="none"/>
+        </p:style>
+        <p:txBody>
+          <a:bodyPr rot="0" spcFirstLastPara="1" vertOverflow="overflow" horzOverflow="overflow" vert="horz" wrap="square" lIns="45719" tIns="45719" rIns="45719" bIns="45719" numCol="1" spcCol="38100" rtlCol="0" anchor="ctr">
+            <a:spAutoFit/>
+          </a:bodyPr>
+          <a:lstStyle/>
+          <a:p>
+            <a:pPr marL="0" marR="0" indent="0" algn="l" defTabSz="914400" rtl="0" fontAlgn="auto" latinLnBrk="0" hangingPunct="0">
+              <a:lnSpc>
+                <a:spcPct val="100000"/>
+              </a:lnSpc>
+              <a:spcBef>
+                <a:spcPts val="0"/>
+              </a:spcBef>
+              <a:spcAft>
+                <a:spcPts val="0"/>
+              </a:spcAft>
+              <a:buClrTx/>
+              <a:buSzTx/>
+              <a:buFontTx/>
+              <a:buNone/>
+              <a:tabLst/>
+            </a:pPr>
+            <a:endParaRPr kumimoji="0" lang="ko-KR" altLang="en-US" sz="1800" b="0" i="0" u="none" strike="noStrike" cap="none" spc="0" normalizeH="0" baseline="0">
+              <a:ln>
+                <a:noFill/>
+              </a:ln>
+              <a:solidFill>
+                <a:srgbClr val="3A3838"/>
+              </a:solidFill>
+              <a:effectLst/>
+              <a:uFillTx/>
+              <a:latin typeface="Arial"/>
+              <a:ea typeface="Arial"/>
+              <a:cs typeface="Arial"/>
+              <a:sym typeface="Arial"/>
+            </a:endParaRPr>
+          </a:p>
+        </p:txBody>
+      </p:sp>
+      <p:sp>
+        <p:nvSpPr>
+          <p:cNvPr id="27" name="타원 26"/>
+          <p:cNvSpPr/>
+          <p:nvPr/>
+        </p:nvSpPr>
+        <p:spPr>
+          <a:xfrm>
+            <a:off x="1792622" y="5225143"/>
+            <a:ext cx="400594" cy="357052"/>
+          </a:xfrm>
+          <a:prstGeom prst="ellipse">
+            <a:avLst/>
+          </a:prstGeom>
+          <a:noFill/>
+          <a:ln w="12700" cap="flat">
+            <a:solidFill>
+              <a:schemeClr val="accent1"/>
+            </a:solidFill>
+            <a:prstDash val="solid"/>
+            <a:miter lim="800000"/>
+          </a:ln>
+          <a:effectLst/>
+          <a:sp3d/>
+        </p:spPr>
+        <p:style>
+          <a:lnRef idx="0">
+            <a:scrgbClr r="0" g="0" b="0"/>
+          </a:lnRef>
+          <a:fillRef idx="0">
+            <a:scrgbClr r="0" g="0" b="0"/>
+          </a:fillRef>
+          <a:effectRef idx="0">
+            <a:scrgbClr r="0" g="0" b="0"/>
+          </a:effectRef>
+          <a:fontRef idx="none"/>
+        </p:style>
+        <p:txBody>
+          <a:bodyPr rot="0" spcFirstLastPara="1" vertOverflow="overflow" horzOverflow="overflow" vert="horz" wrap="square" lIns="45719" tIns="45719" rIns="45719" bIns="45719" numCol="1" spcCol="38100" rtlCol="0" anchor="ctr">
+            <a:spAutoFit/>
+          </a:bodyPr>
+          <a:lstStyle/>
+          <a:p>
+            <a:pPr marL="0" marR="0" indent="0" algn="l" defTabSz="914400" rtl="0" fontAlgn="auto" latinLnBrk="0" hangingPunct="0">
+              <a:lnSpc>
+                <a:spcPct val="100000"/>
+              </a:lnSpc>
+              <a:spcBef>
+                <a:spcPts val="0"/>
+              </a:spcBef>
+              <a:spcAft>
+                <a:spcPts val="0"/>
+              </a:spcAft>
+              <a:buClrTx/>
+              <a:buSzTx/>
+              <a:buFontTx/>
+              <a:buNone/>
+              <a:tabLst/>
+            </a:pPr>
+            <a:endParaRPr kumimoji="0" lang="ko-KR" altLang="en-US" sz="1800" b="0" i="0" u="none" strike="noStrike" cap="none" spc="0" normalizeH="0" baseline="0">
+              <a:ln>
+                <a:noFill/>
+              </a:ln>
+              <a:solidFill>
+                <a:srgbClr val="3A3838"/>
+              </a:solidFill>
+              <a:effectLst/>
+              <a:uFillTx/>
+              <a:latin typeface="Arial"/>
+              <a:ea typeface="Arial"/>
+              <a:cs typeface="Arial"/>
+              <a:sym typeface="Arial"/>
+            </a:endParaRPr>
+          </a:p>
+        </p:txBody>
+      </p:sp>
+      <p:sp>
+        <p:nvSpPr>
+          <p:cNvPr id="28" name="TextBox 27"/>
+          <p:cNvSpPr txBox="1"/>
+          <p:nvPr/>
+        </p:nvSpPr>
+        <p:spPr>
+          <a:xfrm>
+            <a:off x="1238626" y="5113130"/>
+            <a:ext cx="553996" cy="369330"/>
+          </a:xfrm>
+          <a:prstGeom prst="rect">
+            <a:avLst/>
+          </a:prstGeom>
+          <a:noFill/>
+          <a:ln w="12700" cap="flat">
+            <a:noFill/>
+            <a:miter lim="400000"/>
+          </a:ln>
+          <a:effectLst/>
+          <a:sp3d/>
+        </p:spPr>
+        <p:style>
+          <a:lnRef idx="0">
+            <a:scrgbClr r="0" g="0" b="0"/>
+          </a:lnRef>
+          <a:fillRef idx="0">
+            <a:scrgbClr r="0" g="0" b="0"/>
+          </a:fillRef>
+          <a:effectRef idx="0">
+            <a:scrgbClr r="0" g="0" b="0"/>
+          </a:effectRef>
+          <a:fontRef idx="none"/>
+        </p:style>
+        <p:txBody>
+          <a:bodyPr rot="0" spcFirstLastPara="1" vertOverflow="overflow" horzOverflow="overflow" vert="horz" wrap="none" lIns="45719" tIns="45719" rIns="45719" bIns="45719" numCol="1" spcCol="38100" rtlCol="0" anchor="t">
+            <a:spAutoFit/>
+          </a:bodyPr>
+          <a:lstStyle/>
+          <a:p>
+            <a:pPr marL="0" marR="0" indent="0" algn="l" defTabSz="914400" rtl="0" fontAlgn="auto" latinLnBrk="0" hangingPunct="0">
+              <a:lnSpc>
+                <a:spcPct val="100000"/>
+              </a:lnSpc>
+              <a:spcBef>
+                <a:spcPts val="0"/>
+              </a:spcBef>
+              <a:spcAft>
+                <a:spcPts val="0"/>
+              </a:spcAft>
+              <a:buClrTx/>
+              <a:buSzTx/>
+              <a:buFontTx/>
+              <a:buNone/>
+              <a:tabLst/>
+            </a:pPr>
+            <a:r>
+              <a:rPr kumimoji="0" lang="ko-KR" altLang="en-US" sz="1800" b="0" i="0" u="none" strike="noStrike" cap="none" spc="0" normalizeH="0" baseline="0" dirty="0" smtClean="0">
+                <a:ln>
+                  <a:noFill/>
+                </a:ln>
+                <a:solidFill>
+                  <a:srgbClr val="3A3838"/>
+                </a:solidFill>
+                <a:effectLst/>
+                <a:uFillTx/>
+                <a:latin typeface="Arial"/>
+                <a:ea typeface="Arial"/>
+                <a:cs typeface="Arial"/>
+                <a:sym typeface="Arial"/>
+              </a:rPr>
+              <a:t>클릭</a:t>
+            </a:r>
+            <a:endParaRPr kumimoji="0" lang="ko-KR" altLang="en-US" sz="1800" b="0" i="0" u="none" strike="noStrike" cap="none" spc="0" normalizeH="0" baseline="0" dirty="0">
+              <a:ln>
+                <a:noFill/>
+              </a:ln>
+              <a:solidFill>
+                <a:srgbClr val="3A3838"/>
+              </a:solidFill>
+              <a:effectLst/>
+              <a:uFillTx/>
+              <a:latin typeface="Arial"/>
+              <a:ea typeface="Arial"/>
+              <a:cs typeface="Arial"/>
+              <a:sym typeface="Arial"/>
+            </a:endParaRPr>
+          </a:p>
+        </p:txBody>
+      </p:sp>
+      <p:sp>
+        <p:nvSpPr>
+          <p:cNvPr id="29" name="직사각형 28"/>
+          <p:cNvSpPr/>
+          <p:nvPr/>
+        </p:nvSpPr>
+        <p:spPr>
+          <a:xfrm>
+            <a:off x="2420982" y="3065417"/>
+            <a:ext cx="470263" cy="182880"/>
+          </a:xfrm>
+          <a:prstGeom prst="rect">
+            <a:avLst/>
+          </a:prstGeom>
+          <a:noFill/>
+          <a:ln w="12700" cap="flat">
+            <a:solidFill>
+              <a:schemeClr val="accent1"/>
+            </a:solidFill>
+            <a:prstDash val="solid"/>
+            <a:miter lim="800000"/>
+          </a:ln>
+          <a:effectLst/>
+          <a:sp3d/>
+        </p:spPr>
+        <p:style>
+          <a:lnRef idx="0">
+            <a:scrgbClr r="0" g="0" b="0"/>
+          </a:lnRef>
+          <a:fillRef idx="0">
+            <a:scrgbClr r="0" g="0" b="0"/>
+          </a:fillRef>
+          <a:effectRef idx="0">
+            <a:scrgbClr r="0" g="0" b="0"/>
+          </a:effectRef>
+          <a:fontRef idx="none"/>
+        </p:style>
+        <p:txBody>
+          <a:bodyPr rot="0" spcFirstLastPara="1" vertOverflow="overflow" horzOverflow="overflow" vert="horz" wrap="square" lIns="45719" tIns="45719" rIns="45719" bIns="45719" numCol="1" spcCol="38100" rtlCol="0" anchor="ctr">
+            <a:spAutoFit/>
+          </a:bodyPr>
+          <a:lstStyle/>
+          <a:p>
+            <a:pPr marL="0" marR="0" indent="0" algn="l" defTabSz="914400" rtl="0" fontAlgn="auto" latinLnBrk="0" hangingPunct="0">
+              <a:lnSpc>
+                <a:spcPct val="100000"/>
+              </a:lnSpc>
+              <a:spcBef>
+                <a:spcPts val="0"/>
+              </a:spcBef>
+              <a:spcAft>
+                <a:spcPts val="0"/>
+              </a:spcAft>
+              <a:buClrTx/>
+              <a:buSzTx/>
+              <a:buFontTx/>
+              <a:buNone/>
+              <a:tabLst/>
+            </a:pPr>
+            <a:endParaRPr kumimoji="0" lang="ko-KR" altLang="en-US" sz="1800" b="0" i="0" u="none" strike="noStrike" cap="none" spc="0" normalizeH="0" baseline="0">
+              <a:ln>
+                <a:noFill/>
+              </a:ln>
+              <a:solidFill>
+                <a:srgbClr val="3A3838"/>
+              </a:solidFill>
+              <a:effectLst/>
+              <a:uFillTx/>
+              <a:latin typeface="Arial"/>
+              <a:ea typeface="Arial"/>
+              <a:cs typeface="Arial"/>
+              <a:sym typeface="Arial"/>
+            </a:endParaRPr>
+          </a:p>
+        </p:txBody>
+      </p:sp>
+      <p:sp>
+        <p:nvSpPr>
+          <p:cNvPr id="30" name="TextBox 29"/>
+          <p:cNvSpPr txBox="1"/>
+          <p:nvPr/>
+        </p:nvSpPr>
+        <p:spPr>
+          <a:xfrm>
+            <a:off x="3356287" y="2324969"/>
+            <a:ext cx="1605566" cy="923328"/>
+          </a:xfrm>
+          <a:prstGeom prst="rect">
+            <a:avLst/>
+          </a:prstGeom>
+          <a:noFill/>
+          <a:ln w="12700" cap="flat">
+            <a:noFill/>
+            <a:miter lim="400000"/>
+          </a:ln>
+          <a:effectLst/>
+          <a:sp3d/>
+        </p:spPr>
+        <p:style>
+          <a:lnRef idx="0">
+            <a:scrgbClr r="0" g="0" b="0"/>
+          </a:lnRef>
+          <a:fillRef idx="0">
+            <a:scrgbClr r="0" g="0" b="0"/>
+          </a:fillRef>
+          <a:effectRef idx="0">
+            <a:scrgbClr r="0" g="0" b="0"/>
+          </a:effectRef>
+          <a:fontRef idx="none"/>
+        </p:style>
+        <p:txBody>
+          <a:bodyPr rot="0" spcFirstLastPara="1" vertOverflow="overflow" horzOverflow="overflow" vert="horz" wrap="none" lIns="45719" tIns="45719" rIns="45719" bIns="45719" numCol="1" spcCol="38100" rtlCol="0" anchor="t">
+            <a:spAutoFit/>
+          </a:bodyPr>
+          <a:lstStyle/>
+          <a:p>
+            <a:pPr marL="0" marR="0" indent="0" algn="l" defTabSz="914400" rtl="0" fontAlgn="auto" latinLnBrk="0" hangingPunct="0">
+              <a:lnSpc>
+                <a:spcPct val="100000"/>
+              </a:lnSpc>
+              <a:spcBef>
+                <a:spcPts val="0"/>
+              </a:spcBef>
+              <a:spcAft>
+                <a:spcPts val="0"/>
+              </a:spcAft>
+              <a:buClrTx/>
+              <a:buSzTx/>
+              <a:buFontTx/>
+              <a:buNone/>
+              <a:tabLst/>
+            </a:pPr>
+            <a:r>
+              <a:rPr kumimoji="0" lang="ko-KR" altLang="en-US" sz="1800" b="0" i="0" u="none" strike="noStrike" cap="none" spc="0" normalizeH="0" baseline="0" dirty="0" smtClean="0">
+                <a:ln>
+                  <a:noFill/>
+                </a:ln>
+                <a:solidFill>
+                  <a:srgbClr val="3A3838"/>
+                </a:solidFill>
+                <a:effectLst/>
+                <a:uFillTx/>
+                <a:latin typeface="Arial"/>
+                <a:ea typeface="Arial"/>
+                <a:cs typeface="Arial"/>
+                <a:sym typeface="Arial"/>
+              </a:rPr>
+              <a:t>클릭 시 </a:t>
+            </a:r>
+            <a:endParaRPr kumimoji="0" lang="en-US" altLang="ko-KR" sz="1800" b="0" i="0" u="none" strike="noStrike" cap="none" spc="0" normalizeH="0" baseline="0" dirty="0" smtClean="0">
+              <a:ln>
+                <a:noFill/>
+              </a:ln>
+              <a:solidFill>
+                <a:srgbClr val="3A3838"/>
+              </a:solidFill>
+              <a:effectLst/>
+              <a:uFillTx/>
+              <a:latin typeface="Arial"/>
+              <a:ea typeface="Arial"/>
+              <a:cs typeface="Arial"/>
+              <a:sym typeface="Arial"/>
+            </a:endParaRPr>
+          </a:p>
+          <a:p>
+            <a:pPr marL="0" marR="0" indent="0" algn="l" defTabSz="914400" rtl="0" fontAlgn="auto" latinLnBrk="0" hangingPunct="0">
+              <a:lnSpc>
+                <a:spcPct val="100000"/>
+              </a:lnSpc>
+              <a:spcBef>
+                <a:spcPts val="0"/>
+              </a:spcBef>
+              <a:spcAft>
+                <a:spcPts val="0"/>
+              </a:spcAft>
+              <a:buClrTx/>
+              <a:buSzTx/>
+              <a:buFontTx/>
+              <a:buNone/>
+              <a:tabLst/>
+            </a:pPr>
+            <a:r>
+              <a:rPr lang="en-US" altLang="ko-KR" dirty="0" smtClean="0"/>
+              <a:t>More </a:t>
+            </a:r>
+            <a:r>
+              <a:rPr lang="ko-KR" altLang="en-US" dirty="0" smtClean="0"/>
+              <a:t>페이지로</a:t>
+            </a:r>
+            <a:endParaRPr lang="en-US" altLang="ko-KR" dirty="0" smtClean="0"/>
+          </a:p>
+          <a:p>
+            <a:pPr marL="0" marR="0" indent="0" algn="l" defTabSz="914400" rtl="0" fontAlgn="auto" latinLnBrk="0" hangingPunct="0">
+              <a:lnSpc>
+                <a:spcPct val="100000"/>
+              </a:lnSpc>
+              <a:spcBef>
+                <a:spcPts val="0"/>
+              </a:spcBef>
+              <a:spcAft>
+                <a:spcPts val="0"/>
+              </a:spcAft>
+              <a:buClrTx/>
+              <a:buSzTx/>
+              <a:buFontTx/>
+              <a:buNone/>
+              <a:tabLst/>
+            </a:pPr>
+            <a:r>
+              <a:rPr kumimoji="0" lang="ko-KR" altLang="en-US" sz="1800" b="0" i="0" u="none" strike="noStrike" cap="none" spc="0" normalizeH="0" baseline="0" dirty="0" smtClean="0">
+                <a:ln>
+                  <a:noFill/>
+                </a:ln>
+                <a:solidFill>
+                  <a:srgbClr val="3A3838"/>
+                </a:solidFill>
+                <a:effectLst/>
+                <a:uFillTx/>
+                <a:latin typeface="Arial"/>
+                <a:ea typeface="Arial"/>
+                <a:cs typeface="Arial"/>
+                <a:sym typeface="Arial"/>
+              </a:rPr>
+              <a:t>이동</a:t>
+            </a:r>
+            <a:endParaRPr kumimoji="0" lang="ko-KR" altLang="en-US" sz="1800" b="0" i="0" u="none" strike="noStrike" cap="none" spc="0" normalizeH="0" baseline="0" dirty="0">
+              <a:ln>
+                <a:noFill/>
+              </a:ln>
+              <a:solidFill>
+                <a:srgbClr val="3A3838"/>
+              </a:solidFill>
+              <a:effectLst/>
+              <a:uFillTx/>
+              <a:latin typeface="Arial"/>
+              <a:ea typeface="Arial"/>
+              <a:cs typeface="Arial"/>
+              <a:sym typeface="Arial"/>
+            </a:endParaRPr>
+          </a:p>
+        </p:txBody>
+      </p:sp>
+      <p:cxnSp>
+        <p:nvCxnSpPr>
+          <p:cNvPr id="31" name="직선 화살표 연결선 30"/>
+          <p:cNvCxnSpPr/>
+          <p:nvPr/>
+        </p:nvCxnSpPr>
+        <p:spPr>
+          <a:xfrm flipV="1">
+            <a:off x="3045291" y="2934789"/>
+            <a:ext cx="403303" cy="130628"/>
+          </a:xfrm>
+          <a:prstGeom prst="straightConnector1">
+            <a:avLst/>
+          </a:prstGeom>
+          <a:noFill/>
+          <a:ln w="12700" cap="flat">
+            <a:solidFill>
+              <a:schemeClr val="accent1"/>
+            </a:solidFill>
+            <a:prstDash val="solid"/>
+            <a:miter lim="800000"/>
+            <a:tailEnd type="triangle"/>
+          </a:ln>
+          <a:effectLst/>
+          <a:sp3d/>
+        </p:spPr>
+        <p:style>
+          <a:lnRef idx="0">
+            <a:scrgbClr r="0" g="0" b="0"/>
+          </a:lnRef>
+          <a:fillRef idx="0">
+            <a:scrgbClr r="0" g="0" b="0"/>
+          </a:fillRef>
+          <a:effectRef idx="0">
+            <a:scrgbClr r="0" g="0" b="0"/>
+          </a:effectRef>
+          <a:fontRef idx="none"/>
+        </p:style>
+      </p:cxnSp>
+      <p:sp>
+        <p:nvSpPr>
+          <p:cNvPr id="32" name="직사각형 31"/>
+          <p:cNvSpPr/>
+          <p:nvPr/>
+        </p:nvSpPr>
+        <p:spPr>
+          <a:xfrm>
+            <a:off x="952412" y="1802674"/>
+            <a:ext cx="763177" cy="226423"/>
+          </a:xfrm>
+          <a:prstGeom prst="rect">
+            <a:avLst/>
+          </a:prstGeom>
+          <a:noFill/>
+          <a:ln w="12700" cap="flat">
+            <a:solidFill>
+              <a:schemeClr val="accent1"/>
+            </a:solidFill>
+            <a:prstDash val="solid"/>
+            <a:miter lim="800000"/>
+          </a:ln>
+          <a:effectLst/>
+          <a:sp3d/>
+        </p:spPr>
+        <p:style>
+          <a:lnRef idx="0">
+            <a:scrgbClr r="0" g="0" b="0"/>
+          </a:lnRef>
+          <a:fillRef idx="0">
+            <a:scrgbClr r="0" g="0" b="0"/>
+          </a:fillRef>
+          <a:effectRef idx="0">
+            <a:scrgbClr r="0" g="0" b="0"/>
+          </a:effectRef>
+          <a:fontRef idx="none"/>
+        </p:style>
+        <p:txBody>
+          <a:bodyPr rot="0" spcFirstLastPara="1" vertOverflow="overflow" horzOverflow="overflow" vert="horz" wrap="square" lIns="45719" tIns="45719" rIns="45719" bIns="45719" numCol="1" spcCol="38100" rtlCol="0" anchor="ctr">
+            <a:spAutoFit/>
+          </a:bodyPr>
+          <a:lstStyle/>
+          <a:p>
+            <a:pPr marL="0" marR="0" indent="0" algn="l" defTabSz="914400" rtl="0" fontAlgn="auto" latinLnBrk="0" hangingPunct="0">
+              <a:lnSpc>
+                <a:spcPct val="100000"/>
+              </a:lnSpc>
+              <a:spcBef>
+                <a:spcPts val="0"/>
+              </a:spcBef>
+              <a:spcAft>
+                <a:spcPts val="0"/>
+              </a:spcAft>
+              <a:buClrTx/>
+              <a:buSzTx/>
+              <a:buFontTx/>
+              <a:buNone/>
+              <a:tabLst/>
+            </a:pPr>
+            <a:endParaRPr kumimoji="0" lang="ko-KR" altLang="en-US" sz="1800" b="0" i="0" u="none" strike="noStrike" cap="none" spc="0" normalizeH="0" baseline="0">
+              <a:ln>
+                <a:noFill/>
+              </a:ln>
+              <a:solidFill>
+                <a:srgbClr val="3A3838"/>
+              </a:solidFill>
+              <a:effectLst/>
+              <a:uFillTx/>
+              <a:latin typeface="Arial"/>
+              <a:ea typeface="Arial"/>
+              <a:cs typeface="Arial"/>
+              <a:sym typeface="Arial"/>
+            </a:endParaRPr>
+          </a:p>
+        </p:txBody>
+      </p:sp>
+      <p:cxnSp>
+        <p:nvCxnSpPr>
+          <p:cNvPr id="33" name="직선 화살표 연결선 32"/>
+          <p:cNvCxnSpPr/>
+          <p:nvPr/>
+        </p:nvCxnSpPr>
+        <p:spPr>
+          <a:xfrm flipV="1">
+            <a:off x="1676344" y="1551798"/>
+            <a:ext cx="1849258" cy="364088"/>
+          </a:xfrm>
+          <a:prstGeom prst="straightConnector1">
+            <a:avLst/>
+          </a:prstGeom>
+          <a:noFill/>
+          <a:ln w="12700" cap="flat">
+            <a:solidFill>
+              <a:schemeClr val="accent1"/>
+            </a:solidFill>
+            <a:prstDash val="solid"/>
+            <a:miter lim="800000"/>
+            <a:tailEnd type="triangle"/>
+          </a:ln>
+          <a:effectLst/>
+          <a:sp3d/>
+        </p:spPr>
+        <p:style>
+          <a:lnRef idx="0">
+            <a:scrgbClr r="0" g="0" b="0"/>
+          </a:lnRef>
+          <a:fillRef idx="0">
+            <a:scrgbClr r="0" g="0" b="0"/>
+          </a:fillRef>
+          <a:effectRef idx="0">
+            <a:scrgbClr r="0" g="0" b="0"/>
+          </a:effectRef>
+          <a:fontRef idx="none"/>
+        </p:style>
+      </p:cxnSp>
+      <p:sp>
+        <p:nvSpPr>
+          <p:cNvPr id="34" name="TextBox 33"/>
+          <p:cNvSpPr txBox="1"/>
+          <p:nvPr/>
+        </p:nvSpPr>
+        <p:spPr>
+          <a:xfrm>
+            <a:off x="3447112" y="969794"/>
+            <a:ext cx="1644038" cy="923328"/>
+          </a:xfrm>
+          <a:prstGeom prst="rect">
+            <a:avLst/>
+          </a:prstGeom>
+          <a:noFill/>
+          <a:ln w="12700" cap="flat">
+            <a:noFill/>
+            <a:miter lim="400000"/>
+          </a:ln>
+          <a:effectLst/>
+          <a:sp3d/>
+        </p:spPr>
+        <p:style>
+          <a:lnRef idx="0">
+            <a:scrgbClr r="0" g="0" b="0"/>
+          </a:lnRef>
+          <a:fillRef idx="0">
+            <a:scrgbClr r="0" g="0" b="0"/>
+          </a:fillRef>
+          <a:effectRef idx="0">
+            <a:scrgbClr r="0" g="0" b="0"/>
+          </a:effectRef>
+          <a:fontRef idx="none"/>
+        </p:style>
+        <p:txBody>
+          <a:bodyPr rot="0" spcFirstLastPara="1" vertOverflow="overflow" horzOverflow="overflow" vert="horz" wrap="none" lIns="45719" tIns="45719" rIns="45719" bIns="45719" numCol="1" spcCol="38100" rtlCol="0" anchor="t">
+            <a:spAutoFit/>
+          </a:bodyPr>
+          <a:lstStyle/>
+          <a:p>
+            <a:pPr marL="0" marR="0" indent="0" algn="l" defTabSz="914400" rtl="0" fontAlgn="auto" latinLnBrk="0" hangingPunct="0">
+              <a:lnSpc>
+                <a:spcPct val="100000"/>
+              </a:lnSpc>
+              <a:spcBef>
+                <a:spcPts val="0"/>
+              </a:spcBef>
+              <a:spcAft>
+                <a:spcPts val="0"/>
+              </a:spcAft>
+              <a:buClrTx/>
+              <a:buSzTx/>
+              <a:buFontTx/>
+              <a:buNone/>
+              <a:tabLst/>
+            </a:pPr>
+            <a:r>
+              <a:rPr kumimoji="0" lang="ko-KR" altLang="en-US" sz="1800" b="0" i="0" u="none" strike="noStrike" cap="none" spc="0" normalizeH="0" baseline="0" dirty="0" smtClean="0">
+                <a:ln>
+                  <a:noFill/>
+                </a:ln>
+                <a:solidFill>
+                  <a:srgbClr val="3A3838"/>
+                </a:solidFill>
+                <a:effectLst/>
+                <a:uFillTx/>
+                <a:latin typeface="Arial"/>
+                <a:ea typeface="Arial"/>
+                <a:cs typeface="Arial"/>
+                <a:sym typeface="Arial"/>
+              </a:rPr>
+              <a:t>클릭 시 </a:t>
+            </a:r>
+            <a:endParaRPr kumimoji="0" lang="en-US" altLang="ko-KR" sz="1800" b="0" i="0" u="none" strike="noStrike" cap="none" spc="0" normalizeH="0" baseline="0" dirty="0" smtClean="0">
+              <a:ln>
+                <a:noFill/>
+              </a:ln>
+              <a:solidFill>
+                <a:srgbClr val="3A3838"/>
+              </a:solidFill>
+              <a:effectLst/>
+              <a:uFillTx/>
+              <a:latin typeface="Arial"/>
+              <a:ea typeface="Arial"/>
+              <a:cs typeface="Arial"/>
+              <a:sym typeface="Arial"/>
+            </a:endParaRPr>
+          </a:p>
+          <a:p>
+            <a:pPr marL="0" marR="0" indent="0" algn="l" defTabSz="914400" rtl="0" fontAlgn="auto" latinLnBrk="0" hangingPunct="0">
+              <a:lnSpc>
+                <a:spcPct val="100000"/>
+              </a:lnSpc>
+              <a:spcBef>
+                <a:spcPts val="0"/>
+              </a:spcBef>
+              <a:spcAft>
+                <a:spcPts val="0"/>
+              </a:spcAft>
+              <a:buClrTx/>
+              <a:buSzTx/>
+              <a:buFontTx/>
+              <a:buNone/>
+              <a:tabLst/>
+            </a:pPr>
+            <a:r>
+              <a:rPr lang="en-US" altLang="ko-KR" dirty="0" smtClean="0"/>
+              <a:t>‘</a:t>
+            </a:r>
+            <a:r>
+              <a:rPr lang="ko-KR" altLang="en-US" dirty="0" smtClean="0"/>
+              <a:t>서울</a:t>
+            </a:r>
+            <a:r>
+              <a:rPr lang="en-US" altLang="ko-KR" dirty="0" smtClean="0"/>
+              <a:t>’ </a:t>
+            </a:r>
+            <a:r>
+              <a:rPr lang="ko-KR" altLang="en-US" dirty="0" smtClean="0"/>
+              <a:t>지역별로</a:t>
+            </a:r>
+            <a:endParaRPr lang="en-US" altLang="ko-KR" dirty="0" smtClean="0"/>
+          </a:p>
+          <a:p>
+            <a:pPr marL="0" marR="0" indent="0" algn="l" defTabSz="914400" rtl="0" fontAlgn="auto" latinLnBrk="0" hangingPunct="0">
+              <a:lnSpc>
+                <a:spcPct val="100000"/>
+              </a:lnSpc>
+              <a:spcBef>
+                <a:spcPts val="0"/>
+              </a:spcBef>
+              <a:spcAft>
+                <a:spcPts val="0"/>
+              </a:spcAft>
+              <a:buClrTx/>
+              <a:buSzTx/>
+              <a:buFontTx/>
+              <a:buNone/>
+              <a:tabLst/>
+            </a:pPr>
+            <a:r>
+              <a:rPr lang="ko-KR" altLang="en-US" dirty="0" smtClean="0"/>
+              <a:t>데이터 분류</a:t>
+            </a:r>
+            <a:endParaRPr kumimoji="0" lang="ko-KR" altLang="en-US" sz="1800" b="0" i="0" u="none" strike="noStrike" cap="none" spc="0" normalizeH="0" baseline="0" dirty="0">
+              <a:ln>
+                <a:noFill/>
+              </a:ln>
+              <a:solidFill>
+                <a:srgbClr val="3A3838"/>
+              </a:solidFill>
+              <a:effectLst/>
+              <a:uFillTx/>
+              <a:latin typeface="Arial"/>
+              <a:ea typeface="Arial"/>
+              <a:cs typeface="Arial"/>
+              <a:sym typeface="Arial"/>
+            </a:endParaRPr>
+          </a:p>
+        </p:txBody>
+      </p:sp>
+      <p:sp>
+        <p:nvSpPr>
+          <p:cNvPr id="35" name="타원 34"/>
+          <p:cNvSpPr/>
+          <p:nvPr/>
+        </p:nvSpPr>
+        <p:spPr>
+          <a:xfrm>
+            <a:off x="5545588" y="2940126"/>
+            <a:ext cx="296091" cy="313508"/>
+          </a:xfrm>
+          <a:prstGeom prst="ellipse">
+            <a:avLst/>
+          </a:prstGeom>
+          <a:noFill/>
+          <a:ln w="12700" cap="flat">
+            <a:solidFill>
+              <a:schemeClr val="accent1"/>
+            </a:solidFill>
+            <a:prstDash val="solid"/>
+            <a:miter lim="800000"/>
+          </a:ln>
+          <a:effectLst/>
+          <a:sp3d/>
+        </p:spPr>
+        <p:style>
+          <a:lnRef idx="0">
+            <a:scrgbClr r="0" g="0" b="0"/>
+          </a:lnRef>
+          <a:fillRef idx="0">
+            <a:scrgbClr r="0" g="0" b="0"/>
+          </a:fillRef>
+          <a:effectRef idx="0">
+            <a:scrgbClr r="0" g="0" b="0"/>
+          </a:effectRef>
+          <a:fontRef idx="none"/>
+        </p:style>
+        <p:txBody>
+          <a:bodyPr rot="0" spcFirstLastPara="1" vertOverflow="overflow" horzOverflow="overflow" vert="horz" wrap="square" lIns="45719" tIns="45719" rIns="45719" bIns="45719" numCol="1" spcCol="38100" rtlCol="0" anchor="ctr">
+            <a:spAutoFit/>
+          </a:bodyPr>
+          <a:lstStyle/>
+          <a:p>
+            <a:pPr marL="0" marR="0" indent="0" algn="l" defTabSz="914400" rtl="0" fontAlgn="auto" latinLnBrk="0" hangingPunct="0">
+              <a:lnSpc>
+                <a:spcPct val="100000"/>
+              </a:lnSpc>
+              <a:spcBef>
+                <a:spcPts val="0"/>
+              </a:spcBef>
+              <a:spcAft>
+                <a:spcPts val="0"/>
+              </a:spcAft>
+              <a:buClrTx/>
+              <a:buSzTx/>
+              <a:buFontTx/>
+              <a:buNone/>
+              <a:tabLst/>
+            </a:pPr>
+            <a:endParaRPr kumimoji="0" lang="ko-KR" altLang="en-US" sz="1800" b="0" i="0" u="none" strike="noStrike" cap="none" spc="0" normalizeH="0" baseline="0">
+              <a:ln>
+                <a:noFill/>
+              </a:ln>
+              <a:solidFill>
+                <a:srgbClr val="3A3838"/>
+              </a:solidFill>
+              <a:effectLst/>
+              <a:uFillTx/>
+              <a:latin typeface="Arial"/>
+              <a:ea typeface="Arial"/>
+              <a:cs typeface="Arial"/>
+              <a:sym typeface="Arial"/>
+            </a:endParaRPr>
+          </a:p>
+        </p:txBody>
+      </p:sp>
+      <p:cxnSp>
+        <p:nvCxnSpPr>
+          <p:cNvPr id="36" name="직선 화살표 연결선 35"/>
+          <p:cNvCxnSpPr>
+            <a:stCxn id="35" idx="2"/>
+          </p:cNvCxnSpPr>
+          <p:nvPr/>
+        </p:nvCxnSpPr>
+        <p:spPr>
+          <a:xfrm flipH="1">
+            <a:off x="4580710" y="3096880"/>
+            <a:ext cx="964878" cy="486572"/>
+          </a:xfrm>
+          <a:prstGeom prst="straightConnector1">
+            <a:avLst/>
+          </a:prstGeom>
+          <a:noFill/>
+          <a:ln w="12700" cap="flat">
+            <a:solidFill>
+              <a:schemeClr val="accent1"/>
+            </a:solidFill>
+            <a:prstDash val="solid"/>
+            <a:miter lim="800000"/>
+            <a:tailEnd type="triangle"/>
+          </a:ln>
+          <a:effectLst/>
+          <a:sp3d/>
+        </p:spPr>
+        <p:style>
+          <a:lnRef idx="0">
+            <a:scrgbClr r="0" g="0" b="0"/>
+          </a:lnRef>
+          <a:fillRef idx="0">
+            <a:scrgbClr r="0" g="0" b="0"/>
+          </a:fillRef>
+          <a:effectRef idx="0">
+            <a:scrgbClr r="0" g="0" b="0"/>
+          </a:effectRef>
+          <a:fontRef idx="none"/>
+        </p:style>
+      </p:cxnSp>
+      <p:sp>
+        <p:nvSpPr>
+          <p:cNvPr id="37" name="TextBox 36"/>
+          <p:cNvSpPr txBox="1"/>
+          <p:nvPr/>
+        </p:nvSpPr>
+        <p:spPr>
+          <a:xfrm>
+            <a:off x="3525602" y="3641063"/>
+            <a:ext cx="1272141" cy="646329"/>
+          </a:xfrm>
+          <a:prstGeom prst="rect">
+            <a:avLst/>
+          </a:prstGeom>
+          <a:noFill/>
+          <a:ln w="12700" cap="flat">
+            <a:noFill/>
+            <a:miter lim="400000"/>
+          </a:ln>
+          <a:effectLst/>
+          <a:sp3d/>
+        </p:spPr>
+        <p:style>
+          <a:lnRef idx="0">
+            <a:scrgbClr r="0" g="0" b="0"/>
+          </a:lnRef>
+          <a:fillRef idx="0">
+            <a:scrgbClr r="0" g="0" b="0"/>
+          </a:fillRef>
+          <a:effectRef idx="0">
+            <a:scrgbClr r="0" g="0" b="0"/>
+          </a:effectRef>
+          <a:fontRef idx="none"/>
+        </p:style>
+        <p:txBody>
+          <a:bodyPr rot="0" spcFirstLastPara="1" vertOverflow="overflow" horzOverflow="overflow" vert="horz" wrap="none" lIns="45719" tIns="45719" rIns="45719" bIns="45719" numCol="1" spcCol="38100" rtlCol="0" anchor="t">
+            <a:spAutoFit/>
+          </a:bodyPr>
+          <a:lstStyle/>
+          <a:p>
+            <a:pPr marL="0" marR="0" indent="0" algn="l" defTabSz="914400" rtl="0" fontAlgn="auto" latinLnBrk="0" hangingPunct="0">
+              <a:lnSpc>
+                <a:spcPct val="100000"/>
+              </a:lnSpc>
+              <a:spcBef>
+                <a:spcPts val="0"/>
+              </a:spcBef>
+              <a:spcAft>
+                <a:spcPts val="0"/>
+              </a:spcAft>
+              <a:buClrTx/>
+              <a:buSzTx/>
+              <a:buFontTx/>
+              <a:buNone/>
+              <a:tabLst/>
+            </a:pPr>
+            <a:r>
+              <a:rPr kumimoji="0" lang="en-US" altLang="ko-KR" sz="1800" b="0" i="0" u="none" strike="noStrike" cap="none" spc="0" normalizeH="0" baseline="0" dirty="0" smtClean="0">
+                <a:ln>
+                  <a:noFill/>
+                </a:ln>
+                <a:solidFill>
+                  <a:srgbClr val="3A3838"/>
+                </a:solidFill>
+                <a:effectLst/>
+                <a:uFillTx/>
+                <a:latin typeface="Arial"/>
+                <a:ea typeface="Arial"/>
+                <a:cs typeface="Arial"/>
+                <a:sym typeface="Arial"/>
+              </a:rPr>
+              <a:t>Like </a:t>
+            </a:r>
+            <a:r>
+              <a:rPr kumimoji="0" lang="ko-KR" altLang="en-US" sz="1800" b="0" i="0" u="none" strike="noStrike" cap="none" spc="0" normalizeH="0" baseline="0" dirty="0" smtClean="0">
+                <a:ln>
+                  <a:noFill/>
+                </a:ln>
+                <a:solidFill>
+                  <a:srgbClr val="3A3838"/>
+                </a:solidFill>
+                <a:effectLst/>
+                <a:uFillTx/>
+                <a:latin typeface="Arial"/>
+                <a:ea typeface="Arial"/>
+                <a:cs typeface="Arial"/>
+                <a:sym typeface="Arial"/>
+              </a:rPr>
+              <a:t>눌렀던</a:t>
+            </a:r>
+            <a:endParaRPr kumimoji="0" lang="en-US" altLang="ko-KR" sz="1800" b="0" i="0" u="none" strike="noStrike" cap="none" spc="0" normalizeH="0" baseline="0" dirty="0" smtClean="0">
+              <a:ln>
+                <a:noFill/>
+              </a:ln>
+              <a:solidFill>
+                <a:srgbClr val="3A3838"/>
+              </a:solidFill>
+              <a:effectLst/>
+              <a:uFillTx/>
+              <a:latin typeface="Arial"/>
+              <a:ea typeface="Arial"/>
+              <a:cs typeface="Arial"/>
+              <a:sym typeface="Arial"/>
+            </a:endParaRPr>
+          </a:p>
+          <a:p>
+            <a:pPr marL="0" marR="0" indent="0" algn="l" defTabSz="914400" rtl="0" fontAlgn="auto" latinLnBrk="0" hangingPunct="0">
+              <a:lnSpc>
+                <a:spcPct val="100000"/>
+              </a:lnSpc>
+              <a:spcBef>
+                <a:spcPts val="0"/>
+              </a:spcBef>
+              <a:spcAft>
+                <a:spcPts val="0"/>
+              </a:spcAft>
+              <a:buClrTx/>
+              <a:buSzTx/>
+              <a:buFontTx/>
+              <a:buNone/>
+              <a:tabLst/>
+            </a:pPr>
+            <a:r>
+              <a:rPr lang="ko-KR" altLang="en-US" dirty="0" smtClean="0"/>
+              <a:t>정보</a:t>
+            </a:r>
+            <a:endParaRPr kumimoji="0" lang="ko-KR" altLang="en-US" sz="1800" b="0" i="0" u="none" strike="noStrike" cap="none" spc="0" normalizeH="0" baseline="0" dirty="0">
+              <a:ln>
+                <a:noFill/>
+              </a:ln>
+              <a:solidFill>
+                <a:srgbClr val="3A3838"/>
+              </a:solidFill>
+              <a:effectLst/>
+              <a:uFillTx/>
+              <a:latin typeface="Arial"/>
+              <a:ea typeface="Arial"/>
+              <a:cs typeface="Arial"/>
+              <a:sym typeface="Arial"/>
+            </a:endParaRPr>
+          </a:p>
+        </p:txBody>
+      </p:sp>
+      <p:cxnSp>
+        <p:nvCxnSpPr>
+          <p:cNvPr id="38" name="직선 화살표 연결선 37"/>
+          <p:cNvCxnSpPr/>
+          <p:nvPr/>
+        </p:nvCxnSpPr>
+        <p:spPr>
+          <a:xfrm flipV="1">
+            <a:off x="5841679" y="3000103"/>
+            <a:ext cx="2718847" cy="96777"/>
+          </a:xfrm>
+          <a:prstGeom prst="straightConnector1">
+            <a:avLst/>
+          </a:prstGeom>
+          <a:noFill/>
+          <a:ln w="12700" cap="flat">
+            <a:solidFill>
+              <a:schemeClr val="accent1"/>
+            </a:solidFill>
+            <a:prstDash val="solid"/>
+            <a:miter lim="800000"/>
+            <a:tailEnd type="triangle"/>
+          </a:ln>
+          <a:effectLst/>
+          <a:sp3d/>
+        </p:spPr>
+        <p:style>
+          <a:lnRef idx="0">
+            <a:scrgbClr r="0" g="0" b="0"/>
+          </a:lnRef>
+          <a:fillRef idx="0">
+            <a:scrgbClr r="0" g="0" b="0"/>
+          </a:fillRef>
+          <a:effectRef idx="0">
+            <a:scrgbClr r="0" g="0" b="0"/>
+          </a:effectRef>
+          <a:fontRef idx="none"/>
+        </p:style>
+      </p:cxnSp>
+      <p:sp>
+        <p:nvSpPr>
+          <p:cNvPr id="39" name="TextBox 38"/>
+          <p:cNvSpPr txBox="1"/>
+          <p:nvPr/>
+        </p:nvSpPr>
+        <p:spPr>
+          <a:xfrm>
+            <a:off x="7794171" y="2621280"/>
+            <a:ext cx="553996" cy="369330"/>
+          </a:xfrm>
+          <a:prstGeom prst="rect">
+            <a:avLst/>
+          </a:prstGeom>
+          <a:noFill/>
+          <a:ln w="12700" cap="flat">
+            <a:noFill/>
+            <a:miter lim="400000"/>
+          </a:ln>
+          <a:effectLst/>
+          <a:sp3d/>
+        </p:spPr>
+        <p:style>
+          <a:lnRef idx="0">
+            <a:scrgbClr r="0" g="0" b="0"/>
+          </a:lnRef>
+          <a:fillRef idx="0">
+            <a:scrgbClr r="0" g="0" b="0"/>
+          </a:fillRef>
+          <a:effectRef idx="0">
+            <a:scrgbClr r="0" g="0" b="0"/>
+          </a:effectRef>
+          <a:fontRef idx="none"/>
+        </p:style>
+        <p:txBody>
+          <a:bodyPr rot="0" spcFirstLastPara="1" vertOverflow="overflow" horzOverflow="overflow" vert="horz" wrap="none" lIns="45719" tIns="45719" rIns="45719" bIns="45719" numCol="1" spcCol="38100" rtlCol="0" anchor="t">
+            <a:spAutoFit/>
+          </a:bodyPr>
+          <a:lstStyle/>
+          <a:p>
+            <a:pPr marL="0" marR="0" indent="0" algn="l" defTabSz="914400" rtl="0" fontAlgn="auto" latinLnBrk="0" hangingPunct="0">
+              <a:lnSpc>
+                <a:spcPct val="100000"/>
+              </a:lnSpc>
+              <a:spcBef>
+                <a:spcPts val="0"/>
+              </a:spcBef>
+              <a:spcAft>
+                <a:spcPts val="0"/>
+              </a:spcAft>
+              <a:buClrTx/>
+              <a:buSzTx/>
+              <a:buFontTx/>
+              <a:buNone/>
+              <a:tabLst/>
+            </a:pPr>
+            <a:r>
+              <a:rPr kumimoji="0" lang="ko-KR" altLang="en-US" sz="1800" b="0" i="0" u="none" strike="noStrike" cap="none" spc="0" normalizeH="0" baseline="0" dirty="0" smtClean="0">
+                <a:ln>
+                  <a:noFill/>
+                </a:ln>
+                <a:solidFill>
+                  <a:srgbClr val="3A3838"/>
+                </a:solidFill>
+                <a:effectLst/>
+                <a:uFillTx/>
+                <a:latin typeface="Arial"/>
+                <a:ea typeface="Arial"/>
+                <a:cs typeface="Arial"/>
+                <a:sym typeface="Arial"/>
+              </a:rPr>
+              <a:t>클릭</a:t>
+            </a:r>
+            <a:endParaRPr kumimoji="0" lang="ko-KR" altLang="en-US" sz="1800" b="0" i="0" u="none" strike="noStrike" cap="none" spc="0" normalizeH="0" baseline="0" dirty="0">
+              <a:ln>
+                <a:noFill/>
+              </a:ln>
+              <a:solidFill>
+                <a:srgbClr val="3A3838"/>
+              </a:solidFill>
+              <a:effectLst/>
+              <a:uFillTx/>
+              <a:latin typeface="Arial"/>
+              <a:ea typeface="Arial"/>
+              <a:cs typeface="Arial"/>
+              <a:sym typeface="Arial"/>
+            </a:endParaRPr>
+          </a:p>
+        </p:txBody>
+      </p:sp>
+      <p:sp>
+        <p:nvSpPr>
+          <p:cNvPr id="40" name="타원 39"/>
+          <p:cNvSpPr/>
+          <p:nvPr/>
+        </p:nvSpPr>
+        <p:spPr>
+          <a:xfrm>
+            <a:off x="7000717" y="5038892"/>
+            <a:ext cx="609069" cy="557349"/>
+          </a:xfrm>
+          <a:prstGeom prst="ellipse">
+            <a:avLst/>
+          </a:prstGeom>
+          <a:noFill/>
+          <a:ln w="12700" cap="flat">
+            <a:solidFill>
+              <a:schemeClr val="accent1"/>
+            </a:solidFill>
+            <a:prstDash val="solid"/>
+            <a:miter lim="800000"/>
+          </a:ln>
+          <a:effectLst/>
+          <a:sp3d/>
+        </p:spPr>
+        <p:style>
+          <a:lnRef idx="0">
+            <a:scrgbClr r="0" g="0" b="0"/>
+          </a:lnRef>
+          <a:fillRef idx="0">
+            <a:scrgbClr r="0" g="0" b="0"/>
+          </a:fillRef>
+          <a:effectRef idx="0">
+            <a:scrgbClr r="0" g="0" b="0"/>
+          </a:effectRef>
+          <a:fontRef idx="none"/>
+        </p:style>
+        <p:txBody>
+          <a:bodyPr rot="0" spcFirstLastPara="1" vertOverflow="overflow" horzOverflow="overflow" vert="horz" wrap="square" lIns="45719" tIns="45719" rIns="45719" bIns="45719" numCol="1" spcCol="38100" rtlCol="0" anchor="ctr">
+            <a:spAutoFit/>
+          </a:bodyPr>
+          <a:lstStyle/>
+          <a:p>
+            <a:pPr marL="0" marR="0" indent="0" algn="l" defTabSz="914400" rtl="0" fontAlgn="auto" latinLnBrk="0" hangingPunct="0">
+              <a:lnSpc>
+                <a:spcPct val="100000"/>
+              </a:lnSpc>
+              <a:spcBef>
+                <a:spcPts val="0"/>
+              </a:spcBef>
+              <a:spcAft>
+                <a:spcPts val="0"/>
+              </a:spcAft>
+              <a:buClrTx/>
+              <a:buSzTx/>
+              <a:buFontTx/>
+              <a:buNone/>
+              <a:tabLst/>
+            </a:pPr>
+            <a:endParaRPr kumimoji="0" lang="ko-KR" altLang="en-US" sz="1800" b="0" i="0" u="none" strike="noStrike" cap="none" spc="0" normalizeH="0" baseline="0">
+              <a:ln>
+                <a:noFill/>
+              </a:ln>
+              <a:solidFill>
+                <a:srgbClr val="3A3838"/>
+              </a:solidFill>
+              <a:effectLst/>
+              <a:uFillTx/>
+              <a:latin typeface="Arial"/>
+              <a:ea typeface="Arial"/>
+              <a:cs typeface="Arial"/>
+              <a:sym typeface="Arial"/>
+            </a:endParaRPr>
+          </a:p>
+        </p:txBody>
+      </p:sp>
+      <p:sp>
+        <p:nvSpPr>
+          <p:cNvPr id="41" name="TextBox 40"/>
+          <p:cNvSpPr txBox="1"/>
+          <p:nvPr/>
+        </p:nvSpPr>
+        <p:spPr>
+          <a:xfrm>
+            <a:off x="7036430" y="4684303"/>
+            <a:ext cx="553996" cy="369330"/>
+          </a:xfrm>
+          <a:prstGeom prst="rect">
+            <a:avLst/>
+          </a:prstGeom>
+          <a:noFill/>
+          <a:ln w="12700" cap="flat">
+            <a:noFill/>
+            <a:miter lim="400000"/>
+          </a:ln>
+          <a:effectLst/>
+          <a:sp3d/>
+        </p:spPr>
+        <p:style>
+          <a:lnRef idx="0">
+            <a:scrgbClr r="0" g="0" b="0"/>
+          </a:lnRef>
+          <a:fillRef idx="0">
+            <a:scrgbClr r="0" g="0" b="0"/>
+          </a:fillRef>
+          <a:effectRef idx="0">
+            <a:scrgbClr r="0" g="0" b="0"/>
+          </a:effectRef>
+          <a:fontRef idx="none"/>
+        </p:style>
+        <p:txBody>
+          <a:bodyPr rot="0" spcFirstLastPara="1" vertOverflow="overflow" horzOverflow="overflow" vert="horz" wrap="none" lIns="45719" tIns="45719" rIns="45719" bIns="45719" numCol="1" spcCol="38100" rtlCol="0" anchor="t">
+            <a:spAutoFit/>
+          </a:bodyPr>
+          <a:lstStyle/>
+          <a:p>
+            <a:pPr marL="0" marR="0" indent="0" algn="l" defTabSz="914400" rtl="0" fontAlgn="auto" latinLnBrk="0" hangingPunct="0">
+              <a:lnSpc>
+                <a:spcPct val="100000"/>
+              </a:lnSpc>
+              <a:spcBef>
+                <a:spcPts val="0"/>
+              </a:spcBef>
+              <a:spcAft>
+                <a:spcPts val="0"/>
+              </a:spcAft>
+              <a:buClrTx/>
+              <a:buSzTx/>
+              <a:buFontTx/>
+              <a:buNone/>
+              <a:tabLst/>
+            </a:pPr>
+            <a:r>
+              <a:rPr kumimoji="0" lang="ko-KR" altLang="en-US" sz="1800" b="0" i="0" u="none" strike="noStrike" cap="none" spc="0" normalizeH="0" baseline="0" dirty="0" smtClean="0">
+                <a:ln>
+                  <a:noFill/>
+                </a:ln>
+                <a:solidFill>
+                  <a:srgbClr val="3A3838"/>
+                </a:solidFill>
+                <a:effectLst/>
+                <a:uFillTx/>
+                <a:latin typeface="Arial"/>
+                <a:ea typeface="Arial"/>
+                <a:cs typeface="Arial"/>
+                <a:sym typeface="Arial"/>
+              </a:rPr>
+              <a:t>클릭</a:t>
+            </a:r>
+            <a:endParaRPr kumimoji="0" lang="ko-KR" altLang="en-US" sz="1800" b="0" i="0" u="none" strike="noStrike" cap="none" spc="0" normalizeH="0" baseline="0" dirty="0">
+              <a:ln>
+                <a:noFill/>
+              </a:ln>
+              <a:solidFill>
+                <a:srgbClr val="3A3838"/>
+              </a:solidFill>
+              <a:effectLst/>
+              <a:uFillTx/>
+              <a:latin typeface="Arial"/>
+              <a:ea typeface="Arial"/>
+              <a:cs typeface="Arial"/>
+              <a:sym typeface="Arial"/>
+            </a:endParaRPr>
+          </a:p>
+        </p:txBody>
+      </p:sp>
+    </p:spTree>
+    <p:extLst>
+      <p:ext uri="{BB962C8B-B14F-4D97-AF65-F5344CB8AC3E}">
+        <p14:creationId xmlns:p14="http://schemas.microsoft.com/office/powerpoint/2010/main" val="899807379"/>
+      </p:ext>
+    </p:extLst>
+  </p:cSld>
+  <p:clrMapOvr>
+    <a:masterClrMapping/>
+  </p:clrMapOvr>
+  <p:transition spd="med"/>
+</p:sld>
+</file>
+
+<file path=ppt/slides/slide14.xml><?xml version="1.0" encoding="utf-8"?>
+<p:sld xmlns:a="http://schemas.openxmlformats.org/drawingml/2006/main" xmlns:r="http://schemas.openxmlformats.org/officeDocument/2006/relationships" xmlns:p="http://schemas.openxmlformats.org/presentationml/2006/main">
+  <p:cSld>
+    <p:spTree>
+      <p:nvGrpSpPr>
+        <p:cNvPr id="1" name=""/>
+        <p:cNvGrpSpPr/>
+        <p:nvPr/>
+      </p:nvGrpSpPr>
+      <p:grpSpPr>
+        <a:xfrm>
+          <a:off x="0" y="0"/>
+          <a:ext cx="0" cy="0"/>
+          <a:chOff x="0" y="0"/>
+          <a:chExt cx="0" cy="0"/>
+        </a:xfrm>
+      </p:grpSpPr>
       <p:grpSp>
         <p:nvGrpSpPr>
           <p:cNvPr id="264" name="그룹 15"/>
@@ -3980,7 +8114,7 @@
             <a:effectLst/>
             <a:extLst>
               <a:ext uri="{C572A759-6A51-4108-AA02-DFA0A04FC94B}">
-                <ma14:wrappingTextBoxFlag xmlns="" xmlns:m="http://schemas.openxmlformats.org/officeDocument/2006/math" xmlns:a14="http://schemas.microsoft.com/office/drawing/2010/main" xmlns:ma14="http://schemas.microsoft.com/office/mac/drawingml/2011/main" val="1"/>
+                <ma14:wrappingTextBoxFlag xmlns:ma14="http://schemas.microsoft.com/office/mac/drawingml/2011/main" xmlns:a14="http://schemas.microsoft.com/office/drawing/2010/main" xmlns:m="http://schemas.openxmlformats.org/officeDocument/2006/math" xmlns="" val="1"/>
               </a:ext>
             </a:extLst>
           </p:spPr>
@@ -4028,7 +8162,7 @@
             <a:effectLst/>
             <a:extLst>
               <a:ext uri="{C572A759-6A51-4108-AA02-DFA0A04FC94B}">
-                <ma14:wrappingTextBoxFlag xmlns="" xmlns:m="http://schemas.openxmlformats.org/officeDocument/2006/math" xmlns:a14="http://schemas.microsoft.com/office/drawing/2010/main" xmlns:ma14="http://schemas.microsoft.com/office/mac/drawingml/2011/main" val="1"/>
+                <ma14:wrappingTextBoxFlag xmlns:ma14="http://schemas.microsoft.com/office/mac/drawingml/2011/main" xmlns:a14="http://schemas.microsoft.com/office/drawing/2010/main" xmlns:m="http://schemas.openxmlformats.org/officeDocument/2006/math" xmlns="" val="1"/>
               </a:ext>
             </a:extLst>
           </p:spPr>
@@ -4074,7 +8208,7 @@
           </a:ln>
           <a:extLst>
             <a:ext uri="{C572A759-6A51-4108-AA02-DFA0A04FC94B}">
-              <ma14:wrappingTextBoxFlag xmlns="" xmlns:m="http://schemas.openxmlformats.org/officeDocument/2006/math" xmlns:a14="http://schemas.microsoft.com/office/drawing/2010/main" xmlns:ma14="http://schemas.microsoft.com/office/mac/drawingml/2011/main" val="1"/>
+              <ma14:wrappingTextBoxFlag xmlns:ma14="http://schemas.microsoft.com/office/mac/drawingml/2011/main" xmlns:a14="http://schemas.microsoft.com/office/drawing/2010/main" xmlns:m="http://schemas.openxmlformats.org/officeDocument/2006/math" xmlns="" val="1"/>
             </a:ext>
           </a:extLst>
         </p:spPr>
@@ -4122,7 +8256,7 @@
           </a:ln>
           <a:extLst>
             <a:ext uri="{C572A759-6A51-4108-AA02-DFA0A04FC94B}">
-              <ma14:wrappingTextBoxFlag xmlns="" xmlns:m="http://schemas.openxmlformats.org/officeDocument/2006/math" xmlns:a14="http://schemas.microsoft.com/office/drawing/2010/main" xmlns:ma14="http://schemas.microsoft.com/office/mac/drawingml/2011/main" val="1"/>
+              <ma14:wrappingTextBoxFlag xmlns:ma14="http://schemas.microsoft.com/office/mac/drawingml/2011/main" xmlns:a14="http://schemas.microsoft.com/office/drawing/2010/main" xmlns:m="http://schemas.openxmlformats.org/officeDocument/2006/math" xmlns="" val="1"/>
             </a:ext>
           </a:extLst>
         </p:spPr>
@@ -4169,7 +8303,7 @@
           </a:ln>
           <a:extLst>
             <a:ext uri="{C572A759-6A51-4108-AA02-DFA0A04FC94B}">
-              <ma14:wrappingTextBoxFlag xmlns="" xmlns:m="http://schemas.openxmlformats.org/officeDocument/2006/math" xmlns:a14="http://schemas.microsoft.com/office/drawing/2010/main" xmlns:ma14="http://schemas.microsoft.com/office/mac/drawingml/2011/main" val="1"/>
+              <ma14:wrappingTextBoxFlag xmlns:ma14="http://schemas.microsoft.com/office/mac/drawingml/2011/main" xmlns:a14="http://schemas.microsoft.com/office/drawing/2010/main" xmlns:m="http://schemas.openxmlformats.org/officeDocument/2006/math" xmlns="" val="1"/>
             </a:ext>
           </a:extLst>
         </p:spPr>
@@ -4245,7 +8379,7 @@
           </a:ln>
           <a:extLst>
             <a:ext uri="{C572A759-6A51-4108-AA02-DFA0A04FC94B}">
-              <ma14:wrappingTextBoxFlag xmlns="" xmlns:m="http://schemas.openxmlformats.org/officeDocument/2006/math" xmlns:a14="http://schemas.microsoft.com/office/drawing/2010/main" xmlns:ma14="http://schemas.microsoft.com/office/mac/drawingml/2011/main" val="1"/>
+              <ma14:wrappingTextBoxFlag xmlns:ma14="http://schemas.microsoft.com/office/mac/drawingml/2011/main" xmlns:a14="http://schemas.microsoft.com/office/drawing/2010/main" xmlns:m="http://schemas.openxmlformats.org/officeDocument/2006/math" xmlns="" val="1"/>
             </a:ext>
           </a:extLst>
         </p:spPr>
@@ -4272,7 +8406,7 @@
 </p:sld>
 </file>
 
-<file path=ppt/slides/slide12.xml><?xml version="1.0" encoding="utf-8"?>
+<file path=ppt/slides/slide15.xml><?xml version="1.0" encoding="utf-8"?>
 <p:sld xmlns:a="http://schemas.openxmlformats.org/drawingml/2006/main" xmlns:r="http://schemas.openxmlformats.org/officeDocument/2006/relationships" xmlns:p="http://schemas.openxmlformats.org/presentationml/2006/main">
   <p:cSld>
     <p:spTree>
@@ -4325,7 +8459,7 @@
             <a:effectLst/>
             <a:extLst>
               <a:ext uri="{C572A759-6A51-4108-AA02-DFA0A04FC94B}">
-                <ma14:wrappingTextBoxFlag xmlns="" xmlns:m="http://schemas.openxmlformats.org/officeDocument/2006/math" xmlns:a14="http://schemas.microsoft.com/office/drawing/2010/main" xmlns:ma14="http://schemas.microsoft.com/office/mac/drawingml/2011/main" val="1"/>
+                <ma14:wrappingTextBoxFlag xmlns:ma14="http://schemas.microsoft.com/office/mac/drawingml/2011/main" xmlns:a14="http://schemas.microsoft.com/office/drawing/2010/main" xmlns:m="http://schemas.openxmlformats.org/officeDocument/2006/math" xmlns="" val="1"/>
               </a:ext>
             </a:extLst>
           </p:spPr>
@@ -4391,7 +8525,7 @@
             <a:effectLst/>
             <a:extLst>
               <a:ext uri="{C572A759-6A51-4108-AA02-DFA0A04FC94B}">
-                <ma14:wrappingTextBoxFlag xmlns="" xmlns:m="http://schemas.openxmlformats.org/officeDocument/2006/math" xmlns:a14="http://schemas.microsoft.com/office/drawing/2010/main" xmlns:ma14="http://schemas.microsoft.com/office/mac/drawingml/2011/main" val="1"/>
+                <ma14:wrappingTextBoxFlag xmlns:ma14="http://schemas.microsoft.com/office/mac/drawingml/2011/main" xmlns:a14="http://schemas.microsoft.com/office/drawing/2010/main" xmlns:m="http://schemas.openxmlformats.org/officeDocument/2006/math" xmlns="" val="1"/>
               </a:ext>
             </a:extLst>
           </p:spPr>
@@ -4455,7 +8589,7 @@
           </a:ln>
           <a:extLst>
             <a:ext uri="{C572A759-6A51-4108-AA02-DFA0A04FC94B}">
-              <ma14:wrappingTextBoxFlag xmlns="" xmlns:m="http://schemas.openxmlformats.org/officeDocument/2006/math" xmlns:a14="http://schemas.microsoft.com/office/drawing/2010/main" xmlns:ma14="http://schemas.microsoft.com/office/mac/drawingml/2011/main" val="1"/>
+              <ma14:wrappingTextBoxFlag xmlns:ma14="http://schemas.microsoft.com/office/mac/drawingml/2011/main" xmlns:a14="http://schemas.microsoft.com/office/drawing/2010/main" xmlns:m="http://schemas.openxmlformats.org/officeDocument/2006/math" xmlns="" val="1"/>
             </a:ext>
           </a:extLst>
         </p:spPr>
@@ -4536,7 +8670,7 @@
           </a:ln>
           <a:extLst>
             <a:ext uri="{C572A759-6A51-4108-AA02-DFA0A04FC94B}">
-              <ma14:wrappingTextBoxFlag xmlns="" xmlns:m="http://schemas.openxmlformats.org/officeDocument/2006/math" xmlns:a14="http://schemas.microsoft.com/office/drawing/2010/main" xmlns:ma14="http://schemas.microsoft.com/office/mac/drawingml/2011/main" val="1"/>
+              <ma14:wrappingTextBoxFlag xmlns:ma14="http://schemas.microsoft.com/office/mac/drawingml/2011/main" xmlns:a14="http://schemas.microsoft.com/office/drawing/2010/main" xmlns:m="http://schemas.openxmlformats.org/officeDocument/2006/math" xmlns="" val="1"/>
             </a:ext>
           </a:extLst>
         </p:spPr>
@@ -4596,7 +8730,7 @@
             <a:effectLst/>
             <a:extLst>
               <a:ext uri="{C572A759-6A51-4108-AA02-DFA0A04FC94B}">
-                <ma14:wrappingTextBoxFlag xmlns="" xmlns:m="http://schemas.openxmlformats.org/officeDocument/2006/math" xmlns:a14="http://schemas.microsoft.com/office/drawing/2010/main" xmlns:ma14="http://schemas.microsoft.com/office/mac/drawingml/2011/main" val="1"/>
+                <ma14:wrappingTextBoxFlag xmlns:ma14="http://schemas.microsoft.com/office/mac/drawingml/2011/main" xmlns:a14="http://schemas.microsoft.com/office/drawing/2010/main" xmlns:m="http://schemas.openxmlformats.org/officeDocument/2006/math" xmlns="" val="1"/>
               </a:ext>
             </a:extLst>
           </p:spPr>
@@ -4689,7 +8823,7 @@
             <a:effectLst/>
             <a:extLst>
               <a:ext uri="{C572A759-6A51-4108-AA02-DFA0A04FC94B}">
-                <ma14:wrappingTextBoxFlag xmlns="" xmlns:m="http://schemas.openxmlformats.org/officeDocument/2006/math" xmlns:a14="http://schemas.microsoft.com/office/drawing/2010/main" xmlns:ma14="http://schemas.microsoft.com/office/mac/drawingml/2011/main" val="1"/>
+                <ma14:wrappingTextBoxFlag xmlns:ma14="http://schemas.microsoft.com/office/mac/drawingml/2011/main" xmlns:a14="http://schemas.microsoft.com/office/drawing/2010/main" xmlns:m="http://schemas.openxmlformats.org/officeDocument/2006/math" xmlns="" val="1"/>
               </a:ext>
             </a:extLst>
           </p:spPr>
@@ -4759,7 +8893,7 @@
               <a:effectLst/>
               <a:extLst>
                 <a:ext uri="{C572A759-6A51-4108-AA02-DFA0A04FC94B}">
-                  <ma14:wrappingTextBoxFlag xmlns="" xmlns:m="http://schemas.openxmlformats.org/officeDocument/2006/math" xmlns:a14="http://schemas.microsoft.com/office/drawing/2010/main" xmlns:ma14="http://schemas.microsoft.com/office/mac/drawingml/2011/main" val="1"/>
+                  <ma14:wrappingTextBoxFlag xmlns:ma14="http://schemas.microsoft.com/office/mac/drawingml/2011/main" xmlns:a14="http://schemas.microsoft.com/office/drawing/2010/main" xmlns:m="http://schemas.openxmlformats.org/officeDocument/2006/math" xmlns="" val="1"/>
                 </a:ext>
               </a:extLst>
             </p:spPr>
@@ -4806,7 +8940,7 @@
               <a:effectLst/>
               <a:extLst>
                 <a:ext uri="{C572A759-6A51-4108-AA02-DFA0A04FC94B}">
-                  <ma14:wrappingTextBoxFlag xmlns="" xmlns:m="http://schemas.openxmlformats.org/officeDocument/2006/math" xmlns:a14="http://schemas.microsoft.com/office/drawing/2010/main" xmlns:ma14="http://schemas.microsoft.com/office/mac/drawingml/2011/main" val="1"/>
+                  <ma14:wrappingTextBoxFlag xmlns:ma14="http://schemas.microsoft.com/office/mac/drawingml/2011/main" xmlns:a14="http://schemas.microsoft.com/office/drawing/2010/main" xmlns:m="http://schemas.openxmlformats.org/officeDocument/2006/math" xmlns="" val="1"/>
                 </a:ext>
               </a:extLst>
             </p:spPr>
@@ -4885,7 +9019,7 @@
               <a:effectLst/>
               <a:extLst>
                 <a:ext uri="{C572A759-6A51-4108-AA02-DFA0A04FC94B}">
-                  <ma14:wrappingTextBoxFlag xmlns="" xmlns:m="http://schemas.openxmlformats.org/officeDocument/2006/math" xmlns:a14="http://schemas.microsoft.com/office/drawing/2010/main" xmlns:ma14="http://schemas.microsoft.com/office/mac/drawingml/2011/main" val="1"/>
+                  <ma14:wrappingTextBoxFlag xmlns:ma14="http://schemas.microsoft.com/office/mac/drawingml/2011/main" xmlns:a14="http://schemas.microsoft.com/office/drawing/2010/main" xmlns:m="http://schemas.openxmlformats.org/officeDocument/2006/math" xmlns="" val="1"/>
                 </a:ext>
               </a:extLst>
             </p:spPr>
@@ -4941,7 +9075,7 @@
               <a:effectLst/>
               <a:extLst>
                 <a:ext uri="{C572A759-6A51-4108-AA02-DFA0A04FC94B}">
-                  <ma14:wrappingTextBoxFlag xmlns="" xmlns:m="http://schemas.openxmlformats.org/officeDocument/2006/math" xmlns:a14="http://schemas.microsoft.com/office/drawing/2010/main" xmlns:ma14="http://schemas.microsoft.com/office/mac/drawingml/2011/main" val="1"/>
+                  <ma14:wrappingTextBoxFlag xmlns:ma14="http://schemas.microsoft.com/office/mac/drawingml/2011/main" xmlns:a14="http://schemas.microsoft.com/office/drawing/2010/main" xmlns:m="http://schemas.openxmlformats.org/officeDocument/2006/math" xmlns="" val="1"/>
                 </a:ext>
               </a:extLst>
             </p:spPr>
@@ -5017,7 +9151,7 @@
               <a:effectLst/>
               <a:extLst>
                 <a:ext uri="{C572A759-6A51-4108-AA02-DFA0A04FC94B}">
-                  <ma14:wrappingTextBoxFlag xmlns="" xmlns:m="http://schemas.openxmlformats.org/officeDocument/2006/math" xmlns:a14="http://schemas.microsoft.com/office/drawing/2010/main" xmlns:ma14="http://schemas.microsoft.com/office/mac/drawingml/2011/main" val="1"/>
+                  <ma14:wrappingTextBoxFlag xmlns:ma14="http://schemas.microsoft.com/office/mac/drawingml/2011/main" xmlns:a14="http://schemas.microsoft.com/office/drawing/2010/main" xmlns:m="http://schemas.openxmlformats.org/officeDocument/2006/math" xmlns="" val="1"/>
                 </a:ext>
               </a:extLst>
             </p:spPr>
@@ -5064,7 +9198,7 @@
               <a:effectLst/>
               <a:extLst>
                 <a:ext uri="{C572A759-6A51-4108-AA02-DFA0A04FC94B}">
-                  <ma14:wrappingTextBoxFlag xmlns="" xmlns:m="http://schemas.openxmlformats.org/officeDocument/2006/math" xmlns:a14="http://schemas.microsoft.com/office/drawing/2010/main" xmlns:ma14="http://schemas.microsoft.com/office/mac/drawingml/2011/main" val="1"/>
+                  <ma14:wrappingTextBoxFlag xmlns:ma14="http://schemas.microsoft.com/office/mac/drawingml/2011/main" xmlns:a14="http://schemas.microsoft.com/office/drawing/2010/main" xmlns:m="http://schemas.openxmlformats.org/officeDocument/2006/math" xmlns="" val="1"/>
                 </a:ext>
               </a:extLst>
             </p:spPr>
@@ -5130,7 +9264,7 @@
             <a:effectLst/>
             <a:extLst>
               <a:ext uri="{C572A759-6A51-4108-AA02-DFA0A04FC94B}">
-                <ma14:wrappingTextBoxFlag xmlns="" xmlns:m="http://schemas.openxmlformats.org/officeDocument/2006/math" xmlns:a14="http://schemas.microsoft.com/office/drawing/2010/main" xmlns:ma14="http://schemas.microsoft.com/office/mac/drawingml/2011/main" val="1"/>
+                <ma14:wrappingTextBoxFlag xmlns:ma14="http://schemas.microsoft.com/office/mac/drawingml/2011/main" xmlns:a14="http://schemas.microsoft.com/office/drawing/2010/main" xmlns:m="http://schemas.openxmlformats.org/officeDocument/2006/math" xmlns="" val="1"/>
               </a:ext>
             </a:extLst>
           </p:spPr>
@@ -5374,7 +9508,7 @@
           </a:ln>
           <a:extLst>
             <a:ext uri="{C572A759-6A51-4108-AA02-DFA0A04FC94B}">
-              <ma14:wrappingTextBoxFlag xmlns="" xmlns:m="http://schemas.openxmlformats.org/officeDocument/2006/math" xmlns:a14="http://schemas.microsoft.com/office/drawing/2010/main" xmlns:ma14="http://schemas.microsoft.com/office/mac/drawingml/2011/main" val="1"/>
+              <ma14:wrappingTextBoxFlag xmlns:ma14="http://schemas.microsoft.com/office/mac/drawingml/2011/main" xmlns:a14="http://schemas.microsoft.com/office/drawing/2010/main" xmlns:m="http://schemas.openxmlformats.org/officeDocument/2006/math" xmlns="" val="1"/>
             </a:ext>
           </a:extLst>
         </p:spPr>
@@ -5417,7 +9551,7 @@
           </a:ln>
           <a:extLst>
             <a:ext uri="{C572A759-6A51-4108-AA02-DFA0A04FC94B}">
-              <ma14:wrappingTextBoxFlag xmlns="" xmlns:m="http://schemas.openxmlformats.org/officeDocument/2006/math" xmlns:a14="http://schemas.microsoft.com/office/drawing/2010/main" xmlns:ma14="http://schemas.microsoft.com/office/mac/drawingml/2011/main" val="1"/>
+              <ma14:wrappingTextBoxFlag xmlns:ma14="http://schemas.microsoft.com/office/mac/drawingml/2011/main" xmlns:a14="http://schemas.microsoft.com/office/drawing/2010/main" xmlns:m="http://schemas.openxmlformats.org/officeDocument/2006/math" xmlns="" val="1"/>
             </a:ext>
           </a:extLst>
         </p:spPr>
@@ -5464,7 +9598,7 @@
           </a:ln>
           <a:extLst>
             <a:ext uri="{C572A759-6A51-4108-AA02-DFA0A04FC94B}">
-              <ma14:wrappingTextBoxFlag xmlns="" xmlns:m="http://schemas.openxmlformats.org/officeDocument/2006/math" xmlns:a14="http://schemas.microsoft.com/office/drawing/2010/main" xmlns:ma14="http://schemas.microsoft.com/office/mac/drawingml/2011/main" val="1"/>
+              <ma14:wrappingTextBoxFlag xmlns:ma14="http://schemas.microsoft.com/office/mac/drawingml/2011/main" xmlns:a14="http://schemas.microsoft.com/office/drawing/2010/main" xmlns:m="http://schemas.openxmlformats.org/officeDocument/2006/math" xmlns="" val="1"/>
             </a:ext>
           </a:extLst>
         </p:spPr>
@@ -5540,7 +9674,7 @@
           </a:ln>
           <a:extLst>
             <a:ext uri="{C572A759-6A51-4108-AA02-DFA0A04FC94B}">
-              <ma14:wrappingTextBoxFlag xmlns="" xmlns:m="http://schemas.openxmlformats.org/officeDocument/2006/math" xmlns:a14="http://schemas.microsoft.com/office/drawing/2010/main" xmlns:ma14="http://schemas.microsoft.com/office/mac/drawingml/2011/main" val="1"/>
+              <ma14:wrappingTextBoxFlag xmlns:ma14="http://schemas.microsoft.com/office/mac/drawingml/2011/main" xmlns:a14="http://schemas.microsoft.com/office/drawing/2010/main" xmlns:m="http://schemas.openxmlformats.org/officeDocument/2006/math" xmlns="" val="1"/>
             </a:ext>
           </a:extLst>
         </p:spPr>
@@ -5826,7 +9960,7 @@
           </a:ln>
           <a:extLst>
             <a:ext uri="{C572A759-6A51-4108-AA02-DFA0A04FC94B}">
-              <ma14:wrappingTextBoxFlag xmlns="" xmlns:m="http://schemas.openxmlformats.org/officeDocument/2006/math" xmlns:a14="http://schemas.microsoft.com/office/drawing/2010/main" xmlns:ma14="http://schemas.microsoft.com/office/mac/drawingml/2011/main" val="1"/>
+              <ma14:wrappingTextBoxFlag xmlns:ma14="http://schemas.microsoft.com/office/mac/drawingml/2011/main" xmlns:a14="http://schemas.microsoft.com/office/drawing/2010/main" xmlns:m="http://schemas.openxmlformats.org/officeDocument/2006/math" xmlns="" val="1"/>
             </a:ext>
           </a:extLst>
         </p:spPr>
@@ -5887,7 +10021,7 @@
           </a:ln>
           <a:extLst>
             <a:ext uri="{C572A759-6A51-4108-AA02-DFA0A04FC94B}">
-              <ma14:wrappingTextBoxFlag xmlns="" xmlns:m="http://schemas.openxmlformats.org/officeDocument/2006/math" xmlns:a14="http://schemas.microsoft.com/office/drawing/2010/main" xmlns:ma14="http://schemas.microsoft.com/office/mac/drawingml/2011/main" val="1"/>
+              <ma14:wrappingTextBoxFlag xmlns:ma14="http://schemas.microsoft.com/office/mac/drawingml/2011/main" xmlns:a14="http://schemas.microsoft.com/office/drawing/2010/main" xmlns:m="http://schemas.openxmlformats.org/officeDocument/2006/math" xmlns="" val="1"/>
             </a:ext>
           </a:extLst>
         </p:spPr>
@@ -5948,7 +10082,7 @@
           </a:ln>
           <a:extLst>
             <a:ext uri="{C572A759-6A51-4108-AA02-DFA0A04FC94B}">
-              <ma14:wrappingTextBoxFlag xmlns="" xmlns:m="http://schemas.openxmlformats.org/officeDocument/2006/math" xmlns:a14="http://schemas.microsoft.com/office/drawing/2010/main" xmlns:ma14="http://schemas.microsoft.com/office/mac/drawingml/2011/main" val="1"/>
+              <ma14:wrappingTextBoxFlag xmlns:ma14="http://schemas.microsoft.com/office/mac/drawingml/2011/main" xmlns:a14="http://schemas.microsoft.com/office/drawing/2010/main" xmlns:m="http://schemas.openxmlformats.org/officeDocument/2006/math" xmlns="" val="1"/>
             </a:ext>
           </a:extLst>
         </p:spPr>
@@ -6069,7 +10203,7 @@
           </a:ln>
           <a:extLst>
             <a:ext uri="{C572A759-6A51-4108-AA02-DFA0A04FC94B}">
-              <ma14:wrappingTextBoxFlag xmlns="" xmlns:m="http://schemas.openxmlformats.org/officeDocument/2006/math" xmlns:a14="http://schemas.microsoft.com/office/drawing/2010/main" xmlns:ma14="http://schemas.microsoft.com/office/mac/drawingml/2011/main" val="1"/>
+              <ma14:wrappingTextBoxFlag xmlns:ma14="http://schemas.microsoft.com/office/mac/drawingml/2011/main" xmlns:a14="http://schemas.microsoft.com/office/drawing/2010/main" xmlns:m="http://schemas.openxmlformats.org/officeDocument/2006/math" xmlns="" val="1"/>
             </a:ext>
           </a:extLst>
         </p:spPr>
@@ -6147,7 +10281,7 @@
           </a:ln>
           <a:extLst>
             <a:ext uri="{C572A759-6A51-4108-AA02-DFA0A04FC94B}">
-              <ma14:wrappingTextBoxFlag xmlns="" xmlns:m="http://schemas.openxmlformats.org/officeDocument/2006/math" xmlns:a14="http://schemas.microsoft.com/office/drawing/2010/main" xmlns:ma14="http://schemas.microsoft.com/office/mac/drawingml/2011/main" val="1"/>
+              <ma14:wrappingTextBoxFlag xmlns:ma14="http://schemas.microsoft.com/office/mac/drawingml/2011/main" xmlns:a14="http://schemas.microsoft.com/office/drawing/2010/main" xmlns:m="http://schemas.openxmlformats.org/officeDocument/2006/math" xmlns="" val="1"/>
             </a:ext>
           </a:extLst>
         </p:spPr>
@@ -6199,7 +10333,7 @@
           </a:ln>
           <a:extLst>
             <a:ext uri="{C572A759-6A51-4108-AA02-DFA0A04FC94B}">
-              <ma14:wrappingTextBoxFlag xmlns="" xmlns:m="http://schemas.openxmlformats.org/officeDocument/2006/math" xmlns:a14="http://schemas.microsoft.com/office/drawing/2010/main" xmlns:ma14="http://schemas.microsoft.com/office/mac/drawingml/2011/main" val="1"/>
+              <ma14:wrappingTextBoxFlag xmlns:ma14="http://schemas.microsoft.com/office/mac/drawingml/2011/main" xmlns:a14="http://schemas.microsoft.com/office/drawing/2010/main" xmlns:m="http://schemas.openxmlformats.org/officeDocument/2006/math" xmlns="" val="1"/>
             </a:ext>
           </a:extLst>
         </p:spPr>
@@ -6329,7 +10463,7 @@
           </a:ln>
           <a:extLst>
             <a:ext uri="{C572A759-6A51-4108-AA02-DFA0A04FC94B}">
-              <ma14:wrappingTextBoxFlag xmlns="" xmlns:m="http://schemas.openxmlformats.org/officeDocument/2006/math" xmlns:a14="http://schemas.microsoft.com/office/drawing/2010/main" xmlns:ma14="http://schemas.microsoft.com/office/mac/drawingml/2011/main" val="1"/>
+              <ma14:wrappingTextBoxFlag xmlns:ma14="http://schemas.microsoft.com/office/mac/drawingml/2011/main" xmlns:a14="http://schemas.microsoft.com/office/drawing/2010/main" xmlns:m="http://schemas.openxmlformats.org/officeDocument/2006/math" xmlns="" val="1"/>
             </a:ext>
           </a:extLst>
         </p:spPr>
@@ -6389,7 +10523,7 @@
             <a:effectLst/>
             <a:extLst>
               <a:ext uri="{C572A759-6A51-4108-AA02-DFA0A04FC94B}">
-                <ma14:wrappingTextBoxFlag xmlns="" xmlns:m="http://schemas.openxmlformats.org/officeDocument/2006/math" xmlns:a14="http://schemas.microsoft.com/office/drawing/2010/main" xmlns:ma14="http://schemas.microsoft.com/office/mac/drawingml/2011/main" val="1"/>
+                <ma14:wrappingTextBoxFlag xmlns:ma14="http://schemas.microsoft.com/office/mac/drawingml/2011/main" xmlns:a14="http://schemas.microsoft.com/office/drawing/2010/main" xmlns:m="http://schemas.openxmlformats.org/officeDocument/2006/math" xmlns="" val="1"/>
               </a:ext>
             </a:extLst>
           </p:spPr>
@@ -6439,7 +10573,7 @@
             <a:effectLst/>
             <a:extLst>
               <a:ext uri="{C572A759-6A51-4108-AA02-DFA0A04FC94B}">
-                <ma14:wrappingTextBoxFlag xmlns="" xmlns:m="http://schemas.openxmlformats.org/officeDocument/2006/math" xmlns:a14="http://schemas.microsoft.com/office/drawing/2010/main" xmlns:ma14="http://schemas.microsoft.com/office/mac/drawingml/2011/main" val="1"/>
+                <ma14:wrappingTextBoxFlag xmlns:ma14="http://schemas.microsoft.com/office/mac/drawingml/2011/main" xmlns:a14="http://schemas.microsoft.com/office/drawing/2010/main" xmlns:m="http://schemas.openxmlformats.org/officeDocument/2006/math" xmlns="" val="1"/>
               </a:ext>
             </a:extLst>
           </p:spPr>
@@ -6498,7 +10632,7 @@
           </a:ln>
           <a:extLst>
             <a:ext uri="{C572A759-6A51-4108-AA02-DFA0A04FC94B}">
-              <ma14:wrappingTextBoxFlag xmlns="" xmlns:m="http://schemas.openxmlformats.org/officeDocument/2006/math" xmlns:a14="http://schemas.microsoft.com/office/drawing/2010/main" xmlns:ma14="http://schemas.microsoft.com/office/mac/drawingml/2011/main" val="1"/>
+              <ma14:wrappingTextBoxFlag xmlns:ma14="http://schemas.microsoft.com/office/mac/drawingml/2011/main" xmlns:a14="http://schemas.microsoft.com/office/drawing/2010/main" xmlns:m="http://schemas.openxmlformats.org/officeDocument/2006/math" xmlns="" val="1"/>
             </a:ext>
           </a:extLst>
         </p:spPr>
@@ -6541,7 +10675,7 @@
           </a:ln>
           <a:extLst>
             <a:ext uri="{C572A759-6A51-4108-AA02-DFA0A04FC94B}">
-              <ma14:wrappingTextBoxFlag xmlns="" xmlns:m="http://schemas.openxmlformats.org/officeDocument/2006/math" xmlns:a14="http://schemas.microsoft.com/office/drawing/2010/main" xmlns:ma14="http://schemas.microsoft.com/office/mac/drawingml/2011/main" val="1"/>
+              <ma14:wrappingTextBoxFlag xmlns:ma14="http://schemas.microsoft.com/office/mac/drawingml/2011/main" xmlns:a14="http://schemas.microsoft.com/office/drawing/2010/main" xmlns:m="http://schemas.openxmlformats.org/officeDocument/2006/math" xmlns="" val="1"/>
             </a:ext>
           </a:extLst>
         </p:spPr>
@@ -6584,7 +10718,7 @@
           </a:ln>
           <a:extLst>
             <a:ext uri="{C572A759-6A51-4108-AA02-DFA0A04FC94B}">
-              <ma14:wrappingTextBoxFlag xmlns="" xmlns:m="http://schemas.openxmlformats.org/officeDocument/2006/math" xmlns:a14="http://schemas.microsoft.com/office/drawing/2010/main" xmlns:ma14="http://schemas.microsoft.com/office/mac/drawingml/2011/main" val="1"/>
+              <ma14:wrappingTextBoxFlag xmlns:ma14="http://schemas.microsoft.com/office/mac/drawingml/2011/main" xmlns:a14="http://schemas.microsoft.com/office/drawing/2010/main" xmlns:m="http://schemas.openxmlformats.org/officeDocument/2006/math" xmlns="" val="1"/>
             </a:ext>
           </a:extLst>
         </p:spPr>
@@ -6682,7 +10816,7 @@
           </a:ln>
           <a:extLst>
             <a:ext uri="{C572A759-6A51-4108-AA02-DFA0A04FC94B}">
-              <ma14:wrappingTextBoxFlag xmlns="" xmlns:m="http://schemas.openxmlformats.org/officeDocument/2006/math" xmlns:a14="http://schemas.microsoft.com/office/drawing/2010/main" xmlns:ma14="http://schemas.microsoft.com/office/mac/drawingml/2011/main" val="1"/>
+              <ma14:wrappingTextBoxFlag xmlns:ma14="http://schemas.microsoft.com/office/mac/drawingml/2011/main" xmlns:a14="http://schemas.microsoft.com/office/drawing/2010/main" xmlns:m="http://schemas.openxmlformats.org/officeDocument/2006/math" xmlns="" val="1"/>
             </a:ext>
           </a:extLst>
         </p:spPr>
@@ -6794,7 +10928,7 @@
           </a:ln>
           <a:extLst>
             <a:ext uri="{C572A759-6A51-4108-AA02-DFA0A04FC94B}">
-              <ma14:wrappingTextBoxFlag xmlns="" xmlns:m="http://schemas.openxmlformats.org/officeDocument/2006/math" xmlns:a14="http://schemas.microsoft.com/office/drawing/2010/main" xmlns:ma14="http://schemas.microsoft.com/office/mac/drawingml/2011/main" val="1"/>
+              <ma14:wrappingTextBoxFlag xmlns:ma14="http://schemas.microsoft.com/office/mac/drawingml/2011/main" xmlns:a14="http://schemas.microsoft.com/office/drawing/2010/main" xmlns:m="http://schemas.openxmlformats.org/officeDocument/2006/math" xmlns="" val="1"/>
             </a:ext>
           </a:extLst>
         </p:spPr>
@@ -6854,7 +10988,7 @@
             <a:effectLst/>
             <a:extLst>
               <a:ext uri="{C572A759-6A51-4108-AA02-DFA0A04FC94B}">
-                <ma14:wrappingTextBoxFlag xmlns="" xmlns:m="http://schemas.openxmlformats.org/officeDocument/2006/math" xmlns:a14="http://schemas.microsoft.com/office/drawing/2010/main" xmlns:ma14="http://schemas.microsoft.com/office/mac/drawingml/2011/main" val="1"/>
+                <ma14:wrappingTextBoxFlag xmlns:ma14="http://schemas.microsoft.com/office/mac/drawingml/2011/main" xmlns:a14="http://schemas.microsoft.com/office/drawing/2010/main" xmlns:m="http://schemas.openxmlformats.org/officeDocument/2006/math" xmlns="" val="1"/>
               </a:ext>
             </a:extLst>
           </p:spPr>
@@ -6904,7 +11038,7 @@
             <a:effectLst/>
             <a:extLst>
               <a:ext uri="{C572A759-6A51-4108-AA02-DFA0A04FC94B}">
-                <ma14:wrappingTextBoxFlag xmlns="" xmlns:m="http://schemas.openxmlformats.org/officeDocument/2006/math" xmlns:a14="http://schemas.microsoft.com/office/drawing/2010/main" xmlns:ma14="http://schemas.microsoft.com/office/mac/drawingml/2011/main" val="1"/>
+                <ma14:wrappingTextBoxFlag xmlns:ma14="http://schemas.microsoft.com/office/mac/drawingml/2011/main" xmlns:a14="http://schemas.microsoft.com/office/drawing/2010/main" xmlns:m="http://schemas.openxmlformats.org/officeDocument/2006/math" xmlns="" val="1"/>
               </a:ext>
             </a:extLst>
           </p:spPr>
@@ -6963,7 +11097,7 @@
           </a:ln>
           <a:extLst>
             <a:ext uri="{C572A759-6A51-4108-AA02-DFA0A04FC94B}">
-              <ma14:wrappingTextBoxFlag xmlns="" xmlns:m="http://schemas.openxmlformats.org/officeDocument/2006/math" xmlns:a14="http://schemas.microsoft.com/office/drawing/2010/main" xmlns:ma14="http://schemas.microsoft.com/office/mac/drawingml/2011/main" val="1"/>
+              <ma14:wrappingTextBoxFlag xmlns:ma14="http://schemas.microsoft.com/office/mac/drawingml/2011/main" xmlns:a14="http://schemas.microsoft.com/office/drawing/2010/main" xmlns:m="http://schemas.openxmlformats.org/officeDocument/2006/math" xmlns="" val="1"/>
             </a:ext>
           </a:extLst>
         </p:spPr>
@@ -7001,7 +11135,7 @@
           <p:cNvPr id="13" name="TextBox 23">
             <a:extLst>
               <a:ext uri="{FF2B5EF4-FFF2-40B4-BE49-F238E27FC236}">
-                <a16:creationId xmlns:a16="http://schemas.microsoft.com/office/drawing/2014/main" id="{E68FEF9F-639C-484C-A523-61BE25120B91}"/>
+                <a16:creationId xmlns:a16="http://schemas.microsoft.com/office/drawing/2014/main" xmlns="" id="{E68FEF9F-639C-484C-A523-61BE25120B91}"/>
               </a:ext>
             </a:extLst>
           </p:cNvPr>
@@ -7021,7 +11155,7 @@
           </a:ln>
           <a:extLst>
             <a:ext uri="{C572A759-6A51-4108-AA02-DFA0A04FC94B}">
-              <ma14:wrappingTextBoxFlag xmlns:ma14="http://schemas.microsoft.com/office/mac/drawingml/2011/main" xmlns:a14="http://schemas.microsoft.com/office/drawing/2010/main" xmlns:m="http://schemas.openxmlformats.org/officeDocument/2006/math" xmlns="" val="1"/>
+              <ma14:wrappingTextBoxFlag xmlns="" xmlns:m="http://schemas.openxmlformats.org/officeDocument/2006/math" xmlns:a14="http://schemas.microsoft.com/office/drawing/2010/main" xmlns:ma14="http://schemas.microsoft.com/office/mac/drawingml/2011/main" val="1"/>
             </a:ext>
           </a:extLst>
         </p:spPr>
@@ -7068,7 +11202,7 @@
           <p:cNvPr id="14" name="TextBox 24">
             <a:extLst>
               <a:ext uri="{FF2B5EF4-FFF2-40B4-BE49-F238E27FC236}">
-                <a16:creationId xmlns:a16="http://schemas.microsoft.com/office/drawing/2014/main" id="{4DB1C401-C317-4429-9CD4-0B6425A83D4D}"/>
+                <a16:creationId xmlns:a16="http://schemas.microsoft.com/office/drawing/2014/main" xmlns="" id="{4DB1C401-C317-4429-9CD4-0B6425A83D4D}"/>
               </a:ext>
             </a:extLst>
           </p:cNvPr>
@@ -7088,7 +11222,7 @@
           </a:ln>
           <a:extLst>
             <a:ext uri="{C572A759-6A51-4108-AA02-DFA0A04FC94B}">
-              <ma14:wrappingTextBoxFlag xmlns:ma14="http://schemas.microsoft.com/office/mac/drawingml/2011/main" xmlns:a14="http://schemas.microsoft.com/office/drawing/2010/main" xmlns:m="http://schemas.openxmlformats.org/officeDocument/2006/math" xmlns="" val="1"/>
+              <ma14:wrappingTextBoxFlag xmlns="" xmlns:m="http://schemas.openxmlformats.org/officeDocument/2006/math" xmlns:a14="http://schemas.microsoft.com/office/drawing/2010/main" xmlns:ma14="http://schemas.microsoft.com/office/mac/drawingml/2011/main" val="1"/>
             </a:ext>
           </a:extLst>
         </p:spPr>
@@ -7285,7 +11419,7 @@
           <p:cNvPr id="15" name="TextBox 14">
             <a:extLst>
               <a:ext uri="{FF2B5EF4-FFF2-40B4-BE49-F238E27FC236}">
-                <a16:creationId xmlns:a16="http://schemas.microsoft.com/office/drawing/2014/main" id="{9FB10F62-E21E-4BC8-B4DB-5915D5B14021}"/>
+                <a16:creationId xmlns:a16="http://schemas.microsoft.com/office/drawing/2014/main" xmlns="" id="{9FB10F62-E21E-4BC8-B4DB-5915D5B14021}"/>
               </a:ext>
             </a:extLst>
           </p:cNvPr>
@@ -7479,6 +11613,92 @@
               <a:t>)</a:t>
             </a:r>
             <a:endParaRPr kumimoji="0" lang="ko-KR" altLang="en-US" sz="1600" b="0" i="0" u="none" strike="noStrike" cap="none" spc="0" normalizeH="0" baseline="0">
+              <a:ln>
+                <a:noFill/>
+              </a:ln>
+              <a:solidFill>
+                <a:srgbClr val="3A3838"/>
+              </a:solidFill>
+              <a:effectLst/>
+              <a:uFillTx/>
+              <a:latin typeface="Arial"/>
+              <a:ea typeface="Arial"/>
+              <a:cs typeface="Arial"/>
+              <a:sym typeface="Arial"/>
+            </a:endParaRPr>
+          </a:p>
+        </p:txBody>
+      </p:sp>
+      <p:sp>
+        <p:nvSpPr>
+          <p:cNvPr id="16" name="직사각형 15"/>
+          <p:cNvSpPr/>
+          <p:nvPr/>
+        </p:nvSpPr>
+        <p:spPr>
+          <a:xfrm>
+            <a:off x="1344646" y="1186269"/>
+            <a:ext cx="3257115" cy="5091520"/>
+          </a:xfrm>
+          <a:prstGeom prst="rect">
+            <a:avLst/>
+          </a:prstGeom>
+          <a:blipFill dpi="0" rotWithShape="1">
+            <a:blip r:embed="rId2">
+              <a:extLst>
+                <a:ext uri="{28A0092B-C50C-407E-A947-70E740481C1C}">
+                  <a14:useLocalDpi xmlns:a14="http://schemas.microsoft.com/office/drawing/2010/main" val="0"/>
+                </a:ext>
+              </a:extLst>
+            </a:blip>
+            <a:srcRect/>
+            <a:stretch>
+              <a:fillRect/>
+            </a:stretch>
+          </a:blipFill>
+          <a:ln w="12700" cap="flat">
+            <a:noFill/>
+            <a:prstDash val="solid"/>
+            <a:miter lim="800000"/>
+          </a:ln>
+          <a:effectLst/>
+          <a:sp3d/>
+        </p:spPr>
+        <p:style>
+          <a:lnRef idx="0">
+            <a:scrgbClr r="0" g="0" b="0"/>
+          </a:lnRef>
+          <a:fillRef idx="0">
+            <a:scrgbClr r="0" g="0" b="0"/>
+          </a:fillRef>
+          <a:effectRef idx="0">
+            <a:scrgbClr r="0" g="0" b="0"/>
+          </a:effectRef>
+          <a:fontRef idx="none"/>
+        </p:style>
+        <p:txBody>
+          <a:bodyPr rot="0" spcFirstLastPara="1" vertOverflow="overflow" horzOverflow="overflow" vert="horz" wrap="square" lIns="45719" tIns="45719" rIns="45719" bIns="45719" numCol="1" spcCol="38100" rtlCol="0" anchor="ctr">
+            <a:spAutoFit/>
+          </a:bodyPr>
+          <a:lstStyle/>
+          <a:p>
+            <a:pPr marL="0" marR="0" indent="0" algn="l" defTabSz="914400" rtl="0" fontAlgn="auto" latinLnBrk="0" hangingPunct="0">
+              <a:lnSpc>
+                <a:spcPct val="100000"/>
+              </a:lnSpc>
+              <a:spcBef>
+                <a:spcPts val="0"/>
+              </a:spcBef>
+              <a:spcAft>
+                <a:spcPts val="0"/>
+              </a:spcAft>
+              <a:buClrTx/>
+              <a:buSzTx/>
+              <a:buFontTx/>
+              <a:buNone/>
+              <a:tabLst/>
+            </a:pPr>
+            <a:endParaRPr kumimoji="0" lang="ko-KR" altLang="en-US" sz="1800" b="0" i="0" u="none" strike="noStrike" cap="none" spc="0" normalizeH="0" baseline="0">
               <a:ln>
                 <a:noFill/>
               </a:ln>
@@ -7540,7 +11760,7 @@
           </a:ln>
           <a:extLst>
             <a:ext uri="{C572A759-6A51-4108-AA02-DFA0A04FC94B}">
-              <ma14:wrappingTextBoxFlag xmlns="" xmlns:m="http://schemas.openxmlformats.org/officeDocument/2006/math" xmlns:a14="http://schemas.microsoft.com/office/drawing/2010/main" xmlns:ma14="http://schemas.microsoft.com/office/mac/drawingml/2011/main" val="1"/>
+              <ma14:wrappingTextBoxFlag xmlns:ma14="http://schemas.microsoft.com/office/mac/drawingml/2011/main" xmlns:a14="http://schemas.microsoft.com/office/drawing/2010/main" xmlns:m="http://schemas.openxmlformats.org/officeDocument/2006/math" xmlns="" val="1"/>
             </a:ext>
           </a:extLst>
         </p:spPr>
@@ -7583,7 +11803,7 @@
           </a:ln>
           <a:extLst>
             <a:ext uri="{C572A759-6A51-4108-AA02-DFA0A04FC94B}">
-              <ma14:wrappingTextBoxFlag xmlns="" xmlns:m="http://schemas.openxmlformats.org/officeDocument/2006/math" xmlns:a14="http://schemas.microsoft.com/office/drawing/2010/main" xmlns:ma14="http://schemas.microsoft.com/office/mac/drawingml/2011/main" val="1"/>
+              <ma14:wrappingTextBoxFlag xmlns:ma14="http://schemas.microsoft.com/office/mac/drawingml/2011/main" xmlns:a14="http://schemas.microsoft.com/office/drawing/2010/main" xmlns:m="http://schemas.openxmlformats.org/officeDocument/2006/math" xmlns="" val="1"/>
             </a:ext>
           </a:extLst>
         </p:spPr>
@@ -7632,7 +11852,7 @@
           </a:ln>
           <a:extLst>
             <a:ext uri="{C572A759-6A51-4108-AA02-DFA0A04FC94B}">
-              <ma14:wrappingTextBoxFlag xmlns="" xmlns:m="http://schemas.openxmlformats.org/officeDocument/2006/math" xmlns:a14="http://schemas.microsoft.com/office/drawing/2010/main" xmlns:ma14="http://schemas.microsoft.com/office/mac/drawingml/2011/main" val="1"/>
+              <ma14:wrappingTextBoxFlag xmlns:ma14="http://schemas.microsoft.com/office/mac/drawingml/2011/main" xmlns:a14="http://schemas.microsoft.com/office/drawing/2010/main" xmlns:m="http://schemas.openxmlformats.org/officeDocument/2006/math" xmlns="" val="1"/>
             </a:ext>
           </a:extLst>
         </p:spPr>
@@ -7708,7 +11928,7 @@
           </a:ln>
           <a:extLst>
             <a:ext uri="{C572A759-6A51-4108-AA02-DFA0A04FC94B}">
-              <ma14:wrappingTextBoxFlag xmlns="" xmlns:m="http://schemas.openxmlformats.org/officeDocument/2006/math" xmlns:a14="http://schemas.microsoft.com/office/drawing/2010/main" xmlns:ma14="http://schemas.microsoft.com/office/mac/drawingml/2011/main" val="1"/>
+              <ma14:wrappingTextBoxFlag xmlns:ma14="http://schemas.microsoft.com/office/mac/drawingml/2011/main" xmlns:a14="http://schemas.microsoft.com/office/drawing/2010/main" xmlns:m="http://schemas.openxmlformats.org/officeDocument/2006/math" xmlns="" val="1"/>
             </a:ext>
           </a:extLst>
         </p:spPr>
@@ -7912,7 +12132,7 @@
           </a:ln>
           <a:extLst>
             <a:ext uri="{C572A759-6A51-4108-AA02-DFA0A04FC94B}">
-              <ma14:wrappingTextBoxFlag xmlns="" xmlns:m="http://schemas.openxmlformats.org/officeDocument/2006/math" xmlns:a14="http://schemas.microsoft.com/office/drawing/2010/main" xmlns:ma14="http://schemas.microsoft.com/office/mac/drawingml/2011/main" val="1"/>
+              <ma14:wrappingTextBoxFlag xmlns:ma14="http://schemas.microsoft.com/office/mac/drawingml/2011/main" xmlns:a14="http://schemas.microsoft.com/office/drawing/2010/main" xmlns:m="http://schemas.openxmlformats.org/officeDocument/2006/math" xmlns="" val="1"/>
             </a:ext>
           </a:extLst>
         </p:spPr>
@@ -7957,7 +12177,7 @@
           </a:ln>
           <a:extLst>
             <a:ext uri="{C572A759-6A51-4108-AA02-DFA0A04FC94B}">
-              <ma14:wrappingTextBoxFlag xmlns="" xmlns:m="http://schemas.openxmlformats.org/officeDocument/2006/math" xmlns:a14="http://schemas.microsoft.com/office/drawing/2010/main" xmlns:ma14="http://schemas.microsoft.com/office/mac/drawingml/2011/main" val="1"/>
+              <ma14:wrappingTextBoxFlag xmlns:ma14="http://schemas.microsoft.com/office/mac/drawingml/2011/main" xmlns:a14="http://schemas.microsoft.com/office/drawing/2010/main" xmlns:m="http://schemas.openxmlformats.org/officeDocument/2006/math" xmlns="" val="1"/>
             </a:ext>
           </a:extLst>
         </p:spPr>
@@ -7990,7 +12210,7 @@
           <p:cNvPr id="25" name="그룹 15">
             <a:extLst>
               <a:ext uri="{FF2B5EF4-FFF2-40B4-BE49-F238E27FC236}">
-                <a16:creationId xmlns:a16="http://schemas.microsoft.com/office/drawing/2014/main" id="{0B1AE4F2-4011-4D8B-860A-F59E1590DCDE}"/>
+                <a16:creationId xmlns:a16="http://schemas.microsoft.com/office/drawing/2014/main" xmlns="" id="{0B1AE4F2-4011-4D8B-860A-F59E1590DCDE}"/>
               </a:ext>
             </a:extLst>
           </p:cNvPr>
@@ -8010,7 +12230,7 @@
             <p:cNvPr id="26" name="타원 1">
               <a:extLst>
                 <a:ext uri="{FF2B5EF4-FFF2-40B4-BE49-F238E27FC236}">
-                  <a16:creationId xmlns:a16="http://schemas.microsoft.com/office/drawing/2014/main" id="{A8CD949E-08E2-4268-9DEA-0873C2605A6A}"/>
+                  <a16:creationId xmlns:a16="http://schemas.microsoft.com/office/drawing/2014/main" xmlns="" id="{A8CD949E-08E2-4268-9DEA-0873C2605A6A}"/>
                 </a:ext>
               </a:extLst>
             </p:cNvPr>
@@ -8058,7 +12278,7 @@
             <p:cNvPr id="27" name="타원 5">
               <a:extLst>
                 <a:ext uri="{FF2B5EF4-FFF2-40B4-BE49-F238E27FC236}">
-                  <a16:creationId xmlns:a16="http://schemas.microsoft.com/office/drawing/2014/main" id="{AFE04FA6-FEBA-48BD-A9FE-46496C320D5E}"/>
+                  <a16:creationId xmlns:a16="http://schemas.microsoft.com/office/drawing/2014/main" xmlns="" id="{AFE04FA6-FEBA-48BD-A9FE-46496C320D5E}"/>
                 </a:ext>
               </a:extLst>
             </p:cNvPr>
@@ -8106,7 +12326,7 @@
             <p:cNvPr id="28" name="타원 11">
               <a:extLst>
                 <a:ext uri="{FF2B5EF4-FFF2-40B4-BE49-F238E27FC236}">
-                  <a16:creationId xmlns:a16="http://schemas.microsoft.com/office/drawing/2014/main" id="{C93D3F15-C45D-4B60-9BFD-91B7BF5CCD3F}"/>
+                  <a16:creationId xmlns:a16="http://schemas.microsoft.com/office/drawing/2014/main" xmlns="" id="{C93D3F15-C45D-4B60-9BFD-91B7BF5CCD3F}"/>
                 </a:ext>
               </a:extLst>
             </p:cNvPr>
@@ -8155,7 +12375,7 @@
           <p:cNvPr id="29" name="그룹 12">
             <a:extLst>
               <a:ext uri="{FF2B5EF4-FFF2-40B4-BE49-F238E27FC236}">
-                <a16:creationId xmlns:a16="http://schemas.microsoft.com/office/drawing/2014/main" id="{324D0FF3-8508-4C4D-B081-BFE544B4FF03}"/>
+                <a16:creationId xmlns:a16="http://schemas.microsoft.com/office/drawing/2014/main" xmlns="" id="{324D0FF3-8508-4C4D-B081-BFE544B4FF03}"/>
               </a:ext>
             </a:extLst>
           </p:cNvPr>
@@ -8175,7 +12395,7 @@
             <p:cNvPr id="30" name="TextBox 13">
               <a:extLst>
                 <a:ext uri="{FF2B5EF4-FFF2-40B4-BE49-F238E27FC236}">
-                  <a16:creationId xmlns:a16="http://schemas.microsoft.com/office/drawing/2014/main" id="{D8739639-1028-4D2D-BF24-880D3E24BC0C}"/>
+                  <a16:creationId xmlns:a16="http://schemas.microsoft.com/office/drawing/2014/main" xmlns="" id="{D8739639-1028-4D2D-BF24-880D3E24BC0C}"/>
                 </a:ext>
               </a:extLst>
             </p:cNvPr>
@@ -8198,7 +12418,7 @@
             <a:effectLst/>
             <a:extLst>
               <a:ext uri="{C572A759-6A51-4108-AA02-DFA0A04FC94B}">
-                <ma14:wrappingTextBoxFlag xmlns:ma14="http://schemas.microsoft.com/office/mac/drawingml/2011/main" xmlns:a14="http://schemas.microsoft.com/office/drawing/2010/main" xmlns:m="http://schemas.openxmlformats.org/officeDocument/2006/math" xmlns="" val="1"/>
+                <ma14:wrappingTextBoxFlag xmlns="" xmlns:m="http://schemas.openxmlformats.org/officeDocument/2006/math" xmlns:a14="http://schemas.microsoft.com/office/drawing/2010/main" xmlns:ma14="http://schemas.microsoft.com/office/mac/drawingml/2011/main" val="1"/>
               </a:ext>
             </a:extLst>
           </p:spPr>
@@ -8251,7 +12471,7 @@
             <p:cNvPr id="31" name="TextBox 14">
               <a:extLst>
                 <a:ext uri="{FF2B5EF4-FFF2-40B4-BE49-F238E27FC236}">
-                  <a16:creationId xmlns:a16="http://schemas.microsoft.com/office/drawing/2014/main" id="{4A546A0C-47A8-48C0-9921-551DFCFF8782}"/>
+                  <a16:creationId xmlns:a16="http://schemas.microsoft.com/office/drawing/2014/main" xmlns="" id="{4A546A0C-47A8-48C0-9921-551DFCFF8782}"/>
                 </a:ext>
               </a:extLst>
             </p:cNvPr>
@@ -8274,7 +12494,7 @@
             <a:effectLst/>
             <a:extLst>
               <a:ext uri="{C572A759-6A51-4108-AA02-DFA0A04FC94B}">
-                <ma14:wrappingTextBoxFlag xmlns:ma14="http://schemas.microsoft.com/office/mac/drawingml/2011/main" xmlns:a14="http://schemas.microsoft.com/office/drawing/2010/main" xmlns:m="http://schemas.openxmlformats.org/officeDocument/2006/math" xmlns="" val="1"/>
+                <ma14:wrappingTextBoxFlag xmlns="" xmlns:m="http://schemas.openxmlformats.org/officeDocument/2006/math" xmlns:a14="http://schemas.microsoft.com/office/drawing/2010/main" xmlns:ma14="http://schemas.microsoft.com/office/mac/drawingml/2011/main" val="1"/>
               </a:ext>
             </a:extLst>
           </p:spPr>
@@ -8372,7 +12592,7 @@
           <p:cNvPr id="32" name="그룹 20">
             <a:extLst>
               <a:ext uri="{FF2B5EF4-FFF2-40B4-BE49-F238E27FC236}">
-                <a16:creationId xmlns:a16="http://schemas.microsoft.com/office/drawing/2014/main" id="{5282BC63-84DA-4EDF-AC0C-E87D64A498D4}"/>
+                <a16:creationId xmlns:a16="http://schemas.microsoft.com/office/drawing/2014/main" xmlns="" id="{5282BC63-84DA-4EDF-AC0C-E87D64A498D4}"/>
               </a:ext>
             </a:extLst>
           </p:cNvPr>
@@ -8392,7 +12612,7 @@
             <p:cNvPr id="33" name="TextBox 21">
               <a:extLst>
                 <a:ext uri="{FF2B5EF4-FFF2-40B4-BE49-F238E27FC236}">
-                  <a16:creationId xmlns:a16="http://schemas.microsoft.com/office/drawing/2014/main" id="{4F4CE13A-7CC2-4662-AF74-E1B19B7ECE4B}"/>
+                  <a16:creationId xmlns:a16="http://schemas.microsoft.com/office/drawing/2014/main" xmlns="" id="{4F4CE13A-7CC2-4662-AF74-E1B19B7ECE4B}"/>
                 </a:ext>
               </a:extLst>
             </p:cNvPr>
@@ -8415,7 +12635,7 @@
             <a:effectLst/>
             <a:extLst>
               <a:ext uri="{C572A759-6A51-4108-AA02-DFA0A04FC94B}">
-                <ma14:wrappingTextBoxFlag xmlns:ma14="http://schemas.microsoft.com/office/mac/drawingml/2011/main" xmlns:a14="http://schemas.microsoft.com/office/drawing/2010/main" xmlns:m="http://schemas.openxmlformats.org/officeDocument/2006/math" xmlns="" val="1"/>
+                <ma14:wrappingTextBoxFlag xmlns="" xmlns:m="http://schemas.openxmlformats.org/officeDocument/2006/math" xmlns:a14="http://schemas.microsoft.com/office/drawing/2010/main" xmlns:ma14="http://schemas.microsoft.com/office/mac/drawingml/2011/main" val="1"/>
               </a:ext>
             </a:extLst>
           </p:spPr>
@@ -8464,7 +12684,7 @@
             <p:cNvPr id="34" name="TextBox 22">
               <a:extLst>
                 <a:ext uri="{FF2B5EF4-FFF2-40B4-BE49-F238E27FC236}">
-                  <a16:creationId xmlns:a16="http://schemas.microsoft.com/office/drawing/2014/main" id="{8D4CA600-4AE9-4F2E-AA26-55BE6E1A04DB}"/>
+                  <a16:creationId xmlns:a16="http://schemas.microsoft.com/office/drawing/2014/main" xmlns="" id="{8D4CA600-4AE9-4F2E-AA26-55BE6E1A04DB}"/>
                 </a:ext>
               </a:extLst>
             </p:cNvPr>
@@ -8487,7 +12707,7 @@
             <a:effectLst/>
             <a:extLst>
               <a:ext uri="{C572A759-6A51-4108-AA02-DFA0A04FC94B}">
-                <ma14:wrappingTextBoxFlag xmlns:ma14="http://schemas.microsoft.com/office/mac/drawingml/2011/main" xmlns:a14="http://schemas.microsoft.com/office/drawing/2010/main" xmlns:m="http://schemas.openxmlformats.org/officeDocument/2006/math" xmlns="" val="1"/>
+                <ma14:wrappingTextBoxFlag xmlns="" xmlns:m="http://schemas.openxmlformats.org/officeDocument/2006/math" xmlns:a14="http://schemas.microsoft.com/office/drawing/2010/main" xmlns:ma14="http://schemas.microsoft.com/office/mac/drawingml/2011/main" val="1"/>
               </a:ext>
             </a:extLst>
           </p:spPr>
@@ -8531,7 +12751,7 @@
           <p:cNvPr id="35" name="그룹 23">
             <a:extLst>
               <a:ext uri="{FF2B5EF4-FFF2-40B4-BE49-F238E27FC236}">
-                <a16:creationId xmlns:a16="http://schemas.microsoft.com/office/drawing/2014/main" id="{DEBC432D-CCA3-4A86-8C79-5E14D38084A5}"/>
+                <a16:creationId xmlns:a16="http://schemas.microsoft.com/office/drawing/2014/main" xmlns="" id="{DEBC432D-CCA3-4A86-8C79-5E14D38084A5}"/>
               </a:ext>
             </a:extLst>
           </p:cNvPr>
@@ -8551,7 +12771,7 @@
             <p:cNvPr id="36" name="TextBox 24">
               <a:extLst>
                 <a:ext uri="{FF2B5EF4-FFF2-40B4-BE49-F238E27FC236}">
-                  <a16:creationId xmlns:a16="http://schemas.microsoft.com/office/drawing/2014/main" id="{6D8191A6-BE70-4305-B10E-C96F5C1D9E73}"/>
+                  <a16:creationId xmlns:a16="http://schemas.microsoft.com/office/drawing/2014/main" xmlns="" id="{6D8191A6-BE70-4305-B10E-C96F5C1D9E73}"/>
                 </a:ext>
               </a:extLst>
             </p:cNvPr>
@@ -8574,7 +12794,7 @@
             <a:effectLst/>
             <a:extLst>
               <a:ext uri="{C572A759-6A51-4108-AA02-DFA0A04FC94B}">
-                <ma14:wrappingTextBoxFlag xmlns:ma14="http://schemas.microsoft.com/office/mac/drawingml/2011/main" xmlns:a14="http://schemas.microsoft.com/office/drawing/2010/main" xmlns:m="http://schemas.openxmlformats.org/officeDocument/2006/math" xmlns="" val="1"/>
+                <ma14:wrappingTextBoxFlag xmlns="" xmlns:m="http://schemas.openxmlformats.org/officeDocument/2006/math" xmlns:a14="http://schemas.microsoft.com/office/drawing/2010/main" xmlns:ma14="http://schemas.microsoft.com/office/mac/drawingml/2011/main" val="1"/>
               </a:ext>
             </a:extLst>
           </p:spPr>
@@ -8612,7 +12832,7 @@
             <p:cNvPr id="37" name="TextBox 25">
               <a:extLst>
                 <a:ext uri="{FF2B5EF4-FFF2-40B4-BE49-F238E27FC236}">
-                  <a16:creationId xmlns:a16="http://schemas.microsoft.com/office/drawing/2014/main" id="{B6FD8642-BEC8-4348-986F-49A1EDB5DC8B}"/>
+                  <a16:creationId xmlns:a16="http://schemas.microsoft.com/office/drawing/2014/main" xmlns="" id="{B6FD8642-BEC8-4348-986F-49A1EDB5DC8B}"/>
                 </a:ext>
               </a:extLst>
             </p:cNvPr>
@@ -8635,7 +12855,7 @@
             <a:effectLst/>
             <a:extLst>
               <a:ext uri="{C572A759-6A51-4108-AA02-DFA0A04FC94B}">
-                <ma14:wrappingTextBoxFlag xmlns:ma14="http://schemas.microsoft.com/office/mac/drawingml/2011/main" xmlns:a14="http://schemas.microsoft.com/office/drawing/2010/main" xmlns:m="http://schemas.openxmlformats.org/officeDocument/2006/math" xmlns="" val="1"/>
+                <ma14:wrappingTextBoxFlag xmlns="" xmlns:m="http://schemas.openxmlformats.org/officeDocument/2006/math" xmlns:a14="http://schemas.microsoft.com/office/drawing/2010/main" xmlns:ma14="http://schemas.microsoft.com/office/mac/drawingml/2011/main" val="1"/>
               </a:ext>
             </a:extLst>
           </p:spPr>
@@ -8692,7 +12912,7 @@
           <p:cNvPr id="38" name="직선 연결선 28">
             <a:extLst>
               <a:ext uri="{FF2B5EF4-FFF2-40B4-BE49-F238E27FC236}">
-                <a16:creationId xmlns:a16="http://schemas.microsoft.com/office/drawing/2014/main" id="{AEEC274E-D2B2-49E0-A819-DDEDF36D34BD}"/>
+                <a16:creationId xmlns:a16="http://schemas.microsoft.com/office/drawing/2014/main" xmlns="" id="{AEEC274E-D2B2-49E0-A819-DDEDF36D34BD}"/>
               </a:ext>
             </a:extLst>
           </p:cNvPr>
@@ -8727,7 +12947,7 @@
           <p:cNvPr id="39" name="직선 연결선 29">
             <a:extLst>
               <a:ext uri="{FF2B5EF4-FFF2-40B4-BE49-F238E27FC236}">
-                <a16:creationId xmlns:a16="http://schemas.microsoft.com/office/drawing/2014/main" id="{24A46059-7796-4BA4-8A73-637BCA571AFE}"/>
+                <a16:creationId xmlns:a16="http://schemas.microsoft.com/office/drawing/2014/main" xmlns="" id="{24A46059-7796-4BA4-8A73-637BCA571AFE}"/>
               </a:ext>
             </a:extLst>
           </p:cNvPr>
@@ -8762,7 +12982,7 @@
           <p:cNvPr id="40" name="직선 연결선 30">
             <a:extLst>
               <a:ext uri="{FF2B5EF4-FFF2-40B4-BE49-F238E27FC236}">
-                <a16:creationId xmlns:a16="http://schemas.microsoft.com/office/drawing/2014/main" id="{58B17A4B-7B46-4B29-91C9-D8838A575727}"/>
+                <a16:creationId xmlns:a16="http://schemas.microsoft.com/office/drawing/2014/main" xmlns="" id="{58B17A4B-7B46-4B29-91C9-D8838A575727}"/>
               </a:ext>
             </a:extLst>
           </p:cNvPr>
@@ -8797,7 +13017,7 @@
           <p:cNvPr id="41" name="그룹 14">
             <a:extLst>
               <a:ext uri="{FF2B5EF4-FFF2-40B4-BE49-F238E27FC236}">
-                <a16:creationId xmlns:a16="http://schemas.microsoft.com/office/drawing/2014/main" id="{B65C5A68-93B3-48DE-81F2-C68C5C259B94}"/>
+                <a16:creationId xmlns:a16="http://schemas.microsoft.com/office/drawing/2014/main" xmlns="" id="{B65C5A68-93B3-48DE-81F2-C68C5C259B94}"/>
               </a:ext>
             </a:extLst>
           </p:cNvPr>
@@ -8817,7 +13037,7 @@
             <p:cNvPr id="42" name="TextBox 17">
               <a:extLst>
                 <a:ext uri="{FF2B5EF4-FFF2-40B4-BE49-F238E27FC236}">
-                  <a16:creationId xmlns:a16="http://schemas.microsoft.com/office/drawing/2014/main" id="{EC6A32A6-471B-4AA6-AABE-68E0AED7D2E9}"/>
+                  <a16:creationId xmlns:a16="http://schemas.microsoft.com/office/drawing/2014/main" xmlns="" id="{EC6A32A6-471B-4AA6-AABE-68E0AED7D2E9}"/>
                 </a:ext>
               </a:extLst>
             </p:cNvPr>
@@ -8840,7 +13060,7 @@
             <a:effectLst/>
             <a:extLst>
               <a:ext uri="{C572A759-6A51-4108-AA02-DFA0A04FC94B}">
-                <ma14:wrappingTextBoxFlag xmlns="" xmlns:m="http://schemas.openxmlformats.org/officeDocument/2006/math" xmlns:a14="http://schemas.microsoft.com/office/drawing/2010/main" xmlns:ma14="http://schemas.microsoft.com/office/mac/drawingml/2011/main" val="1"/>
+                <ma14:wrappingTextBoxFlag xmlns:ma14="http://schemas.microsoft.com/office/mac/drawingml/2011/main" xmlns:a14="http://schemas.microsoft.com/office/drawing/2010/main" xmlns:m="http://schemas.openxmlformats.org/officeDocument/2006/math" xmlns="" val="1"/>
               </a:ext>
             </a:extLst>
           </p:spPr>
@@ -8886,7 +13106,7 @@
             <p:cNvPr id="43" name="TextBox 18">
               <a:extLst>
                 <a:ext uri="{FF2B5EF4-FFF2-40B4-BE49-F238E27FC236}">
-                  <a16:creationId xmlns:a16="http://schemas.microsoft.com/office/drawing/2014/main" id="{D9A5D050-6ED0-4767-B708-D980766D185C}"/>
+                  <a16:creationId xmlns:a16="http://schemas.microsoft.com/office/drawing/2014/main" xmlns="" id="{D9A5D050-6ED0-4767-B708-D980766D185C}"/>
                 </a:ext>
               </a:extLst>
             </p:cNvPr>
@@ -8909,7 +13129,7 @@
             <a:effectLst/>
             <a:extLst>
               <a:ext uri="{C572A759-6A51-4108-AA02-DFA0A04FC94B}">
-                <ma14:wrappingTextBoxFlag xmlns="" xmlns:m="http://schemas.openxmlformats.org/officeDocument/2006/math" xmlns:a14="http://schemas.microsoft.com/office/drawing/2010/main" xmlns:ma14="http://schemas.microsoft.com/office/mac/drawingml/2011/main" val="1"/>
+                <ma14:wrappingTextBoxFlag xmlns:ma14="http://schemas.microsoft.com/office/mac/drawingml/2011/main" xmlns:a14="http://schemas.microsoft.com/office/drawing/2010/main" xmlns:m="http://schemas.openxmlformats.org/officeDocument/2006/math" xmlns="" val="1"/>
               </a:ext>
             </a:extLst>
           </p:spPr>
@@ -9000,7 +13220,7 @@
           </a:ln>
           <a:extLst>
             <a:ext uri="{C572A759-6A51-4108-AA02-DFA0A04FC94B}">
-              <ma14:wrappingTextBoxFlag xmlns="" xmlns:m="http://schemas.openxmlformats.org/officeDocument/2006/math" xmlns:a14="http://schemas.microsoft.com/office/drawing/2010/main" xmlns:ma14="http://schemas.microsoft.com/office/mac/drawingml/2011/main" val="1"/>
+              <ma14:wrappingTextBoxFlag xmlns:ma14="http://schemas.microsoft.com/office/mac/drawingml/2011/main" xmlns:a14="http://schemas.microsoft.com/office/drawing/2010/main" xmlns:m="http://schemas.openxmlformats.org/officeDocument/2006/math" xmlns="" val="1"/>
             </a:ext>
           </a:extLst>
         </p:spPr>
@@ -9246,7 +13466,7 @@
           </a:ln>
           <a:extLst>
             <a:ext uri="{C572A759-6A51-4108-AA02-DFA0A04FC94B}">
-              <ma14:wrappingTextBoxFlag xmlns="" xmlns:m="http://schemas.openxmlformats.org/officeDocument/2006/math" xmlns:a14="http://schemas.microsoft.com/office/drawing/2010/main" xmlns:ma14="http://schemas.microsoft.com/office/mac/drawingml/2011/main" val="1"/>
+              <ma14:wrappingTextBoxFlag xmlns:ma14="http://schemas.microsoft.com/office/mac/drawingml/2011/main" xmlns:a14="http://schemas.microsoft.com/office/drawing/2010/main" xmlns:m="http://schemas.openxmlformats.org/officeDocument/2006/math" xmlns="" val="1"/>
             </a:ext>
           </a:extLst>
         </p:spPr>
@@ -9396,7 +13616,7 @@
           </a:ln>
           <a:extLst>
             <a:ext uri="{C572A759-6A51-4108-AA02-DFA0A04FC94B}">
-              <ma14:wrappingTextBoxFlag xmlns="" xmlns:m="http://schemas.openxmlformats.org/officeDocument/2006/math" xmlns:a14="http://schemas.microsoft.com/office/drawing/2010/main" xmlns:ma14="http://schemas.microsoft.com/office/mac/drawingml/2011/main" val="1"/>
+              <ma14:wrappingTextBoxFlag xmlns:ma14="http://schemas.microsoft.com/office/mac/drawingml/2011/main" xmlns:a14="http://schemas.microsoft.com/office/drawing/2010/main" xmlns:m="http://schemas.openxmlformats.org/officeDocument/2006/math" xmlns="" val="1"/>
             </a:ext>
           </a:extLst>
         </p:spPr>
@@ -9441,7 +13661,7 @@
           </a:ln>
           <a:extLst>
             <a:ext uri="{C572A759-6A51-4108-AA02-DFA0A04FC94B}">
-              <ma14:wrappingTextBoxFlag xmlns="" xmlns:m="http://schemas.openxmlformats.org/officeDocument/2006/math" xmlns:a14="http://schemas.microsoft.com/office/drawing/2010/main" xmlns:ma14="http://schemas.microsoft.com/office/mac/drawingml/2011/main" val="1"/>
+              <ma14:wrappingTextBoxFlag xmlns:ma14="http://schemas.microsoft.com/office/mac/drawingml/2011/main" xmlns:a14="http://schemas.microsoft.com/office/drawing/2010/main" xmlns:m="http://schemas.openxmlformats.org/officeDocument/2006/math" xmlns="" val="1"/>
             </a:ext>
           </a:extLst>
         </p:spPr>
@@ -9624,7 +13844,7 @@
           </a:ln>
           <a:extLst>
             <a:ext uri="{C572A759-6A51-4108-AA02-DFA0A04FC94B}">
-              <ma14:wrappingTextBoxFlag xmlns="" xmlns:m="http://schemas.openxmlformats.org/officeDocument/2006/math" xmlns:a14="http://schemas.microsoft.com/office/drawing/2010/main" xmlns:ma14="http://schemas.microsoft.com/office/mac/drawingml/2011/main" val="1"/>
+              <ma14:wrappingTextBoxFlag xmlns:ma14="http://schemas.microsoft.com/office/mac/drawingml/2011/main" xmlns:a14="http://schemas.microsoft.com/office/drawing/2010/main" xmlns:m="http://schemas.openxmlformats.org/officeDocument/2006/math" xmlns="" val="1"/>
             </a:ext>
           </a:extLst>
         </p:spPr>
@@ -9750,7 +13970,7 @@
           </a:ln>
           <a:extLst>
             <a:ext uri="{C572A759-6A51-4108-AA02-DFA0A04FC94B}">
-              <ma14:wrappingTextBoxFlag xmlns="" xmlns:m="http://schemas.openxmlformats.org/officeDocument/2006/math" xmlns:a14="http://schemas.microsoft.com/office/drawing/2010/main" xmlns:ma14="http://schemas.microsoft.com/office/mac/drawingml/2011/main" val="1"/>
+              <ma14:wrappingTextBoxFlag xmlns:ma14="http://schemas.microsoft.com/office/mac/drawingml/2011/main" xmlns:a14="http://schemas.microsoft.com/office/drawing/2010/main" xmlns:m="http://schemas.openxmlformats.org/officeDocument/2006/math" xmlns="" val="1"/>
             </a:ext>
           </a:extLst>
         </p:spPr>
@@ -10004,7 +14224,7 @@
           </a:ln>
           <a:extLst>
             <a:ext uri="{C572A759-6A51-4108-AA02-DFA0A04FC94B}">
-              <ma14:wrappingTextBoxFlag xmlns="" xmlns:m="http://schemas.openxmlformats.org/officeDocument/2006/math" xmlns:a14="http://schemas.microsoft.com/office/drawing/2010/main" xmlns:ma14="http://schemas.microsoft.com/office/mac/drawingml/2011/main" val="1"/>
+              <ma14:wrappingTextBoxFlag xmlns:ma14="http://schemas.microsoft.com/office/mac/drawingml/2011/main" xmlns:a14="http://schemas.microsoft.com/office/drawing/2010/main" xmlns:m="http://schemas.openxmlformats.org/officeDocument/2006/math" xmlns="" val="1"/>
             </a:ext>
           </a:extLst>
         </p:spPr>
@@ -10035,7 +14255,7 @@
           <p:cNvPr id="75" name="그룹 14">
             <a:extLst>
               <a:ext uri="{FF2B5EF4-FFF2-40B4-BE49-F238E27FC236}">
-                <a16:creationId xmlns:a16="http://schemas.microsoft.com/office/drawing/2014/main" id="{480F2131-1FC0-4CE2-AD05-D24335AA57B1}"/>
+                <a16:creationId xmlns:a16="http://schemas.microsoft.com/office/drawing/2014/main" xmlns="" id="{480F2131-1FC0-4CE2-AD05-D24335AA57B1}"/>
               </a:ext>
             </a:extLst>
           </p:cNvPr>
@@ -10055,7 +14275,7 @@
             <p:cNvPr id="76" name="TextBox 17">
               <a:extLst>
                 <a:ext uri="{FF2B5EF4-FFF2-40B4-BE49-F238E27FC236}">
-                  <a16:creationId xmlns:a16="http://schemas.microsoft.com/office/drawing/2014/main" id="{F2BA8A8E-A79D-4081-9657-238CFA66F131}"/>
+                  <a16:creationId xmlns:a16="http://schemas.microsoft.com/office/drawing/2014/main" xmlns="" id="{F2BA8A8E-A79D-4081-9657-238CFA66F131}"/>
                 </a:ext>
               </a:extLst>
             </p:cNvPr>
@@ -10078,7 +14298,7 @@
             <a:effectLst/>
             <a:extLst>
               <a:ext uri="{C572A759-6A51-4108-AA02-DFA0A04FC94B}">
-                <ma14:wrappingTextBoxFlag xmlns="" xmlns:m="http://schemas.openxmlformats.org/officeDocument/2006/math" xmlns:a14="http://schemas.microsoft.com/office/drawing/2010/main" xmlns:ma14="http://schemas.microsoft.com/office/mac/drawingml/2011/main" val="1"/>
+                <ma14:wrappingTextBoxFlag xmlns:ma14="http://schemas.microsoft.com/office/mac/drawingml/2011/main" xmlns:a14="http://schemas.microsoft.com/office/drawing/2010/main" xmlns:m="http://schemas.openxmlformats.org/officeDocument/2006/math" xmlns="" val="1"/>
               </a:ext>
             </a:extLst>
           </p:spPr>
@@ -10124,7 +14344,7 @@
             <p:cNvPr id="77" name="TextBox 18">
               <a:extLst>
                 <a:ext uri="{FF2B5EF4-FFF2-40B4-BE49-F238E27FC236}">
-                  <a16:creationId xmlns:a16="http://schemas.microsoft.com/office/drawing/2014/main" id="{D3B42ED4-59AE-4E8E-9E4F-E92CA3D562CA}"/>
+                  <a16:creationId xmlns:a16="http://schemas.microsoft.com/office/drawing/2014/main" xmlns="" id="{D3B42ED4-59AE-4E8E-9E4F-E92CA3D562CA}"/>
                 </a:ext>
               </a:extLst>
             </p:cNvPr>
@@ -10147,7 +14367,7 @@
             <a:effectLst/>
             <a:extLst>
               <a:ext uri="{C572A759-6A51-4108-AA02-DFA0A04FC94B}">
-                <ma14:wrappingTextBoxFlag xmlns="" xmlns:m="http://schemas.openxmlformats.org/officeDocument/2006/math" xmlns:a14="http://schemas.microsoft.com/office/drawing/2010/main" xmlns:ma14="http://schemas.microsoft.com/office/mac/drawingml/2011/main" val="1"/>
+                <ma14:wrappingTextBoxFlag xmlns:ma14="http://schemas.microsoft.com/office/mac/drawingml/2011/main" xmlns:a14="http://schemas.microsoft.com/office/drawing/2010/main" xmlns:m="http://schemas.openxmlformats.org/officeDocument/2006/math" xmlns="" val="1"/>
               </a:ext>
             </a:extLst>
           </p:spPr>
@@ -10198,7 +14418,7 @@
           <p:cNvPr id="78" name="TextBox 21">
             <a:extLst>
               <a:ext uri="{FF2B5EF4-FFF2-40B4-BE49-F238E27FC236}">
-                <a16:creationId xmlns:a16="http://schemas.microsoft.com/office/drawing/2014/main" id="{11986AC4-5742-4A15-9E2E-412D554D2D04}"/>
+                <a16:creationId xmlns:a16="http://schemas.microsoft.com/office/drawing/2014/main" xmlns="" id="{11986AC4-5742-4A15-9E2E-412D554D2D04}"/>
               </a:ext>
             </a:extLst>
           </p:cNvPr>
@@ -10218,7 +14438,7 @@
           </a:ln>
           <a:extLst>
             <a:ext uri="{C572A759-6A51-4108-AA02-DFA0A04FC94B}">
-              <ma14:wrappingTextBoxFlag xmlns="" xmlns:m="http://schemas.openxmlformats.org/officeDocument/2006/math" xmlns:a14="http://schemas.microsoft.com/office/drawing/2010/main" xmlns:ma14="http://schemas.microsoft.com/office/mac/drawingml/2011/main" val="1"/>
+              <ma14:wrappingTextBoxFlag xmlns:ma14="http://schemas.microsoft.com/office/mac/drawingml/2011/main" xmlns:a14="http://schemas.microsoft.com/office/drawing/2010/main" xmlns:m="http://schemas.openxmlformats.org/officeDocument/2006/math" xmlns="" val="1"/>
             </a:ext>
           </a:extLst>
         </p:spPr>
@@ -10403,7 +14623,7 @@
           </a:ln>
           <a:extLst>
             <a:ext uri="{C572A759-6A51-4108-AA02-DFA0A04FC94B}">
-              <ma14:wrappingTextBoxFlag xmlns="" xmlns:m="http://schemas.openxmlformats.org/officeDocument/2006/math" xmlns:a14="http://schemas.microsoft.com/office/drawing/2010/main" xmlns:ma14="http://schemas.microsoft.com/office/mac/drawingml/2011/main" val="1"/>
+              <ma14:wrappingTextBoxFlag xmlns:ma14="http://schemas.microsoft.com/office/mac/drawingml/2011/main" xmlns:a14="http://schemas.microsoft.com/office/drawing/2010/main" xmlns:m="http://schemas.openxmlformats.org/officeDocument/2006/math" xmlns="" val="1"/>
             </a:ext>
           </a:extLst>
         </p:spPr>
@@ -10446,7 +14666,7 @@
           </a:ln>
           <a:extLst>
             <a:ext uri="{C572A759-6A51-4108-AA02-DFA0A04FC94B}">
-              <ma14:wrappingTextBoxFlag xmlns="" xmlns:m="http://schemas.openxmlformats.org/officeDocument/2006/math" xmlns:a14="http://schemas.microsoft.com/office/drawing/2010/main" xmlns:ma14="http://schemas.microsoft.com/office/mac/drawingml/2011/main" val="1"/>
+              <ma14:wrappingTextBoxFlag xmlns:ma14="http://schemas.microsoft.com/office/mac/drawingml/2011/main" xmlns:a14="http://schemas.microsoft.com/office/drawing/2010/main" xmlns:m="http://schemas.openxmlformats.org/officeDocument/2006/math" xmlns="" val="1"/>
             </a:ext>
           </a:extLst>
         </p:spPr>
@@ -10495,7 +14715,7 @@
           </a:ln>
           <a:extLst>
             <a:ext uri="{C572A759-6A51-4108-AA02-DFA0A04FC94B}">
-              <ma14:wrappingTextBoxFlag xmlns="" xmlns:m="http://schemas.openxmlformats.org/officeDocument/2006/math" xmlns:a14="http://schemas.microsoft.com/office/drawing/2010/main" xmlns:ma14="http://schemas.microsoft.com/office/mac/drawingml/2011/main" val="1"/>
+              <ma14:wrappingTextBoxFlag xmlns:ma14="http://schemas.microsoft.com/office/mac/drawingml/2011/main" xmlns:a14="http://schemas.microsoft.com/office/drawing/2010/main" xmlns:m="http://schemas.openxmlformats.org/officeDocument/2006/math" xmlns="" val="1"/>
             </a:ext>
           </a:extLst>
         </p:spPr>
@@ -10571,7 +14791,7 @@
           </a:ln>
           <a:extLst>
             <a:ext uri="{C572A759-6A51-4108-AA02-DFA0A04FC94B}">
-              <ma14:wrappingTextBoxFlag xmlns="" xmlns:m="http://schemas.openxmlformats.org/officeDocument/2006/math" xmlns:a14="http://schemas.microsoft.com/office/drawing/2010/main" xmlns:ma14="http://schemas.microsoft.com/office/mac/drawingml/2011/main" val="1"/>
+              <ma14:wrappingTextBoxFlag xmlns:ma14="http://schemas.microsoft.com/office/mac/drawingml/2011/main" xmlns:a14="http://schemas.microsoft.com/office/drawing/2010/main" xmlns:m="http://schemas.openxmlformats.org/officeDocument/2006/math" xmlns="" val="1"/>
             </a:ext>
           </a:extLst>
         </p:spPr>
